--- a/01 Classes/Aula 07 Desenvolvimento Web - CSS.pptx
+++ b/01 Classes/Aula 07 Desenvolvimento Web - CSS.pptx
@@ -5,7 +5,7 @@
     <p:sldMasterId id="2147483648" r:id="rId1"/>
   </p:sldMasterIdLst>
   <p:notesMasterIdLst>
-    <p:notesMasterId r:id="rId24"/>
+    <p:notesMasterId r:id="rId33"/>
   </p:notesMasterIdLst>
   <p:sldIdLst>
     <p:sldId id="256" r:id="rId2"/>
@@ -25,11 +25,20 @@
     <p:sldId id="430" r:id="rId16"/>
     <p:sldId id="431" r:id="rId17"/>
     <p:sldId id="439" r:id="rId18"/>
-    <p:sldId id="333" r:id="rId19"/>
-    <p:sldId id="323" r:id="rId20"/>
-    <p:sldId id="334" r:id="rId21"/>
-    <p:sldId id="337" r:id="rId22"/>
-    <p:sldId id="309" r:id="rId23"/>
+    <p:sldId id="440" r:id="rId19"/>
+    <p:sldId id="441" r:id="rId20"/>
+    <p:sldId id="442" r:id="rId21"/>
+    <p:sldId id="443" r:id="rId22"/>
+    <p:sldId id="444" r:id="rId23"/>
+    <p:sldId id="445" r:id="rId24"/>
+    <p:sldId id="446" r:id="rId25"/>
+    <p:sldId id="447" r:id="rId26"/>
+    <p:sldId id="448" r:id="rId27"/>
+    <p:sldId id="333" r:id="rId28"/>
+    <p:sldId id="323" r:id="rId29"/>
+    <p:sldId id="334" r:id="rId30"/>
+    <p:sldId id="337" r:id="rId31"/>
+    <p:sldId id="309" r:id="rId32"/>
   </p:sldIdLst>
   <p:sldSz cx="9144000" cy="5143500" type="screen16x9"/>
   <p:notesSz cx="6858000" cy="9144000"/>
@@ -1033,7 +1042,7 @@
     </p:spTree>
     <p:extLst>
       <p:ext uri="{BB962C8B-B14F-4D97-AF65-F5344CB8AC3E}">
-        <p14:creationId xmlns:p14="http://schemas.microsoft.com/office/powerpoint/2010/main" val="585304384"/>
+        <p14:creationId xmlns:p14="http://schemas.microsoft.com/office/powerpoint/2010/main" val="1753421626"/>
       </p:ext>
     </p:extLst>
   </p:cSld>
@@ -1099,7 +1108,7 @@
     </p:spTree>
     <p:extLst>
       <p:ext uri="{BB962C8B-B14F-4D97-AF65-F5344CB8AC3E}">
-        <p14:creationId xmlns:p14="http://schemas.microsoft.com/office/powerpoint/2010/main" val="2709569597"/>
+        <p14:creationId xmlns:p14="http://schemas.microsoft.com/office/powerpoint/2010/main" val="2926702586"/>
       </p:ext>
     </p:extLst>
   </p:cSld>
@@ -1165,7 +1174,7 @@
     </p:spTree>
     <p:extLst>
       <p:ext uri="{BB962C8B-B14F-4D97-AF65-F5344CB8AC3E}">
-        <p14:creationId xmlns:p14="http://schemas.microsoft.com/office/powerpoint/2010/main" val="2296249050"/>
+        <p14:creationId xmlns:p14="http://schemas.microsoft.com/office/powerpoint/2010/main" val="3102712834"/>
       </p:ext>
     </p:extLst>
   </p:cSld>
@@ -1231,7 +1240,7 @@
     </p:spTree>
     <p:extLst>
       <p:ext uri="{BB962C8B-B14F-4D97-AF65-F5344CB8AC3E}">
-        <p14:creationId xmlns:p14="http://schemas.microsoft.com/office/powerpoint/2010/main" val="4290351292"/>
+        <p14:creationId xmlns:p14="http://schemas.microsoft.com/office/powerpoint/2010/main" val="341796722"/>
       </p:ext>
     </p:extLst>
   </p:cSld>
@@ -1298,6 +1307,600 @@
     <p:extLst>
       <p:ext uri="{BB962C8B-B14F-4D97-AF65-F5344CB8AC3E}">
         <p14:creationId xmlns:p14="http://schemas.microsoft.com/office/powerpoint/2010/main" val="2763179486"/>
+      </p:ext>
+    </p:extLst>
+  </p:cSld>
+  <p:clrMapOvr>
+    <a:masterClrMapping/>
+  </p:clrMapOvr>
+</p:notes>
+</file>
+
+<file path=ppt/notesSlides/notesSlide20.xml><?xml version="1.0" encoding="utf-8"?>
+<p:notes xmlns:a="http://schemas.openxmlformats.org/drawingml/2006/main" xmlns:r="http://schemas.openxmlformats.org/officeDocument/2006/relationships" xmlns:p="http://schemas.openxmlformats.org/presentationml/2006/main">
+  <p:cSld>
+    <p:spTree>
+      <p:nvGrpSpPr>
+        <p:cNvPr id="1" name=""/>
+        <p:cNvGrpSpPr/>
+        <p:nvPr/>
+      </p:nvGrpSpPr>
+      <p:grpSpPr>
+        <a:xfrm>
+          <a:off x="0" y="0"/>
+          <a:ext cx="0" cy="0"/>
+          <a:chOff x="0" y="0"/>
+          <a:chExt cx="0" cy="0"/>
+        </a:xfrm>
+      </p:grpSpPr>
+      <p:sp>
+        <p:nvSpPr>
+          <p:cNvPr id="2" name="Espaço Reservado para Imagem de Slide 1"/>
+          <p:cNvSpPr>
+            <a:spLocks noGrp="1" noRot="1" noChangeAspect="1"/>
+          </p:cNvSpPr>
+          <p:nvPr>
+            <p:ph type="sldImg"/>
+          </p:nvPr>
+        </p:nvSpPr>
+        <p:spPr>
+          <a:xfrm>
+            <a:off x="381000" y="685800"/>
+            <a:ext cx="6096000" cy="3429000"/>
+          </a:xfrm>
+        </p:spPr>
+      </p:sp>
+      <p:sp>
+        <p:nvSpPr>
+          <p:cNvPr id="3" name="Espaço Reservado para Anotações 2"/>
+          <p:cNvSpPr>
+            <a:spLocks noGrp="1"/>
+          </p:cNvSpPr>
+          <p:nvPr>
+            <p:ph type="body" idx="1"/>
+          </p:nvPr>
+        </p:nvSpPr>
+        <p:spPr/>
+        <p:txBody>
+          <a:bodyPr/>
+          <a:lstStyle/>
+          <a:p>
+            <a:endParaRPr lang="pt-BR" dirty="0"/>
+          </a:p>
+        </p:txBody>
+      </p:sp>
+    </p:spTree>
+    <p:extLst>
+      <p:ext uri="{BB962C8B-B14F-4D97-AF65-F5344CB8AC3E}">
+        <p14:creationId xmlns:p14="http://schemas.microsoft.com/office/powerpoint/2010/main" val="2434261348"/>
+      </p:ext>
+    </p:extLst>
+  </p:cSld>
+  <p:clrMapOvr>
+    <a:masterClrMapping/>
+  </p:clrMapOvr>
+</p:notes>
+</file>
+
+<file path=ppt/notesSlides/notesSlide21.xml><?xml version="1.0" encoding="utf-8"?>
+<p:notes xmlns:a="http://schemas.openxmlformats.org/drawingml/2006/main" xmlns:r="http://schemas.openxmlformats.org/officeDocument/2006/relationships" xmlns:p="http://schemas.openxmlformats.org/presentationml/2006/main">
+  <p:cSld>
+    <p:spTree>
+      <p:nvGrpSpPr>
+        <p:cNvPr id="1" name=""/>
+        <p:cNvGrpSpPr/>
+        <p:nvPr/>
+      </p:nvGrpSpPr>
+      <p:grpSpPr>
+        <a:xfrm>
+          <a:off x="0" y="0"/>
+          <a:ext cx="0" cy="0"/>
+          <a:chOff x="0" y="0"/>
+          <a:chExt cx="0" cy="0"/>
+        </a:xfrm>
+      </p:grpSpPr>
+      <p:sp>
+        <p:nvSpPr>
+          <p:cNvPr id="2" name="Espaço Reservado para Imagem de Slide 1"/>
+          <p:cNvSpPr>
+            <a:spLocks noGrp="1" noRot="1" noChangeAspect="1"/>
+          </p:cNvSpPr>
+          <p:nvPr>
+            <p:ph type="sldImg"/>
+          </p:nvPr>
+        </p:nvSpPr>
+        <p:spPr>
+          <a:xfrm>
+            <a:off x="381000" y="685800"/>
+            <a:ext cx="6096000" cy="3429000"/>
+          </a:xfrm>
+        </p:spPr>
+      </p:sp>
+      <p:sp>
+        <p:nvSpPr>
+          <p:cNvPr id="3" name="Espaço Reservado para Anotações 2"/>
+          <p:cNvSpPr>
+            <a:spLocks noGrp="1"/>
+          </p:cNvSpPr>
+          <p:nvPr>
+            <p:ph type="body" idx="1"/>
+          </p:nvPr>
+        </p:nvSpPr>
+        <p:spPr/>
+        <p:txBody>
+          <a:bodyPr/>
+          <a:lstStyle/>
+          <a:p>
+            <a:endParaRPr lang="pt-BR" dirty="0"/>
+          </a:p>
+        </p:txBody>
+      </p:sp>
+    </p:spTree>
+    <p:extLst>
+      <p:ext uri="{BB962C8B-B14F-4D97-AF65-F5344CB8AC3E}">
+        <p14:creationId xmlns:p14="http://schemas.microsoft.com/office/powerpoint/2010/main" val="3500198724"/>
+      </p:ext>
+    </p:extLst>
+  </p:cSld>
+  <p:clrMapOvr>
+    <a:masterClrMapping/>
+  </p:clrMapOvr>
+</p:notes>
+</file>
+
+<file path=ppt/notesSlides/notesSlide22.xml><?xml version="1.0" encoding="utf-8"?>
+<p:notes xmlns:a="http://schemas.openxmlformats.org/drawingml/2006/main" xmlns:r="http://schemas.openxmlformats.org/officeDocument/2006/relationships" xmlns:p="http://schemas.openxmlformats.org/presentationml/2006/main">
+  <p:cSld>
+    <p:spTree>
+      <p:nvGrpSpPr>
+        <p:cNvPr id="1" name=""/>
+        <p:cNvGrpSpPr/>
+        <p:nvPr/>
+      </p:nvGrpSpPr>
+      <p:grpSpPr>
+        <a:xfrm>
+          <a:off x="0" y="0"/>
+          <a:ext cx="0" cy="0"/>
+          <a:chOff x="0" y="0"/>
+          <a:chExt cx="0" cy="0"/>
+        </a:xfrm>
+      </p:grpSpPr>
+      <p:sp>
+        <p:nvSpPr>
+          <p:cNvPr id="2" name="Espaço Reservado para Imagem de Slide 1"/>
+          <p:cNvSpPr>
+            <a:spLocks noGrp="1" noRot="1" noChangeAspect="1"/>
+          </p:cNvSpPr>
+          <p:nvPr>
+            <p:ph type="sldImg"/>
+          </p:nvPr>
+        </p:nvSpPr>
+        <p:spPr>
+          <a:xfrm>
+            <a:off x="381000" y="685800"/>
+            <a:ext cx="6096000" cy="3429000"/>
+          </a:xfrm>
+        </p:spPr>
+      </p:sp>
+      <p:sp>
+        <p:nvSpPr>
+          <p:cNvPr id="3" name="Espaço Reservado para Anotações 2"/>
+          <p:cNvSpPr>
+            <a:spLocks noGrp="1"/>
+          </p:cNvSpPr>
+          <p:nvPr>
+            <p:ph type="body" idx="1"/>
+          </p:nvPr>
+        </p:nvSpPr>
+        <p:spPr/>
+        <p:txBody>
+          <a:bodyPr/>
+          <a:lstStyle/>
+          <a:p>
+            <a:endParaRPr lang="pt-BR" dirty="0"/>
+          </a:p>
+        </p:txBody>
+      </p:sp>
+    </p:spTree>
+    <p:extLst>
+      <p:ext uri="{BB962C8B-B14F-4D97-AF65-F5344CB8AC3E}">
+        <p14:creationId xmlns:p14="http://schemas.microsoft.com/office/powerpoint/2010/main" val="1630857362"/>
+      </p:ext>
+    </p:extLst>
+  </p:cSld>
+  <p:clrMapOvr>
+    <a:masterClrMapping/>
+  </p:clrMapOvr>
+</p:notes>
+</file>
+
+<file path=ppt/notesSlides/notesSlide23.xml><?xml version="1.0" encoding="utf-8"?>
+<p:notes xmlns:a="http://schemas.openxmlformats.org/drawingml/2006/main" xmlns:r="http://schemas.openxmlformats.org/officeDocument/2006/relationships" xmlns:p="http://schemas.openxmlformats.org/presentationml/2006/main">
+  <p:cSld>
+    <p:spTree>
+      <p:nvGrpSpPr>
+        <p:cNvPr id="1" name=""/>
+        <p:cNvGrpSpPr/>
+        <p:nvPr/>
+      </p:nvGrpSpPr>
+      <p:grpSpPr>
+        <a:xfrm>
+          <a:off x="0" y="0"/>
+          <a:ext cx="0" cy="0"/>
+          <a:chOff x="0" y="0"/>
+          <a:chExt cx="0" cy="0"/>
+        </a:xfrm>
+      </p:grpSpPr>
+      <p:sp>
+        <p:nvSpPr>
+          <p:cNvPr id="2" name="Espaço Reservado para Imagem de Slide 1"/>
+          <p:cNvSpPr>
+            <a:spLocks noGrp="1" noRot="1" noChangeAspect="1"/>
+          </p:cNvSpPr>
+          <p:nvPr>
+            <p:ph type="sldImg"/>
+          </p:nvPr>
+        </p:nvSpPr>
+        <p:spPr>
+          <a:xfrm>
+            <a:off x="381000" y="685800"/>
+            <a:ext cx="6096000" cy="3429000"/>
+          </a:xfrm>
+        </p:spPr>
+      </p:sp>
+      <p:sp>
+        <p:nvSpPr>
+          <p:cNvPr id="3" name="Espaço Reservado para Anotações 2"/>
+          <p:cNvSpPr>
+            <a:spLocks noGrp="1"/>
+          </p:cNvSpPr>
+          <p:nvPr>
+            <p:ph type="body" idx="1"/>
+          </p:nvPr>
+        </p:nvSpPr>
+        <p:spPr/>
+        <p:txBody>
+          <a:bodyPr/>
+          <a:lstStyle/>
+          <a:p>
+            <a:endParaRPr lang="pt-BR" dirty="0"/>
+          </a:p>
+        </p:txBody>
+      </p:sp>
+    </p:spTree>
+    <p:extLst>
+      <p:ext uri="{BB962C8B-B14F-4D97-AF65-F5344CB8AC3E}">
+        <p14:creationId xmlns:p14="http://schemas.microsoft.com/office/powerpoint/2010/main" val="2447636830"/>
+      </p:ext>
+    </p:extLst>
+  </p:cSld>
+  <p:clrMapOvr>
+    <a:masterClrMapping/>
+  </p:clrMapOvr>
+</p:notes>
+</file>
+
+<file path=ppt/notesSlides/notesSlide24.xml><?xml version="1.0" encoding="utf-8"?>
+<p:notes xmlns:a="http://schemas.openxmlformats.org/drawingml/2006/main" xmlns:r="http://schemas.openxmlformats.org/officeDocument/2006/relationships" xmlns:p="http://schemas.openxmlformats.org/presentationml/2006/main">
+  <p:cSld>
+    <p:spTree>
+      <p:nvGrpSpPr>
+        <p:cNvPr id="1" name=""/>
+        <p:cNvGrpSpPr/>
+        <p:nvPr/>
+      </p:nvGrpSpPr>
+      <p:grpSpPr>
+        <a:xfrm>
+          <a:off x="0" y="0"/>
+          <a:ext cx="0" cy="0"/>
+          <a:chOff x="0" y="0"/>
+          <a:chExt cx="0" cy="0"/>
+        </a:xfrm>
+      </p:grpSpPr>
+      <p:sp>
+        <p:nvSpPr>
+          <p:cNvPr id="2" name="Espaço Reservado para Imagem de Slide 1"/>
+          <p:cNvSpPr>
+            <a:spLocks noGrp="1" noRot="1" noChangeAspect="1"/>
+          </p:cNvSpPr>
+          <p:nvPr>
+            <p:ph type="sldImg"/>
+          </p:nvPr>
+        </p:nvSpPr>
+        <p:spPr>
+          <a:xfrm>
+            <a:off x="381000" y="685800"/>
+            <a:ext cx="6096000" cy="3429000"/>
+          </a:xfrm>
+        </p:spPr>
+      </p:sp>
+      <p:sp>
+        <p:nvSpPr>
+          <p:cNvPr id="3" name="Espaço Reservado para Anotações 2"/>
+          <p:cNvSpPr>
+            <a:spLocks noGrp="1"/>
+          </p:cNvSpPr>
+          <p:nvPr>
+            <p:ph type="body" idx="1"/>
+          </p:nvPr>
+        </p:nvSpPr>
+        <p:spPr/>
+        <p:txBody>
+          <a:bodyPr/>
+          <a:lstStyle/>
+          <a:p>
+            <a:endParaRPr lang="pt-BR" dirty="0"/>
+          </a:p>
+        </p:txBody>
+      </p:sp>
+    </p:spTree>
+    <p:extLst>
+      <p:ext uri="{BB962C8B-B14F-4D97-AF65-F5344CB8AC3E}">
+        <p14:creationId xmlns:p14="http://schemas.microsoft.com/office/powerpoint/2010/main" val="1395205231"/>
+      </p:ext>
+    </p:extLst>
+  </p:cSld>
+  <p:clrMapOvr>
+    <a:masterClrMapping/>
+  </p:clrMapOvr>
+</p:notes>
+</file>
+
+<file path=ppt/notesSlides/notesSlide25.xml><?xml version="1.0" encoding="utf-8"?>
+<p:notes xmlns:a="http://schemas.openxmlformats.org/drawingml/2006/main" xmlns:r="http://schemas.openxmlformats.org/officeDocument/2006/relationships" xmlns:p="http://schemas.openxmlformats.org/presentationml/2006/main">
+  <p:cSld>
+    <p:spTree>
+      <p:nvGrpSpPr>
+        <p:cNvPr id="1" name=""/>
+        <p:cNvGrpSpPr/>
+        <p:nvPr/>
+      </p:nvGrpSpPr>
+      <p:grpSpPr>
+        <a:xfrm>
+          <a:off x="0" y="0"/>
+          <a:ext cx="0" cy="0"/>
+          <a:chOff x="0" y="0"/>
+          <a:chExt cx="0" cy="0"/>
+        </a:xfrm>
+      </p:grpSpPr>
+      <p:sp>
+        <p:nvSpPr>
+          <p:cNvPr id="2" name="Espaço Reservado para Imagem de Slide 1"/>
+          <p:cNvSpPr>
+            <a:spLocks noGrp="1" noRot="1" noChangeAspect="1"/>
+          </p:cNvSpPr>
+          <p:nvPr>
+            <p:ph type="sldImg"/>
+          </p:nvPr>
+        </p:nvSpPr>
+        <p:spPr>
+          <a:xfrm>
+            <a:off x="381000" y="685800"/>
+            <a:ext cx="6096000" cy="3429000"/>
+          </a:xfrm>
+        </p:spPr>
+      </p:sp>
+      <p:sp>
+        <p:nvSpPr>
+          <p:cNvPr id="3" name="Espaço Reservado para Anotações 2"/>
+          <p:cNvSpPr>
+            <a:spLocks noGrp="1"/>
+          </p:cNvSpPr>
+          <p:nvPr>
+            <p:ph type="body" idx="1"/>
+          </p:nvPr>
+        </p:nvSpPr>
+        <p:spPr/>
+        <p:txBody>
+          <a:bodyPr/>
+          <a:lstStyle/>
+          <a:p>
+            <a:endParaRPr lang="pt-BR" dirty="0"/>
+          </a:p>
+        </p:txBody>
+      </p:sp>
+    </p:spTree>
+    <p:extLst>
+      <p:ext uri="{BB962C8B-B14F-4D97-AF65-F5344CB8AC3E}">
+        <p14:creationId xmlns:p14="http://schemas.microsoft.com/office/powerpoint/2010/main" val="585304384"/>
+      </p:ext>
+    </p:extLst>
+  </p:cSld>
+  <p:clrMapOvr>
+    <a:masterClrMapping/>
+  </p:clrMapOvr>
+</p:notes>
+</file>
+
+<file path=ppt/notesSlides/notesSlide26.xml><?xml version="1.0" encoding="utf-8"?>
+<p:notes xmlns:a="http://schemas.openxmlformats.org/drawingml/2006/main" xmlns:r="http://schemas.openxmlformats.org/officeDocument/2006/relationships" xmlns:p="http://schemas.openxmlformats.org/presentationml/2006/main">
+  <p:cSld>
+    <p:spTree>
+      <p:nvGrpSpPr>
+        <p:cNvPr id="1" name=""/>
+        <p:cNvGrpSpPr/>
+        <p:nvPr/>
+      </p:nvGrpSpPr>
+      <p:grpSpPr>
+        <a:xfrm>
+          <a:off x="0" y="0"/>
+          <a:ext cx="0" cy="0"/>
+          <a:chOff x="0" y="0"/>
+          <a:chExt cx="0" cy="0"/>
+        </a:xfrm>
+      </p:grpSpPr>
+      <p:sp>
+        <p:nvSpPr>
+          <p:cNvPr id="2" name="Espaço Reservado para Imagem de Slide 1"/>
+          <p:cNvSpPr>
+            <a:spLocks noGrp="1" noRot="1" noChangeAspect="1"/>
+          </p:cNvSpPr>
+          <p:nvPr>
+            <p:ph type="sldImg"/>
+          </p:nvPr>
+        </p:nvSpPr>
+        <p:spPr>
+          <a:xfrm>
+            <a:off x="381000" y="685800"/>
+            <a:ext cx="6096000" cy="3429000"/>
+          </a:xfrm>
+        </p:spPr>
+      </p:sp>
+      <p:sp>
+        <p:nvSpPr>
+          <p:cNvPr id="3" name="Espaço Reservado para Anotações 2"/>
+          <p:cNvSpPr>
+            <a:spLocks noGrp="1"/>
+          </p:cNvSpPr>
+          <p:nvPr>
+            <p:ph type="body" idx="1"/>
+          </p:nvPr>
+        </p:nvSpPr>
+        <p:spPr/>
+        <p:txBody>
+          <a:bodyPr/>
+          <a:lstStyle/>
+          <a:p>
+            <a:endParaRPr lang="pt-BR" dirty="0"/>
+          </a:p>
+        </p:txBody>
+      </p:sp>
+    </p:spTree>
+    <p:extLst>
+      <p:ext uri="{BB962C8B-B14F-4D97-AF65-F5344CB8AC3E}">
+        <p14:creationId xmlns:p14="http://schemas.microsoft.com/office/powerpoint/2010/main" val="2709569597"/>
+      </p:ext>
+    </p:extLst>
+  </p:cSld>
+  <p:clrMapOvr>
+    <a:masterClrMapping/>
+  </p:clrMapOvr>
+</p:notes>
+</file>
+
+<file path=ppt/notesSlides/notesSlide27.xml><?xml version="1.0" encoding="utf-8"?>
+<p:notes xmlns:a="http://schemas.openxmlformats.org/drawingml/2006/main" xmlns:r="http://schemas.openxmlformats.org/officeDocument/2006/relationships" xmlns:p="http://schemas.openxmlformats.org/presentationml/2006/main">
+  <p:cSld>
+    <p:spTree>
+      <p:nvGrpSpPr>
+        <p:cNvPr id="1" name=""/>
+        <p:cNvGrpSpPr/>
+        <p:nvPr/>
+      </p:nvGrpSpPr>
+      <p:grpSpPr>
+        <a:xfrm>
+          <a:off x="0" y="0"/>
+          <a:ext cx="0" cy="0"/>
+          <a:chOff x="0" y="0"/>
+          <a:chExt cx="0" cy="0"/>
+        </a:xfrm>
+      </p:grpSpPr>
+      <p:sp>
+        <p:nvSpPr>
+          <p:cNvPr id="2" name="Espaço Reservado para Imagem de Slide 1"/>
+          <p:cNvSpPr>
+            <a:spLocks noGrp="1" noRot="1" noChangeAspect="1"/>
+          </p:cNvSpPr>
+          <p:nvPr>
+            <p:ph type="sldImg"/>
+          </p:nvPr>
+        </p:nvSpPr>
+        <p:spPr>
+          <a:xfrm>
+            <a:off x="381000" y="685800"/>
+            <a:ext cx="6096000" cy="3429000"/>
+          </a:xfrm>
+        </p:spPr>
+      </p:sp>
+      <p:sp>
+        <p:nvSpPr>
+          <p:cNvPr id="3" name="Espaço Reservado para Anotações 2"/>
+          <p:cNvSpPr>
+            <a:spLocks noGrp="1"/>
+          </p:cNvSpPr>
+          <p:nvPr>
+            <p:ph type="body" idx="1"/>
+          </p:nvPr>
+        </p:nvSpPr>
+        <p:spPr/>
+        <p:txBody>
+          <a:bodyPr/>
+          <a:lstStyle/>
+          <a:p>
+            <a:endParaRPr lang="pt-BR" dirty="0"/>
+          </a:p>
+        </p:txBody>
+      </p:sp>
+    </p:spTree>
+    <p:extLst>
+      <p:ext uri="{BB962C8B-B14F-4D97-AF65-F5344CB8AC3E}">
+        <p14:creationId xmlns:p14="http://schemas.microsoft.com/office/powerpoint/2010/main" val="2296249050"/>
+      </p:ext>
+    </p:extLst>
+  </p:cSld>
+  <p:clrMapOvr>
+    <a:masterClrMapping/>
+  </p:clrMapOvr>
+</p:notes>
+</file>
+
+<file path=ppt/notesSlides/notesSlide28.xml><?xml version="1.0" encoding="utf-8"?>
+<p:notes xmlns:a="http://schemas.openxmlformats.org/drawingml/2006/main" xmlns:r="http://schemas.openxmlformats.org/officeDocument/2006/relationships" xmlns:p="http://schemas.openxmlformats.org/presentationml/2006/main">
+  <p:cSld>
+    <p:spTree>
+      <p:nvGrpSpPr>
+        <p:cNvPr id="1" name=""/>
+        <p:cNvGrpSpPr/>
+        <p:nvPr/>
+      </p:nvGrpSpPr>
+      <p:grpSpPr>
+        <a:xfrm>
+          <a:off x="0" y="0"/>
+          <a:ext cx="0" cy="0"/>
+          <a:chOff x="0" y="0"/>
+          <a:chExt cx="0" cy="0"/>
+        </a:xfrm>
+      </p:grpSpPr>
+      <p:sp>
+        <p:nvSpPr>
+          <p:cNvPr id="2" name="Espaço Reservado para Imagem de Slide 1"/>
+          <p:cNvSpPr>
+            <a:spLocks noGrp="1" noRot="1" noChangeAspect="1"/>
+          </p:cNvSpPr>
+          <p:nvPr>
+            <p:ph type="sldImg"/>
+          </p:nvPr>
+        </p:nvSpPr>
+        <p:spPr>
+          <a:xfrm>
+            <a:off x="381000" y="685800"/>
+            <a:ext cx="6096000" cy="3429000"/>
+          </a:xfrm>
+        </p:spPr>
+      </p:sp>
+      <p:sp>
+        <p:nvSpPr>
+          <p:cNvPr id="3" name="Espaço Reservado para Anotações 2"/>
+          <p:cNvSpPr>
+            <a:spLocks noGrp="1"/>
+          </p:cNvSpPr>
+          <p:nvPr>
+            <p:ph type="body" idx="1"/>
+          </p:nvPr>
+        </p:nvSpPr>
+        <p:spPr/>
+        <p:txBody>
+          <a:bodyPr/>
+          <a:lstStyle/>
+          <a:p>
+            <a:endParaRPr lang="pt-BR" dirty="0"/>
+          </a:p>
+        </p:txBody>
+      </p:sp>
+    </p:spTree>
+    <p:extLst>
+      <p:ext uri="{BB962C8B-B14F-4D97-AF65-F5344CB8AC3E}">
+        <p14:creationId xmlns:p14="http://schemas.microsoft.com/office/powerpoint/2010/main" val="4290351292"/>
       </p:ext>
     </p:extLst>
   </p:cSld>
@@ -6761,19 +7364,6 @@
             <a:pPr marL="0" indent="0" algn="just">
               <a:buNone/>
             </a:pPr>
-            <a:endParaRPr lang="en-US" sz="2400" dirty="0">
-              <a:solidFill>
-                <a:schemeClr val="tx1"/>
-              </a:solidFill>
-              <a:latin typeface="Times New Roman" panose="02020603050405020304" pitchFamily="18" charset="0"/>
-              <a:cs typeface="Times New Roman" panose="02020603050405020304" pitchFamily="18" charset="0"/>
-              <a:hlinkClick r:id="rId3"/>
-            </a:endParaRPr>
-          </a:p>
-          <a:p>
-            <a:pPr marL="0" indent="0" algn="just">
-              <a:buNone/>
-            </a:pPr>
             <a:r>
               <a:rPr lang="pt-BR" sz="2400" dirty="0">
                 <a:latin typeface="Times New Roman" panose="02020603050405020304" pitchFamily="18" charset="0"/>
@@ -6863,34 +7453,13 @@
           <a:lstStyle/>
           <a:p>
             <a:r>
-              <a:rPr lang="en-US" b="1" dirty="0" err="1">
+              <a:rPr lang="en-US" b="1" dirty="0">
                 <a:solidFill>
                   <a:srgbClr val="0070C0"/>
                 </a:solidFill>
               </a:rPr>
-              <a:t>Leitura</a:t>
-            </a:r>
-            <a:r>
-              <a:rPr lang="en-US" b="1" dirty="0">
-                <a:solidFill>
-                  <a:srgbClr val="0070C0"/>
-                </a:solidFill>
-              </a:rPr>
-              <a:t> </a:t>
-            </a:r>
-            <a:r>
-              <a:rPr lang="en-US" b="1" dirty="0" err="1">
-                <a:solidFill>
-                  <a:srgbClr val="0070C0"/>
-                </a:solidFill>
-              </a:rPr>
-              <a:t>Específica</a:t>
-            </a:r>
-            <a:endParaRPr lang="en-US" b="1" dirty="0">
-              <a:solidFill>
-                <a:srgbClr val="0070C0"/>
-              </a:solidFill>
-            </a:endParaRPr>
+              <a:t>Deploy Site Netlify</a:t>
+            </a:r>
           </a:p>
         </p:txBody>
       </p:sp>
@@ -6906,8 +7475,8 @@
         </p:nvSpPr>
         <p:spPr>
           <a:xfrm>
-            <a:off x="142865" y="1012261"/>
-            <a:ext cx="8865056" cy="3835312"/>
+            <a:off x="142865" y="1037312"/>
+            <a:ext cx="8865056" cy="4023203"/>
           </a:xfrm>
         </p:spPr>
         <p:txBody>
@@ -6920,46 +7489,14 @@
               <a:buNone/>
             </a:pPr>
             <a:r>
-              <a:rPr lang="pt-BR" sz="2000" dirty="0">
-                <a:latin typeface="Times New Roman" panose="02020603050405020304" pitchFamily="18" charset="0"/>
-                <a:cs typeface="Times New Roman" panose="02020603050405020304" pitchFamily="18" charset="0"/>
-              </a:rPr>
-              <a:t>[1] </a:t>
-            </a:r>
-            <a:r>
-              <a:rPr lang="pt-BR" sz="2000" b="1" dirty="0">
-                <a:latin typeface="Times New Roman" panose="02020603050405020304" pitchFamily="18" charset="0"/>
-                <a:cs typeface="Times New Roman" panose="02020603050405020304" pitchFamily="18" charset="0"/>
-              </a:rPr>
-              <a:t>SCHEIDT, </a:t>
-            </a:r>
-            <a:r>
-              <a:rPr lang="pt-BR" sz="2000" dirty="0" err="1">
-                <a:latin typeface="Times New Roman" panose="02020603050405020304" pitchFamily="18" charset="0"/>
-                <a:cs typeface="Times New Roman" panose="02020603050405020304" pitchFamily="18" charset="0"/>
-              </a:rPr>
-              <a:t>Felippe</a:t>
-            </a:r>
-            <a:r>
-              <a:rPr lang="pt-BR" sz="2000" dirty="0">
-                <a:latin typeface="Times New Roman" panose="02020603050405020304" pitchFamily="18" charset="0"/>
-                <a:cs typeface="Times New Roman" panose="02020603050405020304" pitchFamily="18" charset="0"/>
-              </a:rPr>
-              <a:t> Alex. Fundamentos de CSS: criando design para sistemas web. </a:t>
-            </a:r>
-            <a:r>
-              <a:rPr lang="pt-BR" sz="2000" dirty="0" err="1">
-                <a:latin typeface="Times New Roman" panose="02020603050405020304" pitchFamily="18" charset="0"/>
-                <a:cs typeface="Times New Roman" panose="02020603050405020304" pitchFamily="18" charset="0"/>
-              </a:rPr>
-              <a:t>Outbox</a:t>
-            </a:r>
-            <a:r>
-              <a:rPr lang="pt-BR" sz="2000" dirty="0">
-                <a:latin typeface="Times New Roman" panose="02020603050405020304" pitchFamily="18" charset="0"/>
-                <a:cs typeface="Times New Roman" panose="02020603050405020304" pitchFamily="18" charset="0"/>
-              </a:rPr>
-              <a:t> Livros Digitais, 2015.</a:t>
+              <a:rPr lang="pt-BR" dirty="0">
+                <a:solidFill>
+                  <a:schemeClr val="tx1"/>
+                </a:solidFill>
+                <a:latin typeface="Times New Roman" panose="02020603050405020304" pitchFamily="18" charset="0"/>
+                <a:cs typeface="Times New Roman" panose="02020603050405020304" pitchFamily="18" charset="0"/>
+              </a:rPr>
+              <a:t> </a:t>
             </a:r>
           </a:p>
           <a:p>
@@ -6967,54 +7504,72 @@
               <a:buNone/>
             </a:pPr>
             <a:r>
-              <a:rPr lang="pt-BR" sz="2000" dirty="0">
-                <a:latin typeface="Times New Roman" panose="02020603050405020304" pitchFamily="18" charset="0"/>
-                <a:cs typeface="Times New Roman" panose="02020603050405020304" pitchFamily="18" charset="0"/>
-              </a:rPr>
-              <a:t>	</a:t>
-            </a:r>
-            <a:r>
-              <a:rPr lang="pt-BR" sz="2000" b="1" dirty="0">
-                <a:latin typeface="Times New Roman" panose="02020603050405020304" pitchFamily="18" charset="0"/>
-                <a:cs typeface="Times New Roman" panose="02020603050405020304" pitchFamily="18" charset="0"/>
-              </a:rPr>
-              <a:t>Disponível em</a:t>
-            </a:r>
-            <a:r>
-              <a:rPr lang="pt-BR" sz="2000" dirty="0">
-                <a:latin typeface="Times New Roman" panose="02020603050405020304" pitchFamily="18" charset="0"/>
-                <a:cs typeface="Times New Roman" panose="02020603050405020304" pitchFamily="18" charset="0"/>
-              </a:rPr>
-              <a:t>:</a:t>
-            </a:r>
-            <a:endParaRPr lang="pt-BR" sz="2000" b="1" dirty="0">
-              <a:latin typeface="Times New Roman" panose="02020603050405020304" pitchFamily="18" charset="0"/>
-              <a:cs typeface="Times New Roman" panose="02020603050405020304" pitchFamily="18" charset="0"/>
-            </a:endParaRPr>
-          </a:p>
-          <a:p>
-            <a:pPr marL="0" indent="0" algn="just">
-              <a:buNone/>
-            </a:pPr>
-            <a:r>
-              <a:rPr lang="pt-BR" sz="2000" dirty="0">
-                <a:latin typeface="Times New Roman" panose="02020603050405020304" pitchFamily="18" charset="0"/>
-                <a:cs typeface="Times New Roman" panose="02020603050405020304" pitchFamily="18" charset="0"/>
-                <a:hlinkClick r:id="rId3"/>
-              </a:rPr>
-              <a:t>https://books.google.com.br/books?hl=pt-BR&amp;lr=&amp;id=04cbCgAAQBAJ&amp;oi=fnd&amp;pg=PT5&amp;dq=Estiliza%C3%A7%C3%A3o+CSS+HTML&amp;ots=JttwDQX0Za&amp;sig=hDatOrM6nS37uFMOHLHtxBcaNeA#v=onepage&amp;q=Estiliza%C3%A7%C3%A3o%20CSS%20HTML&amp;f=false</a:t>
-            </a:r>
-            <a:endParaRPr lang="pt-BR" sz="2000" dirty="0">
-              <a:latin typeface="Times New Roman" panose="02020603050405020304" pitchFamily="18" charset="0"/>
-              <a:cs typeface="Times New Roman" panose="02020603050405020304" pitchFamily="18" charset="0"/>
-            </a:endParaRPr>
+              <a:rPr lang="pt-BR" b="1" dirty="0" err="1">
+                <a:solidFill>
+                  <a:srgbClr val="FF0000"/>
+                </a:solidFill>
+                <a:latin typeface="Times New Roman" panose="02020603050405020304" pitchFamily="18" charset="0"/>
+                <a:cs typeface="Times New Roman" panose="02020603050405020304" pitchFamily="18" charset="0"/>
+              </a:rPr>
+              <a:t>Netlify</a:t>
+            </a:r>
+            <a:r>
+              <a:rPr lang="pt-BR" dirty="0">
+                <a:solidFill>
+                  <a:schemeClr val="tx1"/>
+                </a:solidFill>
+                <a:latin typeface="Times New Roman" panose="02020603050405020304" pitchFamily="18" charset="0"/>
+                <a:cs typeface="Times New Roman" panose="02020603050405020304" pitchFamily="18" charset="0"/>
+              </a:rPr>
+              <a:t> é uma empresa de computação em nuvem com </a:t>
+            </a:r>
+            <a:r>
+              <a:rPr lang="pt-BR" b="1" dirty="0">
+                <a:solidFill>
+                  <a:schemeClr val="tx1"/>
+                </a:solidFill>
+                <a:latin typeface="Times New Roman" panose="02020603050405020304" pitchFamily="18" charset="0"/>
+                <a:cs typeface="Times New Roman" panose="02020603050405020304" pitchFamily="18" charset="0"/>
+              </a:rPr>
+              <a:t>sede em São Francisco</a:t>
+            </a:r>
+            <a:r>
+              <a:rPr lang="pt-BR" dirty="0">
+                <a:solidFill>
+                  <a:schemeClr val="tx1"/>
+                </a:solidFill>
+                <a:latin typeface="Times New Roman" panose="02020603050405020304" pitchFamily="18" charset="0"/>
+                <a:cs typeface="Times New Roman" panose="02020603050405020304" pitchFamily="18" charset="0"/>
+              </a:rPr>
+              <a:t> que oferece hospedagem e serviços de </a:t>
+            </a:r>
+            <a:r>
+              <a:rPr lang="pt-BR" dirty="0" err="1">
+                <a:solidFill>
+                  <a:schemeClr val="tx1"/>
+                </a:solidFill>
+                <a:latin typeface="Times New Roman" panose="02020603050405020304" pitchFamily="18" charset="0"/>
+                <a:cs typeface="Times New Roman" panose="02020603050405020304" pitchFamily="18" charset="0"/>
+              </a:rPr>
+              <a:t>back-end</a:t>
+            </a:r>
+            <a:r>
+              <a:rPr lang="pt-BR" dirty="0">
+                <a:solidFill>
+                  <a:schemeClr val="tx1"/>
+                </a:solidFill>
+                <a:latin typeface="Times New Roman" panose="02020603050405020304" pitchFamily="18" charset="0"/>
+                <a:cs typeface="Times New Roman" panose="02020603050405020304" pitchFamily="18" charset="0"/>
+              </a:rPr>
+              <a:t> sem servidor para aplicativos da web e sites estáticos.</a:t>
+            </a:r>
           </a:p>
         </p:txBody>
       </p:sp>
     </p:spTree>
     <p:extLst>
       <p:ext uri="{BB962C8B-B14F-4D97-AF65-F5344CB8AC3E}">
-        <p14:creationId xmlns:p14="http://schemas.microsoft.com/office/powerpoint/2010/main" val="3680270425"/>
+        <p14:creationId xmlns:p14="http://schemas.microsoft.com/office/powerpoint/2010/main" val="3704954557"/>
       </p:ext>
     </p:extLst>
   </p:cSld>
@@ -7065,20 +7620,12 @@
           <a:lstStyle/>
           <a:p>
             <a:r>
-              <a:rPr lang="en-US" b="1" dirty="0" err="1">
+              <a:rPr lang="en-US" b="1" dirty="0">
                 <a:solidFill>
                   <a:srgbClr val="0070C0"/>
                 </a:solidFill>
               </a:rPr>
-              <a:t>Aprenda</a:t>
-            </a:r>
-            <a:r>
-              <a:rPr lang="en-US" b="1" dirty="0">
-                <a:solidFill>
-                  <a:srgbClr val="0070C0"/>
-                </a:solidFill>
-              </a:rPr>
-              <a:t>+</a:t>
+              <a:t>Deploy Site Netlify</a:t>
             </a:r>
           </a:p>
         </p:txBody>
@@ -7095,8 +7642,8 @@
         </p:nvSpPr>
         <p:spPr>
           <a:xfrm>
-            <a:off x="142865" y="1024786"/>
-            <a:ext cx="8865056" cy="3912733"/>
+            <a:off x="142865" y="1037312"/>
+            <a:ext cx="8865056" cy="4023203"/>
           </a:xfrm>
         </p:spPr>
         <p:txBody>
@@ -7109,33 +7656,84 @@
               <a:buNone/>
             </a:pPr>
             <a:r>
-              <a:rPr lang="pt-BR" sz="2400" dirty="0">
-                <a:latin typeface="Times New Roman" panose="02020603050405020304" pitchFamily="18" charset="0"/>
-                <a:cs typeface="Times New Roman" panose="02020603050405020304" pitchFamily="18" charset="0"/>
-              </a:rPr>
-              <a:t>[1]Exemplo de CSS Grid Layout</a:t>
+              <a:rPr lang="pt-BR" dirty="0">
+                <a:solidFill>
+                  <a:schemeClr val="tx1"/>
+                </a:solidFill>
+                <a:latin typeface="Times New Roman" panose="02020603050405020304" pitchFamily="18" charset="0"/>
+                <a:cs typeface="Times New Roman" panose="02020603050405020304" pitchFamily="18" charset="0"/>
+              </a:rPr>
+              <a:t>A </a:t>
+            </a:r>
+            <a:r>
+              <a:rPr lang="pt-BR" b="1" dirty="0">
+                <a:solidFill>
+                  <a:srgbClr val="FF0000"/>
+                </a:solidFill>
+                <a:latin typeface="Times New Roman" panose="02020603050405020304" pitchFamily="18" charset="0"/>
+                <a:cs typeface="Times New Roman" panose="02020603050405020304" pitchFamily="18" charset="0"/>
+              </a:rPr>
+              <a:t>plataforma </a:t>
+            </a:r>
+            <a:r>
+              <a:rPr lang="pt-BR" b="1" dirty="0" err="1">
+                <a:solidFill>
+                  <a:srgbClr val="FF0000"/>
+                </a:solidFill>
+                <a:latin typeface="Times New Roman" panose="02020603050405020304" pitchFamily="18" charset="0"/>
+                <a:cs typeface="Times New Roman" panose="02020603050405020304" pitchFamily="18" charset="0"/>
+              </a:rPr>
+              <a:t>Netlify</a:t>
+            </a:r>
+            <a:r>
+              <a:rPr lang="pt-BR" b="1" dirty="0">
+                <a:solidFill>
+                  <a:srgbClr val="FF0000"/>
+                </a:solidFill>
+                <a:latin typeface="Times New Roman" panose="02020603050405020304" pitchFamily="18" charset="0"/>
+                <a:cs typeface="Times New Roman" panose="02020603050405020304" pitchFamily="18" charset="0"/>
+              </a:rPr>
+              <a:t> </a:t>
+            </a:r>
+            <a:r>
+              <a:rPr lang="pt-BR" dirty="0">
+                <a:solidFill>
+                  <a:schemeClr val="tx1"/>
+                </a:solidFill>
+                <a:latin typeface="Times New Roman" panose="02020603050405020304" pitchFamily="18" charset="0"/>
+                <a:cs typeface="Times New Roman" panose="02020603050405020304" pitchFamily="18" charset="0"/>
+              </a:rPr>
+              <a:t>conecta seus repositórios a um fluxo de trabalho completo para </a:t>
+            </a:r>
+            <a:r>
+              <a:rPr lang="pt-BR" b="1" dirty="0">
+                <a:solidFill>
+                  <a:schemeClr val="tx1"/>
+                </a:solidFill>
+                <a:latin typeface="Times New Roman" panose="02020603050405020304" pitchFamily="18" charset="0"/>
+                <a:cs typeface="Times New Roman" panose="02020603050405020304" pitchFamily="18" charset="0"/>
+              </a:rPr>
+              <a:t>implantação global de CDN, integração contínua e HTTPS automático</a:t>
+            </a:r>
+            <a:r>
+              <a:rPr lang="pt-BR" dirty="0">
+                <a:solidFill>
+                  <a:schemeClr val="tx1"/>
+                </a:solidFill>
+                <a:latin typeface="Times New Roman" panose="02020603050405020304" pitchFamily="18" charset="0"/>
+                <a:cs typeface="Times New Roman" panose="02020603050405020304" pitchFamily="18" charset="0"/>
+              </a:rPr>
+              <a:t> (e gratuito). </a:t>
             </a:r>
           </a:p>
           <a:p>
             <a:pPr marL="0" indent="0" algn="just">
               <a:buNone/>
             </a:pPr>
-            <a:r>
-              <a:rPr lang="pt-BR" sz="2400" dirty="0">
-                <a:latin typeface="Times New Roman" panose="02020603050405020304" pitchFamily="18" charset="0"/>
-                <a:cs typeface="Times New Roman" panose="02020603050405020304" pitchFamily="18" charset="0"/>
-              </a:rPr>
-              <a:t>	</a:t>
-            </a:r>
-            <a:r>
-              <a:rPr lang="pt-BR" sz="2400" dirty="0">
-                <a:latin typeface="Times New Roman" panose="02020603050405020304" pitchFamily="18" charset="0"/>
-                <a:cs typeface="Times New Roman" panose="02020603050405020304" pitchFamily="18" charset="0"/>
-                <a:hlinkClick r:id="rId3"/>
-              </a:rPr>
-              <a:t>https://www.youtube.com/watch?v=jV8B24rSN5o</a:t>
-            </a:r>
-            <a:endParaRPr lang="pt-BR" sz="2400" dirty="0">
+            <a:endParaRPr lang="pt-BR" dirty="0">
+              <a:solidFill>
+                <a:schemeClr val="tx1"/>
+              </a:solidFill>
               <a:latin typeface="Times New Roman" panose="02020603050405020304" pitchFamily="18" charset="0"/>
               <a:cs typeface="Times New Roman" panose="02020603050405020304" pitchFamily="18" charset="0"/>
             </a:endParaRPr>
@@ -7144,89 +7742,63 @@
             <a:pPr marL="0" indent="0" algn="just">
               <a:buNone/>
             </a:pPr>
-            <a:endParaRPr lang="pt-BR" sz="2400" dirty="0">
-              <a:latin typeface="Times New Roman" panose="02020603050405020304" pitchFamily="18" charset="0"/>
-              <a:cs typeface="Times New Roman" panose="02020603050405020304" pitchFamily="18" charset="0"/>
-            </a:endParaRPr>
-          </a:p>
-          <a:p>
-            <a:pPr marL="0" indent="0" algn="just">
-              <a:buNone/>
-            </a:pPr>
-            <a:endParaRPr lang="pt-BR" sz="2400" dirty="0">
-              <a:latin typeface="Times New Roman" panose="02020603050405020304" pitchFamily="18" charset="0"/>
-              <a:cs typeface="Times New Roman" panose="02020603050405020304" pitchFamily="18" charset="0"/>
-            </a:endParaRPr>
-          </a:p>
-          <a:p>
-            <a:pPr marL="0" indent="0" algn="just">
-              <a:buNone/>
-            </a:pPr>
-            <a:endParaRPr lang="pt-BR" sz="2400" dirty="0">
-              <a:latin typeface="Times New Roman" panose="02020603050405020304" pitchFamily="18" charset="0"/>
-              <a:cs typeface="Times New Roman" panose="02020603050405020304" pitchFamily="18" charset="0"/>
-            </a:endParaRPr>
-          </a:p>
-          <a:p>
-            <a:pPr marL="0" indent="0" algn="just">
-              <a:buNone/>
-            </a:pPr>
-            <a:endParaRPr lang="pt-BR" sz="2400" dirty="0">
-              <a:latin typeface="Times New Roman" panose="02020603050405020304" pitchFamily="18" charset="0"/>
-              <a:cs typeface="Times New Roman" panose="02020603050405020304" pitchFamily="18" charset="0"/>
-            </a:endParaRPr>
-          </a:p>
-          <a:p>
-            <a:pPr marL="0" indent="0" algn="just">
-              <a:buNone/>
-            </a:pPr>
-            <a:endParaRPr lang="pt-BR" sz="2400" dirty="0">
-              <a:latin typeface="Times New Roman" panose="02020603050405020304" pitchFamily="18" charset="0"/>
-              <a:cs typeface="Times New Roman" panose="02020603050405020304" pitchFamily="18" charset="0"/>
-            </a:endParaRPr>
-          </a:p>
-          <a:p>
-            <a:pPr marL="0" indent="0" algn="just">
-              <a:buNone/>
-            </a:pPr>
-            <a:endParaRPr lang="pt-BR" sz="2400" dirty="0">
-              <a:latin typeface="Times New Roman" panose="02020603050405020304" pitchFamily="18" charset="0"/>
-              <a:cs typeface="Times New Roman" panose="02020603050405020304" pitchFamily="18" charset="0"/>
-            </a:endParaRPr>
-          </a:p>
-          <a:p>
-            <a:pPr marL="0" indent="0" algn="just">
-              <a:buNone/>
-            </a:pPr>
-            <a:endParaRPr lang="pt-BR" sz="2400" dirty="0">
-              <a:latin typeface="Times New Roman" panose="02020603050405020304" pitchFamily="18" charset="0"/>
-              <a:cs typeface="Times New Roman" panose="02020603050405020304" pitchFamily="18" charset="0"/>
-            </a:endParaRPr>
-          </a:p>
-          <a:p>
-            <a:pPr marL="0" indent="0" algn="just">
-              <a:buNone/>
-            </a:pPr>
-            <a:endParaRPr lang="pt-BR" sz="2400" dirty="0">
-              <a:latin typeface="Times New Roman" panose="02020603050405020304" pitchFamily="18" charset="0"/>
-              <a:cs typeface="Times New Roman" panose="02020603050405020304" pitchFamily="18" charset="0"/>
-            </a:endParaRPr>
-          </a:p>
-          <a:p>
-            <a:pPr marL="0" indent="0" algn="just">
-              <a:buNone/>
-            </a:pPr>
-            <a:endParaRPr lang="pt-BR" sz="2400" dirty="0">
-              <a:latin typeface="Times New Roman" panose="02020603050405020304" pitchFamily="18" charset="0"/>
-              <a:cs typeface="Times New Roman" panose="02020603050405020304" pitchFamily="18" charset="0"/>
-            </a:endParaRPr>
+            <a:r>
+              <a:rPr lang="pt-BR" dirty="0">
+                <a:solidFill>
+                  <a:schemeClr val="tx1"/>
+                </a:solidFill>
+                <a:latin typeface="Times New Roman" panose="02020603050405020304" pitchFamily="18" charset="0"/>
+                <a:cs typeface="Times New Roman" panose="02020603050405020304" pitchFamily="18" charset="0"/>
+              </a:rPr>
+              <a:t>Cada vez que você confirma alterações, a </a:t>
+            </a:r>
+            <a:r>
+              <a:rPr lang="pt-BR" b="1" dirty="0" err="1">
+                <a:solidFill>
+                  <a:srgbClr val="FF0000"/>
+                </a:solidFill>
+                <a:latin typeface="Times New Roman" panose="02020603050405020304" pitchFamily="18" charset="0"/>
+                <a:cs typeface="Times New Roman" panose="02020603050405020304" pitchFamily="18" charset="0"/>
+              </a:rPr>
+              <a:t>Netlify</a:t>
+            </a:r>
+            <a:r>
+              <a:rPr lang="pt-BR" dirty="0">
+                <a:solidFill>
+                  <a:schemeClr val="tx1"/>
+                </a:solidFill>
+                <a:latin typeface="Times New Roman" panose="02020603050405020304" pitchFamily="18" charset="0"/>
+                <a:cs typeface="Times New Roman" panose="02020603050405020304" pitchFamily="18" charset="0"/>
+              </a:rPr>
+              <a:t> cria seu site, </a:t>
+            </a:r>
+            <a:r>
+              <a:rPr lang="pt-BR" dirty="0" err="1">
+                <a:solidFill>
+                  <a:schemeClr val="tx1"/>
+                </a:solidFill>
+                <a:latin typeface="Times New Roman" panose="02020603050405020304" pitchFamily="18" charset="0"/>
+                <a:cs typeface="Times New Roman" panose="02020603050405020304" pitchFamily="18" charset="0"/>
+              </a:rPr>
+              <a:t>pré</a:t>
+            </a:r>
+            <a:r>
+              <a:rPr lang="pt-BR" dirty="0">
+                <a:solidFill>
+                  <a:schemeClr val="tx1"/>
+                </a:solidFill>
+                <a:latin typeface="Times New Roman" panose="02020603050405020304" pitchFamily="18" charset="0"/>
+                <a:cs typeface="Times New Roman" panose="02020603050405020304" pitchFamily="18" charset="0"/>
+              </a:rPr>
+              <a:t>-renderiza a marcação e otimiza os ativos na infraestrutura de compilação dedicada.</a:t>
+            </a:r>
           </a:p>
         </p:txBody>
       </p:sp>
     </p:spTree>
     <p:extLst>
       <p:ext uri="{BB962C8B-B14F-4D97-AF65-F5344CB8AC3E}">
-        <p14:creationId xmlns:p14="http://schemas.microsoft.com/office/powerpoint/2010/main" val="2747596967"/>
+        <p14:creationId xmlns:p14="http://schemas.microsoft.com/office/powerpoint/2010/main" val="1768429532"/>
       </p:ext>
     </p:extLst>
   </p:cSld>
@@ -7749,34 +8321,13 @@
           <a:lstStyle/>
           <a:p>
             <a:r>
-              <a:rPr lang="en-US" b="1" dirty="0" err="1">
+              <a:rPr lang="en-US" b="1" dirty="0">
                 <a:solidFill>
                   <a:srgbClr val="0070C0"/>
                 </a:solidFill>
               </a:rPr>
-              <a:t>Dinâmica</a:t>
-            </a:r>
-            <a:r>
-              <a:rPr lang="en-US" b="1" dirty="0">
-                <a:solidFill>
-                  <a:srgbClr val="0070C0"/>
-                </a:solidFill>
-              </a:rPr>
-              <a:t>/</a:t>
-            </a:r>
-            <a:r>
-              <a:rPr lang="en-US" b="1" dirty="0" err="1">
-                <a:solidFill>
-                  <a:srgbClr val="0070C0"/>
-                </a:solidFill>
-              </a:rPr>
-              <a:t>Atividades</a:t>
-            </a:r>
-            <a:endParaRPr lang="en-US" b="1" dirty="0">
-              <a:solidFill>
-                <a:srgbClr val="0070C0"/>
-              </a:solidFill>
-            </a:endParaRPr>
+              <a:t>Deploy Site Netlify</a:t>
+            </a:r>
           </a:p>
         </p:txBody>
       </p:sp>
@@ -7792,8 +8343,8 @@
         </p:nvSpPr>
         <p:spPr>
           <a:xfrm>
-            <a:off x="139472" y="1063230"/>
-            <a:ext cx="8865056" cy="3606305"/>
+            <a:off x="142865" y="1037312"/>
+            <a:ext cx="8865056" cy="4023203"/>
           </a:xfrm>
         </p:spPr>
         <p:txBody>
@@ -7802,121 +8353,377 @@
           </a:bodyPr>
           <a:lstStyle/>
           <a:p>
-            <a:pPr algn="just">
-              <a:buFontTx/>
-              <a:buChar char="-"/>
-            </a:pPr>
-            <a:r>
-              <a:rPr lang="pt-BR" dirty="0">
-                <a:latin typeface="Times New Roman" panose="02020603050405020304" pitchFamily="18" charset="0"/>
-                <a:cs typeface="Times New Roman" panose="02020603050405020304" pitchFamily="18" charset="0"/>
-              </a:rPr>
-              <a:t>Exercícios de Fixação </a:t>
-            </a:r>
-            <a:r>
-              <a:rPr lang="pt-BR" b="1" dirty="0">
-                <a:latin typeface="Times New Roman" panose="02020603050405020304" pitchFamily="18" charset="0"/>
-                <a:cs typeface="Times New Roman" panose="02020603050405020304" pitchFamily="18" charset="0"/>
-              </a:rPr>
-              <a:t>CSS </a:t>
-            </a:r>
-            <a:r>
-              <a:rPr lang="pt-BR" b="1" dirty="0" err="1">
-                <a:latin typeface="Times New Roman" panose="02020603050405020304" pitchFamily="18" charset="0"/>
-                <a:cs typeface="Times New Roman" panose="02020603050405020304" pitchFamily="18" charset="0"/>
-              </a:rPr>
-              <a:t>Flexbox</a:t>
-            </a:r>
-            <a:r>
-              <a:rPr lang="pt-BR" b="1" dirty="0">
-                <a:latin typeface="Times New Roman" panose="02020603050405020304" pitchFamily="18" charset="0"/>
-                <a:cs typeface="Times New Roman" panose="02020603050405020304" pitchFamily="18" charset="0"/>
-              </a:rPr>
-              <a:t> e Grid Layout</a:t>
-            </a:r>
-          </a:p>
-          <a:p>
             <a:pPr marL="0" indent="0" algn="just">
               <a:buNone/>
             </a:pPr>
             <a:r>
-              <a:rPr lang="pt-BR" dirty="0">
-                <a:latin typeface="Times New Roman" panose="02020603050405020304" pitchFamily="18" charset="0"/>
-                <a:cs typeface="Times New Roman" panose="02020603050405020304" pitchFamily="18" charset="0"/>
-              </a:rPr>
-              <a:t>	</a:t>
-            </a:r>
-            <a:r>
-              <a:rPr lang="pt-BR" dirty="0">
-                <a:latin typeface="Calibri" panose="020F0502020204030204" pitchFamily="34" charset="0"/>
-                <a:hlinkClick r:id="rId3"/>
-              </a:rPr>
-              <a:t>https://stackoverflow.com/questions/65472492/flexbox-and-grid-layout-questions</a:t>
-            </a:r>
-            <a:endParaRPr lang="es-ES" dirty="0">
+              <a:rPr lang="pt-BR" b="1" dirty="0">
+                <a:solidFill>
+                  <a:srgbClr val="FF0000"/>
+                </a:solidFill>
+                <a:latin typeface="Times New Roman" panose="02020603050405020304" pitchFamily="18" charset="0"/>
+                <a:cs typeface="Times New Roman" panose="02020603050405020304" pitchFamily="18" charset="0"/>
+              </a:rPr>
+              <a:t>Procedimento</a:t>
+            </a:r>
+            <a:r>
+              <a:rPr lang="pt-BR" b="1" dirty="0">
+                <a:solidFill>
+                  <a:schemeClr val="tx1"/>
+                </a:solidFill>
+                <a:latin typeface="Times New Roman" panose="02020603050405020304" pitchFamily="18" charset="0"/>
+                <a:cs typeface="Times New Roman" panose="02020603050405020304" pitchFamily="18" charset="0"/>
+              </a:rPr>
+              <a:t>(Continuação)</a:t>
+            </a:r>
+            <a:endParaRPr lang="pt-BR" dirty="0">
+              <a:solidFill>
+                <a:schemeClr val="tx1"/>
+              </a:solidFill>
               <a:latin typeface="Times New Roman" panose="02020603050405020304" pitchFamily="18" charset="0"/>
               <a:cs typeface="Times New Roman" panose="02020603050405020304" pitchFamily="18" charset="0"/>
             </a:endParaRPr>
           </a:p>
           <a:p>
-            <a:pPr marL="0" indent="0" algn="just">
-              <a:buNone/>
-            </a:pPr>
+            <a:pPr marL="514350" indent="-514350" algn="just">
+              <a:buAutoNum type="arabicPeriod"/>
+            </a:pPr>
+            <a:r>
+              <a:rPr lang="pt-BR" dirty="0">
+                <a:solidFill>
+                  <a:schemeClr val="tx1"/>
+                </a:solidFill>
+                <a:latin typeface="Times New Roman" panose="02020603050405020304" pitchFamily="18" charset="0"/>
+                <a:cs typeface="Times New Roman" panose="02020603050405020304" pitchFamily="18" charset="0"/>
+              </a:rPr>
+              <a:t>Acesse a URL: </a:t>
+            </a:r>
+            <a:r>
+              <a:rPr lang="pt-BR" dirty="0">
+                <a:solidFill>
+                  <a:schemeClr val="tx1"/>
+                </a:solidFill>
+                <a:latin typeface="Times New Roman" panose="02020603050405020304" pitchFamily="18" charset="0"/>
+                <a:cs typeface="Times New Roman" panose="02020603050405020304" pitchFamily="18" charset="0"/>
+                <a:hlinkClick r:id="rId3"/>
+              </a:rPr>
+              <a:t>https://www.netlify.com/</a:t>
+            </a:r>
             <a:endParaRPr lang="pt-BR" dirty="0">
+              <a:solidFill>
+                <a:schemeClr val="tx1"/>
+              </a:solidFill>
               <a:latin typeface="Times New Roman" panose="02020603050405020304" pitchFamily="18" charset="0"/>
               <a:cs typeface="Times New Roman" panose="02020603050405020304" pitchFamily="18" charset="0"/>
             </a:endParaRPr>
           </a:p>
           <a:p>
-            <a:pPr algn="just">
-              <a:buFontTx/>
-              <a:buChar char="-"/>
+            <a:pPr marL="514350" indent="-514350" algn="just">
+              <a:buAutoNum type="arabicPeriod"/>
             </a:pPr>
             <a:r>
               <a:rPr lang="pt-BR" dirty="0">
-                <a:latin typeface="Times New Roman" panose="02020603050405020304" pitchFamily="18" charset="0"/>
-                <a:cs typeface="Times New Roman" panose="02020603050405020304" pitchFamily="18" charset="0"/>
-              </a:rPr>
-              <a:t>Exercícios de Fixação </a:t>
+                <a:solidFill>
+                  <a:schemeClr val="tx1"/>
+                </a:solidFill>
+                <a:latin typeface="Times New Roman" panose="02020603050405020304" pitchFamily="18" charset="0"/>
+                <a:cs typeface="Times New Roman" panose="02020603050405020304" pitchFamily="18" charset="0"/>
+              </a:rPr>
+              <a:t>Crie uma conta no </a:t>
+            </a:r>
+            <a:r>
+              <a:rPr lang="pt-BR" dirty="0" err="1">
+                <a:solidFill>
+                  <a:schemeClr val="tx1"/>
+                </a:solidFill>
+                <a:latin typeface="Times New Roman" panose="02020603050405020304" pitchFamily="18" charset="0"/>
+                <a:cs typeface="Times New Roman" panose="02020603050405020304" pitchFamily="18" charset="0"/>
+              </a:rPr>
+              <a:t>Netlify</a:t>
+            </a:r>
+            <a:r>
+              <a:rPr lang="pt-BR" dirty="0">
+                <a:solidFill>
+                  <a:schemeClr val="tx1"/>
+                </a:solidFill>
+                <a:latin typeface="Times New Roman" panose="02020603050405020304" pitchFamily="18" charset="0"/>
+                <a:cs typeface="Times New Roman" panose="02020603050405020304" pitchFamily="18" charset="0"/>
+              </a:rPr>
+              <a:t> (</a:t>
+            </a:r>
+            <a:r>
+              <a:rPr lang="pt-BR" b="1" dirty="0" err="1">
+                <a:solidFill>
+                  <a:srgbClr val="FF0000"/>
+                </a:solidFill>
+                <a:latin typeface="Times New Roman" panose="02020603050405020304" pitchFamily="18" charset="0"/>
+                <a:cs typeface="Times New Roman" panose="02020603050405020304" pitchFamily="18" charset="0"/>
+              </a:rPr>
+              <a:t>Sign</a:t>
             </a:r>
             <a:r>
               <a:rPr lang="pt-BR" b="1" dirty="0">
-                <a:latin typeface="Times New Roman" panose="02020603050405020304" pitchFamily="18" charset="0"/>
-                <a:cs typeface="Times New Roman" panose="02020603050405020304" pitchFamily="18" charset="0"/>
-              </a:rPr>
-              <a:t>CSS Grid Layout</a:t>
-            </a:r>
-          </a:p>
-          <a:p>
-            <a:pPr marL="0" indent="0" algn="just">
-              <a:buNone/>
-            </a:pPr>
+                <a:solidFill>
+                  <a:srgbClr val="FF0000"/>
+                </a:solidFill>
+                <a:latin typeface="Times New Roman" panose="02020603050405020304" pitchFamily="18" charset="0"/>
+                <a:cs typeface="Times New Roman" panose="02020603050405020304" pitchFamily="18" charset="0"/>
+              </a:rPr>
+              <a:t> </a:t>
+            </a:r>
+            <a:r>
+              <a:rPr lang="pt-BR" b="1" dirty="0" err="1">
+                <a:solidFill>
+                  <a:srgbClr val="FF0000"/>
+                </a:solidFill>
+                <a:latin typeface="Times New Roman" panose="02020603050405020304" pitchFamily="18" charset="0"/>
+                <a:cs typeface="Times New Roman" panose="02020603050405020304" pitchFamily="18" charset="0"/>
+              </a:rPr>
+              <a:t>up</a:t>
+            </a:r>
             <a:r>
               <a:rPr lang="pt-BR" dirty="0">
-                <a:latin typeface="Times New Roman" panose="02020603050405020304" pitchFamily="18" charset="0"/>
-                <a:cs typeface="Times New Roman" panose="02020603050405020304" pitchFamily="18" charset="0"/>
-              </a:rPr>
-              <a:t>	</a:t>
-            </a:r>
-            <a:r>
-              <a:rPr lang="es-ES" dirty="0">
-                <a:latin typeface="Times New Roman" panose="02020603050405020304" pitchFamily="18" charset="0"/>
-                <a:cs typeface="Times New Roman" panose="02020603050405020304" pitchFamily="18" charset="0"/>
-                <a:hlinkClick r:id="rId4"/>
-              </a:rPr>
-              <a:t>https://developer.mozilla.org/en-US/docs/Learn/CSS/CSS_layout/Grid_skills</a:t>
-            </a:r>
-            <a:endParaRPr lang="es-ES" dirty="0">
+                <a:solidFill>
+                  <a:schemeClr val="tx1"/>
+                </a:solidFill>
+                <a:latin typeface="Times New Roman" panose="02020603050405020304" pitchFamily="18" charset="0"/>
+                <a:cs typeface="Times New Roman" panose="02020603050405020304" pitchFamily="18" charset="0"/>
+              </a:rPr>
+              <a:t>)</a:t>
+            </a:r>
+          </a:p>
+          <a:p>
+            <a:pPr marL="514350" indent="-514350" algn="just">
+              <a:buAutoNum type="arabicPeriod"/>
+            </a:pPr>
+            <a:r>
+              <a:rPr lang="pt-BR" dirty="0">
+                <a:solidFill>
+                  <a:schemeClr val="tx1"/>
+                </a:solidFill>
+                <a:latin typeface="Times New Roman" panose="02020603050405020304" pitchFamily="18" charset="0"/>
+                <a:cs typeface="Times New Roman" panose="02020603050405020304" pitchFamily="18" charset="0"/>
+              </a:rPr>
+              <a:t>Efetue o login no </a:t>
+            </a:r>
+            <a:r>
+              <a:rPr lang="pt-BR" dirty="0" err="1">
+                <a:solidFill>
+                  <a:schemeClr val="tx1"/>
+                </a:solidFill>
+                <a:latin typeface="Times New Roman" panose="02020603050405020304" pitchFamily="18" charset="0"/>
+                <a:cs typeface="Times New Roman" panose="02020603050405020304" pitchFamily="18" charset="0"/>
+              </a:rPr>
+              <a:t>Netlify</a:t>
+            </a:r>
+            <a:endParaRPr lang="pt-BR" dirty="0">
+              <a:solidFill>
+                <a:schemeClr val="tx1"/>
+              </a:solidFill>
               <a:latin typeface="Times New Roman" panose="02020603050405020304" pitchFamily="18" charset="0"/>
               <a:cs typeface="Times New Roman" panose="02020603050405020304" pitchFamily="18" charset="0"/>
             </a:endParaRPr>
           </a:p>
           <a:p>
-            <a:pPr marL="0" indent="0" algn="just">
-              <a:buNone/>
-            </a:pPr>
+            <a:pPr marL="514350" indent="-514350" algn="just">
+              <a:buAutoNum type="arabicPeriod"/>
+            </a:pPr>
+            <a:r>
+              <a:rPr lang="pt-BR" dirty="0" err="1">
+                <a:solidFill>
+                  <a:schemeClr val="tx1"/>
+                </a:solidFill>
+                <a:latin typeface="Times New Roman" panose="02020603050405020304" pitchFamily="18" charset="0"/>
+                <a:cs typeface="Times New Roman" panose="02020603050405020304" pitchFamily="18" charset="0"/>
+              </a:rPr>
+              <a:t>Deploy</a:t>
+            </a:r>
+            <a:r>
+              <a:rPr lang="pt-BR" dirty="0">
+                <a:solidFill>
+                  <a:schemeClr val="tx1"/>
+                </a:solidFill>
+                <a:latin typeface="Times New Roman" panose="02020603050405020304" pitchFamily="18" charset="0"/>
+                <a:cs typeface="Times New Roman" panose="02020603050405020304" pitchFamily="18" charset="0"/>
+              </a:rPr>
+              <a:t> site: </a:t>
+            </a:r>
+            <a:r>
+              <a:rPr lang="pt-BR" b="1" dirty="0" err="1">
+                <a:solidFill>
+                  <a:schemeClr val="tx1"/>
+                </a:solidFill>
+                <a:latin typeface="Times New Roman" panose="02020603050405020304" pitchFamily="18" charset="0"/>
+                <a:cs typeface="Times New Roman" panose="02020603050405020304" pitchFamily="18" charset="0"/>
+              </a:rPr>
+              <a:t>Add</a:t>
+            </a:r>
+            <a:r>
+              <a:rPr lang="pt-BR" b="1" dirty="0">
+                <a:solidFill>
+                  <a:schemeClr val="tx1"/>
+                </a:solidFill>
+                <a:latin typeface="Times New Roman" panose="02020603050405020304" pitchFamily="18" charset="0"/>
+                <a:cs typeface="Times New Roman" panose="02020603050405020304" pitchFamily="18" charset="0"/>
+              </a:rPr>
+              <a:t> new site </a:t>
+            </a:r>
+            <a:r>
+              <a:rPr lang="pt-BR" dirty="0">
+                <a:solidFill>
+                  <a:schemeClr val="tx1"/>
+                </a:solidFill>
+                <a:latin typeface="Times New Roman" panose="02020603050405020304" pitchFamily="18" charset="0"/>
+                <a:cs typeface="Times New Roman" panose="02020603050405020304" pitchFamily="18" charset="0"/>
+              </a:rPr>
+              <a:t>(</a:t>
+            </a:r>
+            <a:r>
+              <a:rPr lang="pt-BR" b="1" dirty="0" err="1">
+                <a:solidFill>
+                  <a:srgbClr val="FF0000"/>
+                </a:solidFill>
+                <a:latin typeface="Times New Roman" panose="02020603050405020304" pitchFamily="18" charset="0"/>
+                <a:cs typeface="Times New Roman" panose="02020603050405020304" pitchFamily="18" charset="0"/>
+              </a:rPr>
+              <a:t>Import</a:t>
+            </a:r>
+            <a:r>
+              <a:rPr lang="pt-BR" b="1" dirty="0">
+                <a:solidFill>
+                  <a:srgbClr val="FF0000"/>
+                </a:solidFill>
+                <a:latin typeface="Times New Roman" panose="02020603050405020304" pitchFamily="18" charset="0"/>
+                <a:cs typeface="Times New Roman" panose="02020603050405020304" pitchFamily="18" charset="0"/>
+              </a:rPr>
+              <a:t> na </a:t>
+            </a:r>
+            <a:r>
+              <a:rPr lang="pt-BR" b="1" dirty="0" err="1">
+                <a:solidFill>
+                  <a:srgbClr val="FF0000"/>
+                </a:solidFill>
+                <a:latin typeface="Times New Roman" panose="02020603050405020304" pitchFamily="18" charset="0"/>
+                <a:cs typeface="Times New Roman" panose="02020603050405020304" pitchFamily="18" charset="0"/>
+              </a:rPr>
+              <a:t>existing</a:t>
+            </a:r>
+            <a:r>
+              <a:rPr lang="pt-BR" b="1" dirty="0">
+                <a:solidFill>
+                  <a:srgbClr val="FF0000"/>
+                </a:solidFill>
+                <a:latin typeface="Times New Roman" panose="02020603050405020304" pitchFamily="18" charset="0"/>
+                <a:cs typeface="Times New Roman" panose="02020603050405020304" pitchFamily="18" charset="0"/>
+              </a:rPr>
+              <a:t> </a:t>
+            </a:r>
+            <a:r>
+              <a:rPr lang="pt-BR" b="1" dirty="0" err="1">
+                <a:solidFill>
+                  <a:srgbClr val="FF0000"/>
+                </a:solidFill>
+                <a:latin typeface="Times New Roman" panose="02020603050405020304" pitchFamily="18" charset="0"/>
+                <a:cs typeface="Times New Roman" panose="02020603050405020304" pitchFamily="18" charset="0"/>
+              </a:rPr>
+              <a:t>project</a:t>
+            </a:r>
+            <a:r>
+              <a:rPr lang="pt-BR" dirty="0">
+                <a:solidFill>
+                  <a:schemeClr val="tx1"/>
+                </a:solidFill>
+                <a:latin typeface="Times New Roman" panose="02020603050405020304" pitchFamily="18" charset="0"/>
+                <a:cs typeface="Times New Roman" panose="02020603050405020304" pitchFamily="18" charset="0"/>
+              </a:rPr>
+              <a:t>)</a:t>
+            </a:r>
+          </a:p>
+          <a:p>
+            <a:pPr marL="514350" indent="-514350" algn="just">
+              <a:buAutoNum type="arabicPeriod"/>
+            </a:pPr>
+            <a:r>
+              <a:rPr lang="pt-BR" dirty="0">
+                <a:solidFill>
+                  <a:schemeClr val="tx1"/>
+                </a:solidFill>
+                <a:latin typeface="Times New Roman" panose="02020603050405020304" pitchFamily="18" charset="0"/>
+                <a:cs typeface="Times New Roman" panose="02020603050405020304" pitchFamily="18" charset="0"/>
+              </a:rPr>
+              <a:t>Selecionar o repositório </a:t>
+            </a:r>
+            <a:r>
+              <a:rPr lang="pt-BR" dirty="0" err="1">
+                <a:solidFill>
+                  <a:schemeClr val="tx1"/>
+                </a:solidFill>
+                <a:latin typeface="Times New Roman" panose="02020603050405020304" pitchFamily="18" charset="0"/>
+                <a:cs typeface="Times New Roman" panose="02020603050405020304" pitchFamily="18" charset="0"/>
+              </a:rPr>
+              <a:t>Github</a:t>
+            </a:r>
+            <a:r>
+              <a:rPr lang="pt-BR" dirty="0">
+                <a:solidFill>
+                  <a:schemeClr val="tx1"/>
+                </a:solidFill>
+                <a:latin typeface="Times New Roman" panose="02020603050405020304" pitchFamily="18" charset="0"/>
+                <a:cs typeface="Times New Roman" panose="02020603050405020304" pitchFamily="18" charset="0"/>
+              </a:rPr>
+              <a:t> para integração</a:t>
+            </a:r>
+          </a:p>
+          <a:p>
+            <a:pPr marL="514350" indent="-514350" algn="just">
+              <a:buAutoNum type="arabicPeriod"/>
+            </a:pPr>
+            <a:r>
+              <a:rPr lang="pt-BR" dirty="0">
+                <a:solidFill>
+                  <a:schemeClr val="tx1"/>
+                </a:solidFill>
+                <a:latin typeface="Times New Roman" panose="02020603050405020304" pitchFamily="18" charset="0"/>
+                <a:cs typeface="Times New Roman" panose="02020603050405020304" pitchFamily="18" charset="0"/>
+              </a:rPr>
+              <a:t>Selecionar sua conta </a:t>
+            </a:r>
+            <a:r>
+              <a:rPr lang="pt-BR" dirty="0" err="1">
+                <a:solidFill>
+                  <a:schemeClr val="tx1"/>
+                </a:solidFill>
+                <a:latin typeface="Times New Roman" panose="02020603050405020304" pitchFamily="18" charset="0"/>
+                <a:cs typeface="Times New Roman" panose="02020603050405020304" pitchFamily="18" charset="0"/>
+              </a:rPr>
+              <a:t>Github</a:t>
+            </a:r>
+            <a:r>
+              <a:rPr lang="pt-BR" dirty="0">
+                <a:solidFill>
+                  <a:schemeClr val="tx1"/>
+                </a:solidFill>
+                <a:latin typeface="Times New Roman" panose="02020603050405020304" pitchFamily="18" charset="0"/>
+                <a:cs typeface="Times New Roman" panose="02020603050405020304" pitchFamily="18" charset="0"/>
+              </a:rPr>
+              <a:t> e seu projeto </a:t>
+            </a:r>
+            <a:r>
+              <a:rPr lang="pt-BR" dirty="0" err="1">
+                <a:solidFill>
+                  <a:schemeClr val="tx1"/>
+                </a:solidFill>
+                <a:latin typeface="Times New Roman" panose="02020603050405020304" pitchFamily="18" charset="0"/>
+                <a:cs typeface="Times New Roman" panose="02020603050405020304" pitchFamily="18" charset="0"/>
+              </a:rPr>
+              <a:t>Git</a:t>
+            </a:r>
             <a:endParaRPr lang="pt-BR" dirty="0">
-              <a:latin typeface="Calibri" panose="020F0502020204030204" pitchFamily="34" charset="0"/>
+              <a:solidFill>
+                <a:schemeClr val="tx1"/>
+              </a:solidFill>
+              <a:latin typeface="Times New Roman" panose="02020603050405020304" pitchFamily="18" charset="0"/>
+              <a:cs typeface="Times New Roman" panose="02020603050405020304" pitchFamily="18" charset="0"/>
             </a:endParaRPr>
           </a:p>
         </p:txBody>
@@ -7924,7 +8731,7 @@
     </p:spTree>
     <p:extLst>
       <p:ext uri="{BB962C8B-B14F-4D97-AF65-F5344CB8AC3E}">
-        <p14:creationId xmlns:p14="http://schemas.microsoft.com/office/powerpoint/2010/main" val="2470652989"/>
+        <p14:creationId xmlns:p14="http://schemas.microsoft.com/office/powerpoint/2010/main" val="1685534213"/>
       </p:ext>
     </p:extLst>
   </p:cSld>
@@ -7975,6 +8782,3361 @@
           <a:lstStyle/>
           <a:p>
             <a:r>
+              <a:rPr lang="en-US" b="1" dirty="0">
+                <a:solidFill>
+                  <a:srgbClr val="0070C0"/>
+                </a:solidFill>
+              </a:rPr>
+              <a:t>Deploy Site Netlify</a:t>
+            </a:r>
+          </a:p>
+        </p:txBody>
+      </p:sp>
+      <p:sp>
+        <p:nvSpPr>
+          <p:cNvPr id="8" name="Text Placeholder 2"/>
+          <p:cNvSpPr>
+            <a:spLocks noGrp="1"/>
+          </p:cNvSpPr>
+          <p:nvPr>
+            <p:ph type="body" sz="half" idx="1"/>
+          </p:nvPr>
+        </p:nvSpPr>
+        <p:spPr>
+          <a:xfrm>
+            <a:off x="142865" y="1037312"/>
+            <a:ext cx="8865056" cy="4023203"/>
+          </a:xfrm>
+        </p:spPr>
+        <p:txBody>
+          <a:bodyPr>
+            <a:noAutofit/>
+          </a:bodyPr>
+          <a:lstStyle/>
+          <a:p>
+            <a:pPr marL="0" indent="0" algn="just">
+              <a:buNone/>
+            </a:pPr>
+            <a:r>
+              <a:rPr lang="pt-BR" b="1" dirty="0">
+                <a:solidFill>
+                  <a:srgbClr val="FF0000"/>
+                </a:solidFill>
+                <a:latin typeface="Times New Roman" panose="02020603050405020304" pitchFamily="18" charset="0"/>
+                <a:cs typeface="Times New Roman" panose="02020603050405020304" pitchFamily="18" charset="0"/>
+              </a:rPr>
+              <a:t>Procedimento (Continuação)</a:t>
+            </a:r>
+            <a:endParaRPr lang="pt-BR" dirty="0">
+              <a:solidFill>
+                <a:schemeClr val="tx1"/>
+              </a:solidFill>
+              <a:latin typeface="Times New Roman" panose="02020603050405020304" pitchFamily="18" charset="0"/>
+              <a:cs typeface="Times New Roman" panose="02020603050405020304" pitchFamily="18" charset="0"/>
+            </a:endParaRPr>
+          </a:p>
+          <a:p>
+            <a:pPr marL="0" indent="0" algn="just">
+              <a:buNone/>
+            </a:pPr>
+            <a:r>
+              <a:rPr lang="pt-BR" dirty="0">
+                <a:solidFill>
+                  <a:schemeClr val="tx1"/>
+                </a:solidFill>
+                <a:latin typeface="Times New Roman" panose="02020603050405020304" pitchFamily="18" charset="0"/>
+                <a:cs typeface="Times New Roman" panose="02020603050405020304" pitchFamily="18" charset="0"/>
+              </a:rPr>
+              <a:t>7. Configurar as parâmetros de ambiente:</a:t>
+            </a:r>
+          </a:p>
+          <a:p>
+            <a:pPr marL="0" indent="0" algn="just">
+              <a:buNone/>
+            </a:pPr>
+            <a:r>
+              <a:rPr lang="pt-BR" dirty="0">
+                <a:solidFill>
+                  <a:schemeClr val="tx1"/>
+                </a:solidFill>
+                <a:latin typeface="Times New Roman" panose="02020603050405020304" pitchFamily="18" charset="0"/>
+                <a:cs typeface="Times New Roman" panose="02020603050405020304" pitchFamily="18" charset="0"/>
+              </a:rPr>
+              <a:t>	base </a:t>
+            </a:r>
+            <a:r>
+              <a:rPr lang="pt-BR" dirty="0" err="1">
+                <a:solidFill>
+                  <a:schemeClr val="tx1"/>
+                </a:solidFill>
+                <a:latin typeface="Times New Roman" panose="02020603050405020304" pitchFamily="18" charset="0"/>
+                <a:cs typeface="Times New Roman" panose="02020603050405020304" pitchFamily="18" charset="0"/>
+              </a:rPr>
+              <a:t>directory</a:t>
+            </a:r>
+            <a:r>
+              <a:rPr lang="pt-BR" dirty="0">
+                <a:solidFill>
+                  <a:schemeClr val="tx1"/>
+                </a:solidFill>
+                <a:latin typeface="Times New Roman" panose="02020603050405020304" pitchFamily="18" charset="0"/>
+                <a:cs typeface="Times New Roman" panose="02020603050405020304" pitchFamily="18" charset="0"/>
+              </a:rPr>
+              <a:t>: nome da </a:t>
+            </a:r>
+            <a:r>
+              <a:rPr lang="pt-BR" dirty="0" err="1">
+                <a:solidFill>
+                  <a:schemeClr val="tx1"/>
+                </a:solidFill>
+                <a:latin typeface="Times New Roman" panose="02020603050405020304" pitchFamily="18" charset="0"/>
+                <a:cs typeface="Times New Roman" panose="02020603050405020304" pitchFamily="18" charset="0"/>
+              </a:rPr>
+              <a:t>brach</a:t>
+            </a:r>
+            <a:r>
+              <a:rPr lang="pt-BR" dirty="0">
+                <a:solidFill>
+                  <a:schemeClr val="tx1"/>
+                </a:solidFill>
+                <a:latin typeface="Times New Roman" panose="02020603050405020304" pitchFamily="18" charset="0"/>
+                <a:cs typeface="Times New Roman" panose="02020603050405020304" pitchFamily="18" charset="0"/>
+              </a:rPr>
+              <a:t> aonde está o index.html</a:t>
+            </a:r>
+          </a:p>
+          <a:p>
+            <a:pPr marL="0" indent="0" algn="just">
+              <a:buNone/>
+            </a:pPr>
+            <a:r>
+              <a:rPr lang="pt-BR" dirty="0">
+                <a:solidFill>
+                  <a:schemeClr val="tx1"/>
+                </a:solidFill>
+                <a:latin typeface="Times New Roman" panose="02020603050405020304" pitchFamily="18" charset="0"/>
+                <a:cs typeface="Times New Roman" panose="02020603050405020304" pitchFamily="18" charset="0"/>
+              </a:rPr>
+              <a:t>	build </a:t>
+            </a:r>
+            <a:r>
+              <a:rPr lang="pt-BR" dirty="0" err="1">
+                <a:solidFill>
+                  <a:schemeClr val="tx1"/>
+                </a:solidFill>
+                <a:latin typeface="Times New Roman" panose="02020603050405020304" pitchFamily="18" charset="0"/>
+                <a:cs typeface="Times New Roman" panose="02020603050405020304" pitchFamily="18" charset="0"/>
+              </a:rPr>
+              <a:t>command</a:t>
+            </a:r>
+            <a:r>
+              <a:rPr lang="pt-BR" dirty="0">
+                <a:solidFill>
+                  <a:schemeClr val="tx1"/>
+                </a:solidFill>
+                <a:latin typeface="Times New Roman" panose="02020603050405020304" pitchFamily="18" charset="0"/>
+                <a:cs typeface="Times New Roman" panose="02020603050405020304" pitchFamily="18" charset="0"/>
+              </a:rPr>
+              <a:t>: Ex.: </a:t>
+            </a:r>
+            <a:r>
+              <a:rPr lang="pt-BR" b="1" dirty="0" err="1">
+                <a:solidFill>
+                  <a:schemeClr val="tx1"/>
+                </a:solidFill>
+                <a:latin typeface="Times New Roman" panose="02020603050405020304" pitchFamily="18" charset="0"/>
+                <a:cs typeface="Times New Roman" panose="02020603050405020304" pitchFamily="18" charset="0"/>
+              </a:rPr>
+              <a:t>yarn</a:t>
+            </a:r>
+            <a:r>
+              <a:rPr lang="pt-BR" b="1" dirty="0">
+                <a:solidFill>
+                  <a:schemeClr val="tx1"/>
+                </a:solidFill>
+                <a:latin typeface="Times New Roman" panose="02020603050405020304" pitchFamily="18" charset="0"/>
+                <a:cs typeface="Times New Roman" panose="02020603050405020304" pitchFamily="18" charset="0"/>
+              </a:rPr>
+              <a:t> build </a:t>
+            </a:r>
+            <a:r>
+              <a:rPr lang="pt-BR" dirty="0">
+                <a:solidFill>
+                  <a:schemeClr val="tx1"/>
+                </a:solidFill>
+                <a:latin typeface="Times New Roman" panose="02020603050405020304" pitchFamily="18" charset="0"/>
+                <a:cs typeface="Times New Roman" panose="02020603050405020304" pitchFamily="18" charset="0"/>
+              </a:rPr>
+              <a:t>(Não vamos utilizar)</a:t>
+            </a:r>
+          </a:p>
+          <a:p>
+            <a:pPr marL="0" indent="0" algn="just">
+              <a:buNone/>
+            </a:pPr>
+            <a:r>
+              <a:rPr lang="pt-BR" dirty="0">
+                <a:solidFill>
+                  <a:schemeClr val="tx1"/>
+                </a:solidFill>
+                <a:latin typeface="Times New Roman" panose="02020603050405020304" pitchFamily="18" charset="0"/>
+                <a:cs typeface="Times New Roman" panose="02020603050405020304" pitchFamily="18" charset="0"/>
+              </a:rPr>
+              <a:t>	</a:t>
+            </a:r>
+            <a:r>
+              <a:rPr lang="pt-BR" dirty="0" err="1">
+                <a:solidFill>
+                  <a:schemeClr val="tx1"/>
+                </a:solidFill>
+                <a:latin typeface="Times New Roman" panose="02020603050405020304" pitchFamily="18" charset="0"/>
+                <a:cs typeface="Times New Roman" panose="02020603050405020304" pitchFamily="18" charset="0"/>
+              </a:rPr>
+              <a:t>publish</a:t>
+            </a:r>
+            <a:r>
+              <a:rPr lang="pt-BR" dirty="0">
+                <a:solidFill>
+                  <a:schemeClr val="tx1"/>
+                </a:solidFill>
+                <a:latin typeface="Times New Roman" panose="02020603050405020304" pitchFamily="18" charset="0"/>
+                <a:cs typeface="Times New Roman" panose="02020603050405020304" pitchFamily="18" charset="0"/>
+              </a:rPr>
+              <a:t> </a:t>
+            </a:r>
+            <a:r>
+              <a:rPr lang="pt-BR" dirty="0" err="1">
+                <a:solidFill>
+                  <a:schemeClr val="tx1"/>
+                </a:solidFill>
+                <a:latin typeface="Times New Roman" panose="02020603050405020304" pitchFamily="18" charset="0"/>
+                <a:cs typeface="Times New Roman" panose="02020603050405020304" pitchFamily="18" charset="0"/>
+              </a:rPr>
+              <a:t>directory</a:t>
+            </a:r>
+            <a:r>
+              <a:rPr lang="pt-BR" dirty="0">
+                <a:solidFill>
+                  <a:schemeClr val="tx1"/>
+                </a:solidFill>
+                <a:latin typeface="Times New Roman" panose="02020603050405020304" pitchFamily="18" charset="0"/>
+                <a:cs typeface="Times New Roman" panose="02020603050405020304" pitchFamily="18" charset="0"/>
+              </a:rPr>
+              <a:t> : nome da </a:t>
+            </a:r>
+            <a:r>
+              <a:rPr lang="pt-BR" dirty="0" err="1">
+                <a:solidFill>
+                  <a:schemeClr val="tx1"/>
+                </a:solidFill>
+                <a:latin typeface="Times New Roman" panose="02020603050405020304" pitchFamily="18" charset="0"/>
+                <a:cs typeface="Times New Roman" panose="02020603050405020304" pitchFamily="18" charset="0"/>
+              </a:rPr>
+              <a:t>brach</a:t>
+            </a:r>
+            <a:r>
+              <a:rPr lang="pt-BR" dirty="0">
+                <a:solidFill>
+                  <a:schemeClr val="tx1"/>
+                </a:solidFill>
+                <a:latin typeface="Times New Roman" panose="02020603050405020304" pitchFamily="18" charset="0"/>
+                <a:cs typeface="Times New Roman" panose="02020603050405020304" pitchFamily="18" charset="0"/>
+              </a:rPr>
+              <a:t> aonde está o index.html</a:t>
+            </a:r>
+          </a:p>
+          <a:p>
+            <a:pPr marL="0" indent="0" algn="just">
+              <a:buNone/>
+            </a:pPr>
+            <a:r>
+              <a:rPr lang="pt-BR" dirty="0">
+                <a:solidFill>
+                  <a:schemeClr val="tx1"/>
+                </a:solidFill>
+                <a:latin typeface="Times New Roman" panose="02020603050405020304" pitchFamily="18" charset="0"/>
+                <a:cs typeface="Times New Roman" panose="02020603050405020304" pitchFamily="18" charset="0"/>
+              </a:rPr>
+              <a:t>8. </a:t>
+            </a:r>
+            <a:r>
+              <a:rPr lang="pt-BR" dirty="0" err="1">
+                <a:solidFill>
+                  <a:schemeClr val="tx1"/>
+                </a:solidFill>
+                <a:latin typeface="Times New Roman" panose="02020603050405020304" pitchFamily="18" charset="0"/>
+                <a:cs typeface="Times New Roman" panose="02020603050405020304" pitchFamily="18" charset="0"/>
+              </a:rPr>
+              <a:t>Deploy</a:t>
+            </a:r>
+            <a:r>
+              <a:rPr lang="pt-BR" dirty="0">
+                <a:solidFill>
+                  <a:schemeClr val="tx1"/>
+                </a:solidFill>
+                <a:latin typeface="Times New Roman" panose="02020603050405020304" pitchFamily="18" charset="0"/>
+                <a:cs typeface="Times New Roman" panose="02020603050405020304" pitchFamily="18" charset="0"/>
+              </a:rPr>
+              <a:t> site</a:t>
+            </a:r>
+          </a:p>
+          <a:p>
+            <a:pPr marL="0" indent="0" algn="just">
+              <a:buNone/>
+            </a:pPr>
+            <a:endParaRPr lang="pt-BR" dirty="0">
+              <a:solidFill>
+                <a:schemeClr val="tx1"/>
+              </a:solidFill>
+              <a:latin typeface="Times New Roman" panose="02020603050405020304" pitchFamily="18" charset="0"/>
+              <a:cs typeface="Times New Roman" panose="02020603050405020304" pitchFamily="18" charset="0"/>
+            </a:endParaRPr>
+          </a:p>
+          <a:p>
+            <a:pPr marL="0" indent="0" algn="just">
+              <a:buNone/>
+            </a:pPr>
+            <a:r>
+              <a:rPr lang="pt-BR" dirty="0">
+                <a:solidFill>
+                  <a:schemeClr val="tx1"/>
+                </a:solidFill>
+                <a:latin typeface="Times New Roman" panose="02020603050405020304" pitchFamily="18" charset="0"/>
+                <a:cs typeface="Times New Roman" panose="02020603050405020304" pitchFamily="18" charset="0"/>
+              </a:rPr>
+              <a:t>Nota: </a:t>
+            </a:r>
+            <a:r>
+              <a:rPr lang="pt-BR" b="1" dirty="0">
+                <a:solidFill>
+                  <a:srgbClr val="FF0000"/>
+                </a:solidFill>
+                <a:latin typeface="Times New Roman" panose="02020603050405020304" pitchFamily="18" charset="0"/>
+                <a:cs typeface="Times New Roman" panose="02020603050405020304" pitchFamily="18" charset="0"/>
+              </a:rPr>
+              <a:t>Show </a:t>
+            </a:r>
+            <a:r>
+              <a:rPr lang="pt-BR" b="1" dirty="0" err="1">
+                <a:solidFill>
+                  <a:srgbClr val="FF0000"/>
+                </a:solidFill>
+                <a:latin typeface="Times New Roman" panose="02020603050405020304" pitchFamily="18" charset="0"/>
+                <a:cs typeface="Times New Roman" panose="02020603050405020304" pitchFamily="18" charset="0"/>
+              </a:rPr>
+              <a:t>advanced</a:t>
+            </a:r>
+            <a:r>
+              <a:rPr lang="pt-BR" b="1" dirty="0">
+                <a:solidFill>
+                  <a:srgbClr val="FF0000"/>
+                </a:solidFill>
+                <a:latin typeface="Times New Roman" panose="02020603050405020304" pitchFamily="18" charset="0"/>
+                <a:cs typeface="Times New Roman" panose="02020603050405020304" pitchFamily="18" charset="0"/>
+              </a:rPr>
+              <a:t> </a:t>
+            </a:r>
+            <a:r>
+              <a:rPr lang="pt-BR" dirty="0">
+                <a:solidFill>
+                  <a:schemeClr val="tx1"/>
+                </a:solidFill>
+                <a:latin typeface="Times New Roman" panose="02020603050405020304" pitchFamily="18" charset="0"/>
+                <a:cs typeface="Times New Roman" panose="02020603050405020304" pitchFamily="18" charset="0"/>
+              </a:rPr>
+              <a:t>(Configurar variável de ambiente)</a:t>
+            </a:r>
+          </a:p>
+        </p:txBody>
+      </p:sp>
+    </p:spTree>
+    <p:extLst>
+      <p:ext uri="{BB962C8B-B14F-4D97-AF65-F5344CB8AC3E}">
+        <p14:creationId xmlns:p14="http://schemas.microsoft.com/office/powerpoint/2010/main" val="1405692029"/>
+      </p:ext>
+    </p:extLst>
+  </p:cSld>
+  <p:clrMapOvr>
+    <a:masterClrMapping/>
+  </p:clrMapOvr>
+  <p:transition spd="med"/>
+</p:sld>
+</file>
+
+<file path=ppt/slides/slide22.xml><?xml version="1.0" encoding="utf-8"?>
+<p:sld xmlns:a="http://schemas.openxmlformats.org/drawingml/2006/main" xmlns:r="http://schemas.openxmlformats.org/officeDocument/2006/relationships" xmlns:p="http://schemas.openxmlformats.org/presentationml/2006/main">
+  <p:cSld>
+    <p:spTree>
+      <p:nvGrpSpPr>
+        <p:cNvPr id="1" name=""/>
+        <p:cNvGrpSpPr/>
+        <p:nvPr/>
+      </p:nvGrpSpPr>
+      <p:grpSpPr>
+        <a:xfrm>
+          <a:off x="0" y="0"/>
+          <a:ext cx="0" cy="0"/>
+          <a:chOff x="0" y="0"/>
+          <a:chExt cx="0" cy="0"/>
+        </a:xfrm>
+      </p:grpSpPr>
+      <p:sp>
+        <p:nvSpPr>
+          <p:cNvPr id="6" name="Title 1"/>
+          <p:cNvSpPr>
+            <a:spLocks noGrp="1"/>
+          </p:cNvSpPr>
+          <p:nvPr>
+            <p:ph type="title"/>
+          </p:nvPr>
+        </p:nvSpPr>
+        <p:spPr>
+          <a:xfrm>
+            <a:off x="457200" y="205980"/>
+            <a:ext cx="8229600" cy="857251"/>
+          </a:xfrm>
+        </p:spPr>
+        <p:txBody>
+          <a:bodyPr>
+            <a:normAutofit/>
+          </a:bodyPr>
+          <a:lstStyle/>
+          <a:p>
+            <a:r>
+              <a:rPr lang="en-US" b="1" dirty="0">
+                <a:solidFill>
+                  <a:srgbClr val="0070C0"/>
+                </a:solidFill>
+              </a:rPr>
+              <a:t>Deploy Site Netlify</a:t>
+            </a:r>
+          </a:p>
+        </p:txBody>
+      </p:sp>
+      <p:sp>
+        <p:nvSpPr>
+          <p:cNvPr id="8" name="Text Placeholder 2"/>
+          <p:cNvSpPr>
+            <a:spLocks noGrp="1"/>
+          </p:cNvSpPr>
+          <p:nvPr>
+            <p:ph type="body" sz="half" idx="1"/>
+          </p:nvPr>
+        </p:nvSpPr>
+        <p:spPr>
+          <a:xfrm>
+            <a:off x="142865" y="1037312"/>
+            <a:ext cx="8865056" cy="4023203"/>
+          </a:xfrm>
+        </p:spPr>
+        <p:txBody>
+          <a:bodyPr>
+            <a:noAutofit/>
+          </a:bodyPr>
+          <a:lstStyle/>
+          <a:p>
+            <a:pPr marL="0" indent="0" algn="just">
+              <a:buNone/>
+            </a:pPr>
+            <a:r>
+              <a:rPr lang="pt-BR" sz="2400" b="1" dirty="0">
+                <a:solidFill>
+                  <a:srgbClr val="FF0000"/>
+                </a:solidFill>
+                <a:latin typeface="Times New Roman" panose="02020603050405020304" pitchFamily="18" charset="0"/>
+                <a:cs typeface="Times New Roman" panose="02020603050405020304" pitchFamily="18" charset="0"/>
+              </a:rPr>
+              <a:t>Outras Configurações</a:t>
+            </a:r>
+            <a:endParaRPr lang="pt-BR" sz="2400" dirty="0">
+              <a:solidFill>
+                <a:schemeClr val="tx1"/>
+              </a:solidFill>
+              <a:latin typeface="Times New Roman" panose="02020603050405020304" pitchFamily="18" charset="0"/>
+              <a:cs typeface="Times New Roman" panose="02020603050405020304" pitchFamily="18" charset="0"/>
+            </a:endParaRPr>
+          </a:p>
+          <a:p>
+            <a:pPr marL="514350" indent="-514350" algn="just">
+              <a:buAutoNum type="arabicPeriod"/>
+            </a:pPr>
+            <a:r>
+              <a:rPr lang="pt-BR" sz="2400" dirty="0">
+                <a:solidFill>
+                  <a:schemeClr val="tx1"/>
+                </a:solidFill>
+                <a:latin typeface="Times New Roman" panose="02020603050405020304" pitchFamily="18" charset="0"/>
+                <a:cs typeface="Times New Roman" panose="02020603050405020304" pitchFamily="18" charset="0"/>
+              </a:rPr>
+              <a:t>Menu Site settings</a:t>
+            </a:r>
+          </a:p>
+          <a:p>
+            <a:pPr marL="962025" lvl="1" indent="-514350" algn="just">
+              <a:buAutoNum type="arabicPeriod"/>
+            </a:pPr>
+            <a:r>
+              <a:rPr lang="pt-BR" sz="2400" dirty="0" err="1">
+                <a:solidFill>
+                  <a:schemeClr val="tx1"/>
+                </a:solidFill>
+                <a:latin typeface="Times New Roman" panose="02020603050405020304" pitchFamily="18" charset="0"/>
+                <a:cs typeface="Times New Roman" panose="02020603050405020304" pitchFamily="18" charset="0"/>
+              </a:rPr>
+              <a:t>Change</a:t>
+            </a:r>
+            <a:r>
+              <a:rPr lang="pt-BR" sz="2400" dirty="0">
+                <a:solidFill>
+                  <a:schemeClr val="tx1"/>
+                </a:solidFill>
+                <a:latin typeface="Times New Roman" panose="02020603050405020304" pitchFamily="18" charset="0"/>
+                <a:cs typeface="Times New Roman" panose="02020603050405020304" pitchFamily="18" charset="0"/>
+              </a:rPr>
+              <a:t> site </a:t>
+            </a:r>
+            <a:r>
+              <a:rPr lang="pt-BR" sz="2400" dirty="0" err="1">
+                <a:solidFill>
+                  <a:schemeClr val="tx1"/>
+                </a:solidFill>
+                <a:latin typeface="Times New Roman" panose="02020603050405020304" pitchFamily="18" charset="0"/>
+                <a:cs typeface="Times New Roman" panose="02020603050405020304" pitchFamily="18" charset="0"/>
+              </a:rPr>
+              <a:t>name</a:t>
+            </a:r>
+            <a:r>
+              <a:rPr lang="pt-BR" sz="2400" dirty="0">
+                <a:solidFill>
+                  <a:schemeClr val="tx1"/>
+                </a:solidFill>
+                <a:latin typeface="Times New Roman" panose="02020603050405020304" pitchFamily="18" charset="0"/>
+                <a:cs typeface="Times New Roman" panose="02020603050405020304" pitchFamily="18" charset="0"/>
+              </a:rPr>
+              <a:t> (alterar nome)</a:t>
+            </a:r>
+          </a:p>
+          <a:p>
+            <a:pPr marL="962025" lvl="1" indent="-514350" algn="just">
+              <a:buAutoNum type="arabicPeriod"/>
+            </a:pPr>
+            <a:r>
+              <a:rPr lang="pt-BR" sz="2400" dirty="0">
+                <a:solidFill>
+                  <a:schemeClr val="tx1"/>
+                </a:solidFill>
+                <a:latin typeface="Times New Roman" panose="02020603050405020304" pitchFamily="18" charset="0"/>
+                <a:cs typeface="Times New Roman" panose="02020603050405020304" pitchFamily="18" charset="0"/>
+              </a:rPr>
+              <a:t>Delete </a:t>
+            </a:r>
+            <a:r>
+              <a:rPr lang="pt-BR" sz="2400" dirty="0" err="1">
+                <a:solidFill>
+                  <a:schemeClr val="tx1"/>
+                </a:solidFill>
+                <a:latin typeface="Times New Roman" panose="02020603050405020304" pitchFamily="18" charset="0"/>
+                <a:cs typeface="Times New Roman" panose="02020603050405020304" pitchFamily="18" charset="0"/>
+              </a:rPr>
+              <a:t>this</a:t>
+            </a:r>
+            <a:r>
+              <a:rPr lang="pt-BR" sz="2400" dirty="0">
+                <a:solidFill>
+                  <a:schemeClr val="tx1"/>
+                </a:solidFill>
+                <a:latin typeface="Times New Roman" panose="02020603050405020304" pitchFamily="18" charset="0"/>
+                <a:cs typeface="Times New Roman" panose="02020603050405020304" pitchFamily="18" charset="0"/>
+              </a:rPr>
+              <a:t> site</a:t>
+            </a:r>
+          </a:p>
+          <a:p>
+            <a:pPr marL="514350" indent="-514350" algn="just">
+              <a:buAutoNum type="arabicPeriod"/>
+            </a:pPr>
+            <a:r>
+              <a:rPr lang="pt-BR" sz="2400" dirty="0">
+                <a:solidFill>
+                  <a:schemeClr val="tx1"/>
+                </a:solidFill>
+                <a:latin typeface="Times New Roman" panose="02020603050405020304" pitchFamily="18" charset="0"/>
+                <a:cs typeface="Times New Roman" panose="02020603050405020304" pitchFamily="18" charset="0"/>
+              </a:rPr>
+              <a:t> Menu </a:t>
+            </a:r>
+            <a:r>
+              <a:rPr lang="pt-BR" sz="2400" dirty="0" err="1">
+                <a:solidFill>
+                  <a:schemeClr val="tx1"/>
+                </a:solidFill>
+                <a:latin typeface="Times New Roman" panose="02020603050405020304" pitchFamily="18" charset="0"/>
+                <a:cs typeface="Times New Roman" panose="02020603050405020304" pitchFamily="18" charset="0"/>
+              </a:rPr>
+              <a:t>Deploys</a:t>
+            </a:r>
+            <a:endParaRPr lang="pt-BR" sz="2400" dirty="0">
+              <a:solidFill>
+                <a:schemeClr val="tx1"/>
+              </a:solidFill>
+              <a:latin typeface="Times New Roman" panose="02020603050405020304" pitchFamily="18" charset="0"/>
+              <a:cs typeface="Times New Roman" panose="02020603050405020304" pitchFamily="18" charset="0"/>
+            </a:endParaRPr>
+          </a:p>
+          <a:p>
+            <a:pPr marL="962025" lvl="1" indent="-514350" algn="just">
+              <a:buAutoNum type="arabicPeriod"/>
+            </a:pPr>
+            <a:r>
+              <a:rPr lang="pt-BR" sz="2400" dirty="0">
+                <a:solidFill>
+                  <a:schemeClr val="tx1"/>
+                </a:solidFill>
+                <a:latin typeface="Times New Roman" panose="02020603050405020304" pitchFamily="18" charset="0"/>
+                <a:cs typeface="Times New Roman" panose="02020603050405020304" pitchFamily="18" charset="0"/>
+              </a:rPr>
+              <a:t> </a:t>
+            </a:r>
+            <a:r>
+              <a:rPr lang="pt-BR" sz="2400" dirty="0" err="1">
+                <a:solidFill>
+                  <a:schemeClr val="tx1"/>
+                </a:solidFill>
+                <a:latin typeface="Times New Roman" panose="02020603050405020304" pitchFamily="18" charset="0"/>
+                <a:cs typeface="Times New Roman" panose="02020603050405020304" pitchFamily="18" charset="0"/>
+              </a:rPr>
+              <a:t>Deploy</a:t>
+            </a:r>
+            <a:r>
+              <a:rPr lang="pt-BR" sz="2400" dirty="0">
+                <a:solidFill>
+                  <a:schemeClr val="tx1"/>
+                </a:solidFill>
+                <a:latin typeface="Times New Roman" panose="02020603050405020304" pitchFamily="18" charset="0"/>
+                <a:cs typeface="Times New Roman" panose="02020603050405020304" pitchFamily="18" charset="0"/>
+              </a:rPr>
+              <a:t> settings</a:t>
+            </a:r>
+          </a:p>
+          <a:p>
+            <a:pPr marL="1405890" lvl="2" indent="-514350" algn="just">
+              <a:buAutoNum type="arabicPeriod"/>
+            </a:pPr>
+            <a:r>
+              <a:rPr lang="pt-BR" sz="2400" dirty="0" err="1">
+                <a:solidFill>
+                  <a:schemeClr val="tx1"/>
+                </a:solidFill>
+                <a:latin typeface="Times New Roman" panose="02020603050405020304" pitchFamily="18" charset="0"/>
+                <a:cs typeface="Times New Roman" panose="02020603050405020304" pitchFamily="18" charset="0"/>
+              </a:rPr>
+              <a:t>Repository</a:t>
+            </a:r>
+            <a:endParaRPr lang="pt-BR" sz="2400" dirty="0">
+              <a:solidFill>
+                <a:schemeClr val="tx1"/>
+              </a:solidFill>
+              <a:latin typeface="Times New Roman" panose="02020603050405020304" pitchFamily="18" charset="0"/>
+              <a:cs typeface="Times New Roman" panose="02020603050405020304" pitchFamily="18" charset="0"/>
+            </a:endParaRPr>
+          </a:p>
+          <a:p>
+            <a:pPr marL="1405890" lvl="2" indent="-514350" algn="just">
+              <a:buAutoNum type="arabicPeriod"/>
+            </a:pPr>
+            <a:r>
+              <a:rPr lang="pt-BR" sz="2400" dirty="0">
+                <a:solidFill>
+                  <a:schemeClr val="tx1"/>
+                </a:solidFill>
+                <a:latin typeface="Times New Roman" panose="02020603050405020304" pitchFamily="18" charset="0"/>
+                <a:cs typeface="Times New Roman" panose="02020603050405020304" pitchFamily="18" charset="0"/>
+              </a:rPr>
+              <a:t>Build settings</a:t>
+            </a:r>
+          </a:p>
+          <a:p>
+            <a:pPr marL="1405890" lvl="2" indent="-514350" algn="just">
+              <a:buAutoNum type="arabicPeriod"/>
+            </a:pPr>
+            <a:r>
+              <a:rPr lang="pt-BR" sz="2400" dirty="0" err="1">
+                <a:solidFill>
+                  <a:schemeClr val="tx1"/>
+                </a:solidFill>
+                <a:latin typeface="Times New Roman" panose="02020603050405020304" pitchFamily="18" charset="0"/>
+                <a:cs typeface="Times New Roman" panose="02020603050405020304" pitchFamily="18" charset="0"/>
+              </a:rPr>
+              <a:t>Branches</a:t>
+            </a:r>
+            <a:endParaRPr lang="pt-BR" sz="2400" dirty="0">
+              <a:solidFill>
+                <a:schemeClr val="tx1"/>
+              </a:solidFill>
+              <a:latin typeface="Times New Roman" panose="02020603050405020304" pitchFamily="18" charset="0"/>
+              <a:cs typeface="Times New Roman" panose="02020603050405020304" pitchFamily="18" charset="0"/>
+            </a:endParaRPr>
+          </a:p>
+        </p:txBody>
+      </p:sp>
+    </p:spTree>
+    <p:extLst>
+      <p:ext uri="{BB962C8B-B14F-4D97-AF65-F5344CB8AC3E}">
+        <p14:creationId xmlns:p14="http://schemas.microsoft.com/office/powerpoint/2010/main" val="1231751661"/>
+      </p:ext>
+    </p:extLst>
+  </p:cSld>
+  <p:clrMapOvr>
+    <a:masterClrMapping/>
+  </p:clrMapOvr>
+  <p:transition spd="med"/>
+</p:sld>
+</file>
+
+<file path=ppt/slides/slide23.xml><?xml version="1.0" encoding="utf-8"?>
+<p:sld xmlns:a="http://schemas.openxmlformats.org/drawingml/2006/main" xmlns:r="http://schemas.openxmlformats.org/officeDocument/2006/relationships" xmlns:p="http://schemas.openxmlformats.org/presentationml/2006/main">
+  <p:cSld>
+    <p:spTree>
+      <p:nvGrpSpPr>
+        <p:cNvPr id="1" name=""/>
+        <p:cNvGrpSpPr/>
+        <p:nvPr/>
+      </p:nvGrpSpPr>
+      <p:grpSpPr>
+        <a:xfrm>
+          <a:off x="0" y="0"/>
+          <a:ext cx="0" cy="0"/>
+          <a:chOff x="0" y="0"/>
+          <a:chExt cx="0" cy="0"/>
+        </a:xfrm>
+      </p:grpSpPr>
+      <p:sp>
+        <p:nvSpPr>
+          <p:cNvPr id="6" name="Title 1"/>
+          <p:cNvSpPr>
+            <a:spLocks noGrp="1"/>
+          </p:cNvSpPr>
+          <p:nvPr>
+            <p:ph type="title"/>
+          </p:nvPr>
+        </p:nvSpPr>
+        <p:spPr>
+          <a:xfrm>
+            <a:off x="457200" y="205980"/>
+            <a:ext cx="8229600" cy="857251"/>
+          </a:xfrm>
+        </p:spPr>
+        <p:txBody>
+          <a:bodyPr>
+            <a:normAutofit/>
+          </a:bodyPr>
+          <a:lstStyle/>
+          <a:p>
+            <a:r>
+              <a:rPr lang="en-US" b="1" dirty="0" err="1">
+                <a:solidFill>
+                  <a:srgbClr val="0070C0"/>
+                </a:solidFill>
+              </a:rPr>
+              <a:t>Sugestão</a:t>
+            </a:r>
+            <a:r>
+              <a:rPr lang="en-US" b="1" dirty="0">
+                <a:solidFill>
+                  <a:srgbClr val="0070C0"/>
+                </a:solidFill>
+              </a:rPr>
+              <a:t> 1: </a:t>
+            </a:r>
+            <a:r>
+              <a:rPr lang="en-US" b="1" dirty="0" err="1">
+                <a:solidFill>
+                  <a:srgbClr val="0070C0"/>
+                </a:solidFill>
+              </a:rPr>
+              <a:t>Estrutura</a:t>
+            </a:r>
+            <a:r>
+              <a:rPr lang="en-US" b="1" dirty="0">
+                <a:solidFill>
+                  <a:srgbClr val="0070C0"/>
+                </a:solidFill>
+              </a:rPr>
+              <a:t> Site</a:t>
+            </a:r>
+          </a:p>
+        </p:txBody>
+      </p:sp>
+      <p:sp>
+        <p:nvSpPr>
+          <p:cNvPr id="8" name="Text Placeholder 2"/>
+          <p:cNvSpPr>
+            <a:spLocks noGrp="1"/>
+          </p:cNvSpPr>
+          <p:nvPr>
+            <p:ph type="body" sz="half" idx="1"/>
+          </p:nvPr>
+        </p:nvSpPr>
+        <p:spPr>
+          <a:xfrm>
+            <a:off x="142865" y="1037312"/>
+            <a:ext cx="8865056" cy="4023203"/>
+          </a:xfrm>
+        </p:spPr>
+        <p:txBody>
+          <a:bodyPr>
+            <a:noAutofit/>
+          </a:bodyPr>
+          <a:lstStyle/>
+          <a:p>
+            <a:pPr marL="457200" indent="-457200" algn="just">
+              <a:buAutoNum type="arabicPeriod"/>
+            </a:pPr>
+            <a:r>
+              <a:rPr lang="pt-BR" sz="1600" b="1" dirty="0">
+                <a:solidFill>
+                  <a:schemeClr val="tx1"/>
+                </a:solidFill>
+                <a:latin typeface="Times New Roman" panose="02020603050405020304" pitchFamily="18" charset="0"/>
+                <a:cs typeface="Times New Roman" panose="02020603050405020304" pitchFamily="18" charset="0"/>
+              </a:rPr>
+              <a:t>Nome do Site</a:t>
+            </a:r>
+          </a:p>
+          <a:p>
+            <a:pPr marL="904875" lvl="1" indent="-457200" algn="just">
+              <a:buAutoNum type="arabicPeriod"/>
+            </a:pPr>
+            <a:r>
+              <a:rPr lang="pt-BR" sz="1600" dirty="0" err="1">
+                <a:solidFill>
+                  <a:schemeClr val="tx1"/>
+                </a:solidFill>
+                <a:latin typeface="Times New Roman" panose="02020603050405020304" pitchFamily="18" charset="0"/>
+                <a:cs typeface="Times New Roman" panose="02020603050405020304" pitchFamily="18" charset="0"/>
+              </a:rPr>
+              <a:t>frontend</a:t>
+            </a:r>
+            <a:endParaRPr lang="pt-BR" sz="1600" dirty="0">
+              <a:solidFill>
+                <a:schemeClr val="tx1"/>
+              </a:solidFill>
+              <a:latin typeface="Times New Roman" panose="02020603050405020304" pitchFamily="18" charset="0"/>
+              <a:cs typeface="Times New Roman" panose="02020603050405020304" pitchFamily="18" charset="0"/>
+            </a:endParaRPr>
+          </a:p>
+          <a:p>
+            <a:pPr marL="1348740" lvl="2" indent="-457200" algn="just">
+              <a:buAutoNum type="arabicPeriod"/>
+            </a:pPr>
+            <a:r>
+              <a:rPr lang="pt-BR" sz="1600">
+                <a:solidFill>
+                  <a:schemeClr val="tx1"/>
+                </a:solidFill>
+                <a:latin typeface="Times New Roman" panose="02020603050405020304" pitchFamily="18" charset="0"/>
+                <a:cs typeface="Times New Roman" panose="02020603050405020304" pitchFamily="18" charset="0"/>
+              </a:rPr>
+              <a:t>public_hmtl</a:t>
+            </a:r>
+            <a:endParaRPr lang="pt-BR" sz="1600" dirty="0">
+              <a:solidFill>
+                <a:schemeClr val="tx1"/>
+              </a:solidFill>
+              <a:latin typeface="Times New Roman" panose="02020603050405020304" pitchFamily="18" charset="0"/>
+              <a:cs typeface="Times New Roman" panose="02020603050405020304" pitchFamily="18" charset="0"/>
+            </a:endParaRPr>
+          </a:p>
+          <a:p>
+            <a:pPr marL="1348740" lvl="2" indent="-457200" algn="just">
+              <a:buAutoNum type="arabicPeriod"/>
+            </a:pPr>
+            <a:r>
+              <a:rPr lang="pt-BR" sz="1600" dirty="0" err="1">
+                <a:solidFill>
+                  <a:schemeClr val="tx1"/>
+                </a:solidFill>
+                <a:latin typeface="Times New Roman" panose="02020603050405020304" pitchFamily="18" charset="0"/>
+                <a:cs typeface="Times New Roman" panose="02020603050405020304" pitchFamily="18" charset="0"/>
+              </a:rPr>
+              <a:t>src</a:t>
+            </a:r>
+            <a:endParaRPr lang="pt-BR" sz="1600" dirty="0">
+              <a:solidFill>
+                <a:schemeClr val="tx1"/>
+              </a:solidFill>
+              <a:latin typeface="Times New Roman" panose="02020603050405020304" pitchFamily="18" charset="0"/>
+              <a:cs typeface="Times New Roman" panose="02020603050405020304" pitchFamily="18" charset="0"/>
+            </a:endParaRPr>
+          </a:p>
+          <a:p>
+            <a:pPr marL="1841500" lvl="3" indent="-457200" algn="just">
+              <a:buAutoNum type="arabicPeriod"/>
+            </a:pPr>
+            <a:r>
+              <a:rPr lang="pt-BR" sz="1600" dirty="0" err="1">
+                <a:solidFill>
+                  <a:schemeClr val="tx1"/>
+                </a:solidFill>
+                <a:latin typeface="Times New Roman" panose="02020603050405020304" pitchFamily="18" charset="0"/>
+                <a:cs typeface="Times New Roman" panose="02020603050405020304" pitchFamily="18" charset="0"/>
+              </a:rPr>
+              <a:t>assets</a:t>
+            </a:r>
+            <a:endParaRPr lang="pt-BR" sz="1600" dirty="0">
+              <a:solidFill>
+                <a:schemeClr val="tx1"/>
+              </a:solidFill>
+              <a:latin typeface="Times New Roman" panose="02020603050405020304" pitchFamily="18" charset="0"/>
+              <a:cs typeface="Times New Roman" panose="02020603050405020304" pitchFamily="18" charset="0"/>
+            </a:endParaRPr>
+          </a:p>
+          <a:p>
+            <a:pPr marL="2298700" lvl="4" indent="-457200" algn="just">
+              <a:buAutoNum type="arabicPeriod"/>
+            </a:pPr>
+            <a:r>
+              <a:rPr lang="pt-BR" sz="1600" dirty="0" err="1">
+                <a:solidFill>
+                  <a:schemeClr val="tx1"/>
+                </a:solidFill>
+                <a:latin typeface="Times New Roman" panose="02020603050405020304" pitchFamily="18" charset="0"/>
+                <a:cs typeface="Times New Roman" panose="02020603050405020304" pitchFamily="18" charset="0"/>
+              </a:rPr>
+              <a:t>fonts</a:t>
+            </a:r>
+            <a:endParaRPr lang="pt-BR" sz="1600" dirty="0">
+              <a:solidFill>
+                <a:schemeClr val="tx1"/>
+              </a:solidFill>
+              <a:latin typeface="Times New Roman" panose="02020603050405020304" pitchFamily="18" charset="0"/>
+              <a:cs typeface="Times New Roman" panose="02020603050405020304" pitchFamily="18" charset="0"/>
+            </a:endParaRPr>
+          </a:p>
+          <a:p>
+            <a:pPr marL="2298700" lvl="4" indent="-457200" algn="just">
+              <a:buAutoNum type="arabicPeriod"/>
+            </a:pPr>
+            <a:r>
+              <a:rPr lang="pt-BR" sz="1600" dirty="0" err="1">
+                <a:solidFill>
+                  <a:schemeClr val="tx1"/>
+                </a:solidFill>
+                <a:latin typeface="Times New Roman" panose="02020603050405020304" pitchFamily="18" charset="0"/>
+                <a:cs typeface="Times New Roman" panose="02020603050405020304" pitchFamily="18" charset="0"/>
+              </a:rPr>
+              <a:t>images</a:t>
+            </a:r>
+            <a:endParaRPr lang="pt-BR" sz="1600" dirty="0">
+              <a:solidFill>
+                <a:schemeClr val="tx1"/>
+              </a:solidFill>
+              <a:latin typeface="Times New Roman" panose="02020603050405020304" pitchFamily="18" charset="0"/>
+              <a:cs typeface="Times New Roman" panose="02020603050405020304" pitchFamily="18" charset="0"/>
+            </a:endParaRPr>
+          </a:p>
+          <a:p>
+            <a:pPr marL="2298700" lvl="4" indent="-457200" algn="just">
+              <a:buAutoNum type="arabicPeriod"/>
+            </a:pPr>
+            <a:r>
+              <a:rPr lang="pt-BR" sz="1600" dirty="0" err="1">
+                <a:solidFill>
+                  <a:schemeClr val="tx1"/>
+                </a:solidFill>
+                <a:latin typeface="Times New Roman" panose="02020603050405020304" pitchFamily="18" charset="0"/>
+                <a:cs typeface="Times New Roman" panose="02020603050405020304" pitchFamily="18" charset="0"/>
+              </a:rPr>
+              <a:t>js</a:t>
+            </a:r>
+            <a:endParaRPr lang="pt-BR" sz="1600" dirty="0">
+              <a:solidFill>
+                <a:schemeClr val="tx1"/>
+              </a:solidFill>
+              <a:latin typeface="Times New Roman" panose="02020603050405020304" pitchFamily="18" charset="0"/>
+              <a:cs typeface="Times New Roman" panose="02020603050405020304" pitchFamily="18" charset="0"/>
+            </a:endParaRPr>
+          </a:p>
+          <a:p>
+            <a:pPr marL="2298700" lvl="4" indent="-457200" algn="just">
+              <a:buAutoNum type="arabicPeriod"/>
+            </a:pPr>
+            <a:r>
+              <a:rPr lang="pt-BR" sz="1600" dirty="0" err="1">
+                <a:solidFill>
+                  <a:schemeClr val="tx1"/>
+                </a:solidFill>
+                <a:latin typeface="Times New Roman" panose="02020603050405020304" pitchFamily="18" charset="0"/>
+                <a:cs typeface="Times New Roman" panose="02020603050405020304" pitchFamily="18" charset="0"/>
+              </a:rPr>
+              <a:t>css</a:t>
+            </a:r>
+            <a:endParaRPr lang="pt-BR" sz="1600" dirty="0">
+              <a:solidFill>
+                <a:schemeClr val="tx1"/>
+              </a:solidFill>
+              <a:latin typeface="Times New Roman" panose="02020603050405020304" pitchFamily="18" charset="0"/>
+              <a:cs typeface="Times New Roman" panose="02020603050405020304" pitchFamily="18" charset="0"/>
+            </a:endParaRPr>
+          </a:p>
+          <a:p>
+            <a:pPr marL="1348740" lvl="2" indent="-457200" algn="just">
+              <a:buAutoNum type="arabicPeriod"/>
+            </a:pPr>
+            <a:r>
+              <a:rPr lang="pt-BR" sz="1600" dirty="0" err="1">
+                <a:solidFill>
+                  <a:schemeClr val="tx1"/>
+                </a:solidFill>
+                <a:latin typeface="Times New Roman" panose="02020603050405020304" pitchFamily="18" charset="0"/>
+                <a:cs typeface="Times New Roman" panose="02020603050405020304" pitchFamily="18" charset="0"/>
+              </a:rPr>
+              <a:t>types</a:t>
+            </a:r>
+            <a:endParaRPr lang="pt-BR" sz="1600" dirty="0">
+              <a:solidFill>
+                <a:schemeClr val="tx1"/>
+              </a:solidFill>
+              <a:latin typeface="Times New Roman" panose="02020603050405020304" pitchFamily="18" charset="0"/>
+              <a:cs typeface="Times New Roman" panose="02020603050405020304" pitchFamily="18" charset="0"/>
+            </a:endParaRPr>
+          </a:p>
+          <a:p>
+            <a:pPr marL="1348740" lvl="2" indent="-457200" algn="just">
+              <a:buAutoNum type="arabicPeriod"/>
+            </a:pPr>
+            <a:r>
+              <a:rPr lang="pt-BR" sz="1600" dirty="0" err="1">
+                <a:solidFill>
+                  <a:schemeClr val="tx1"/>
+                </a:solidFill>
+                <a:latin typeface="Times New Roman" panose="02020603050405020304" pitchFamily="18" charset="0"/>
+                <a:cs typeface="Times New Roman" panose="02020603050405020304" pitchFamily="18" charset="0"/>
+              </a:rPr>
+              <a:t>utils</a:t>
+            </a:r>
+            <a:endParaRPr lang="pt-BR" sz="1600" dirty="0">
+              <a:solidFill>
+                <a:schemeClr val="tx1"/>
+              </a:solidFill>
+              <a:latin typeface="Times New Roman" panose="02020603050405020304" pitchFamily="18" charset="0"/>
+              <a:cs typeface="Times New Roman" panose="02020603050405020304" pitchFamily="18" charset="0"/>
+            </a:endParaRPr>
+          </a:p>
+          <a:p>
+            <a:pPr marL="2298700" lvl="4" indent="-457200" algn="just">
+              <a:buAutoNum type="arabicPeriod"/>
+            </a:pPr>
+            <a:endParaRPr lang="pt-BR" sz="1600" dirty="0">
+              <a:solidFill>
+                <a:schemeClr val="tx1"/>
+              </a:solidFill>
+              <a:latin typeface="Times New Roman" panose="02020603050405020304" pitchFamily="18" charset="0"/>
+              <a:cs typeface="Times New Roman" panose="02020603050405020304" pitchFamily="18" charset="0"/>
+            </a:endParaRPr>
+          </a:p>
+          <a:p>
+            <a:pPr marL="0" indent="0" algn="just">
+              <a:buNone/>
+            </a:pPr>
+            <a:endParaRPr lang="pt-BR" sz="1600" dirty="0">
+              <a:solidFill>
+                <a:schemeClr val="tx1"/>
+              </a:solidFill>
+              <a:latin typeface="Times New Roman" panose="02020603050405020304" pitchFamily="18" charset="0"/>
+              <a:cs typeface="Times New Roman" panose="02020603050405020304" pitchFamily="18" charset="0"/>
+            </a:endParaRPr>
+          </a:p>
+        </p:txBody>
+      </p:sp>
+    </p:spTree>
+    <p:extLst>
+      <p:ext uri="{BB962C8B-B14F-4D97-AF65-F5344CB8AC3E}">
+        <p14:creationId xmlns:p14="http://schemas.microsoft.com/office/powerpoint/2010/main" val="2848135315"/>
+      </p:ext>
+    </p:extLst>
+  </p:cSld>
+  <p:clrMapOvr>
+    <a:masterClrMapping/>
+  </p:clrMapOvr>
+  <p:transition spd="med"/>
+</p:sld>
+</file>
+
+<file path=ppt/slides/slide24.xml><?xml version="1.0" encoding="utf-8"?>
+<p:sld xmlns:a="http://schemas.openxmlformats.org/drawingml/2006/main" xmlns:r="http://schemas.openxmlformats.org/officeDocument/2006/relationships" xmlns:p="http://schemas.openxmlformats.org/presentationml/2006/main">
+  <p:cSld>
+    <p:spTree>
+      <p:nvGrpSpPr>
+        <p:cNvPr id="1" name=""/>
+        <p:cNvGrpSpPr/>
+        <p:nvPr/>
+      </p:nvGrpSpPr>
+      <p:grpSpPr>
+        <a:xfrm>
+          <a:off x="0" y="0"/>
+          <a:ext cx="0" cy="0"/>
+          <a:chOff x="0" y="0"/>
+          <a:chExt cx="0" cy="0"/>
+        </a:xfrm>
+      </p:grpSpPr>
+      <p:sp>
+        <p:nvSpPr>
+          <p:cNvPr id="6" name="Title 1"/>
+          <p:cNvSpPr>
+            <a:spLocks noGrp="1"/>
+          </p:cNvSpPr>
+          <p:nvPr>
+            <p:ph type="title"/>
+          </p:nvPr>
+        </p:nvSpPr>
+        <p:spPr>
+          <a:xfrm>
+            <a:off x="457200" y="205980"/>
+            <a:ext cx="8229600" cy="857251"/>
+          </a:xfrm>
+        </p:spPr>
+        <p:txBody>
+          <a:bodyPr>
+            <a:normAutofit/>
+          </a:bodyPr>
+          <a:lstStyle/>
+          <a:p>
+            <a:r>
+              <a:rPr lang="en-US" b="1" dirty="0" err="1">
+                <a:solidFill>
+                  <a:srgbClr val="0070C0"/>
+                </a:solidFill>
+              </a:rPr>
+              <a:t>Sugestão</a:t>
+            </a:r>
+            <a:r>
+              <a:rPr lang="en-US" b="1" dirty="0">
+                <a:solidFill>
+                  <a:srgbClr val="0070C0"/>
+                </a:solidFill>
+              </a:rPr>
+              <a:t> 2: </a:t>
+            </a:r>
+            <a:r>
+              <a:rPr lang="en-US" b="1" dirty="0" err="1">
+                <a:solidFill>
+                  <a:srgbClr val="0070C0"/>
+                </a:solidFill>
+              </a:rPr>
+              <a:t>Estrutura</a:t>
+            </a:r>
+            <a:r>
+              <a:rPr lang="en-US" b="1" dirty="0">
+                <a:solidFill>
+                  <a:srgbClr val="0070C0"/>
+                </a:solidFill>
+              </a:rPr>
+              <a:t> Site</a:t>
+            </a:r>
+          </a:p>
+        </p:txBody>
+      </p:sp>
+      <p:sp>
+        <p:nvSpPr>
+          <p:cNvPr id="8" name="Text Placeholder 2"/>
+          <p:cNvSpPr>
+            <a:spLocks noGrp="1"/>
+          </p:cNvSpPr>
+          <p:nvPr>
+            <p:ph type="body" sz="half" idx="1"/>
+          </p:nvPr>
+        </p:nvSpPr>
+        <p:spPr>
+          <a:xfrm>
+            <a:off x="142865" y="949630"/>
+            <a:ext cx="8865056" cy="4123411"/>
+          </a:xfrm>
+        </p:spPr>
+        <p:txBody>
+          <a:bodyPr>
+            <a:noAutofit/>
+          </a:bodyPr>
+          <a:lstStyle/>
+          <a:p>
+            <a:pPr marL="457200" indent="-457200" algn="just">
+              <a:buAutoNum type="arabicPeriod"/>
+            </a:pPr>
+            <a:r>
+              <a:rPr lang="pt-BR" sz="1200" b="1" dirty="0">
+                <a:solidFill>
+                  <a:schemeClr val="tx1"/>
+                </a:solidFill>
+                <a:latin typeface="Times New Roman" panose="02020603050405020304" pitchFamily="18" charset="0"/>
+                <a:cs typeface="Times New Roman" panose="02020603050405020304" pitchFamily="18" charset="0"/>
+              </a:rPr>
+              <a:t>Nome do Site</a:t>
+            </a:r>
+          </a:p>
+          <a:p>
+            <a:pPr marL="904875" lvl="1" indent="-457200" algn="just">
+              <a:buAutoNum type="arabicPeriod"/>
+            </a:pPr>
+            <a:r>
+              <a:rPr lang="pt-BR" sz="1200" dirty="0" err="1">
+                <a:solidFill>
+                  <a:schemeClr val="tx1"/>
+                </a:solidFill>
+                <a:latin typeface="Times New Roman" panose="02020603050405020304" pitchFamily="18" charset="0"/>
+                <a:cs typeface="Times New Roman" panose="02020603050405020304" pitchFamily="18" charset="0"/>
+              </a:rPr>
+              <a:t>config</a:t>
+            </a:r>
+            <a:endParaRPr lang="pt-BR" sz="1200" dirty="0">
+              <a:solidFill>
+                <a:schemeClr val="tx1"/>
+              </a:solidFill>
+              <a:latin typeface="Times New Roman" panose="02020603050405020304" pitchFamily="18" charset="0"/>
+              <a:cs typeface="Times New Roman" panose="02020603050405020304" pitchFamily="18" charset="0"/>
+            </a:endParaRPr>
+          </a:p>
+          <a:p>
+            <a:pPr marL="904875" lvl="1" indent="-457200" algn="just">
+              <a:buAutoNum type="arabicPeriod"/>
+            </a:pPr>
+            <a:r>
+              <a:rPr lang="pt-BR" sz="1200" dirty="0" err="1">
+                <a:solidFill>
+                  <a:schemeClr val="tx1"/>
+                </a:solidFill>
+                <a:latin typeface="Times New Roman" panose="02020603050405020304" pitchFamily="18" charset="0"/>
+                <a:cs typeface="Times New Roman" panose="02020603050405020304" pitchFamily="18" charset="0"/>
+              </a:rPr>
+              <a:t>public</a:t>
+            </a:r>
+            <a:endParaRPr lang="pt-BR" sz="1200" dirty="0">
+              <a:solidFill>
+                <a:schemeClr val="tx1"/>
+              </a:solidFill>
+              <a:latin typeface="Times New Roman" panose="02020603050405020304" pitchFamily="18" charset="0"/>
+              <a:cs typeface="Times New Roman" panose="02020603050405020304" pitchFamily="18" charset="0"/>
+            </a:endParaRPr>
+          </a:p>
+          <a:p>
+            <a:pPr marL="904875" lvl="1" indent="-457200" algn="just">
+              <a:buAutoNum type="arabicPeriod"/>
+            </a:pPr>
+            <a:r>
+              <a:rPr lang="pt-BR" sz="1200" dirty="0" err="1">
+                <a:solidFill>
+                  <a:schemeClr val="tx1"/>
+                </a:solidFill>
+                <a:latin typeface="Times New Roman" panose="02020603050405020304" pitchFamily="18" charset="0"/>
+                <a:cs typeface="Times New Roman" panose="02020603050405020304" pitchFamily="18" charset="0"/>
+              </a:rPr>
+              <a:t>src</a:t>
+            </a:r>
+            <a:endParaRPr lang="pt-BR" sz="1200" dirty="0">
+              <a:solidFill>
+                <a:schemeClr val="tx1"/>
+              </a:solidFill>
+              <a:latin typeface="Times New Roman" panose="02020603050405020304" pitchFamily="18" charset="0"/>
+              <a:cs typeface="Times New Roman" panose="02020603050405020304" pitchFamily="18" charset="0"/>
+            </a:endParaRPr>
+          </a:p>
+          <a:p>
+            <a:pPr marL="1841500" lvl="3" indent="-457200" algn="just">
+              <a:buAutoNum type="arabicPeriod"/>
+            </a:pPr>
+            <a:r>
+              <a:rPr lang="pt-BR" sz="1200" dirty="0" err="1">
+                <a:solidFill>
+                  <a:schemeClr val="tx1"/>
+                </a:solidFill>
+                <a:latin typeface="Times New Roman" panose="02020603050405020304" pitchFamily="18" charset="0"/>
+                <a:cs typeface="Times New Roman" panose="02020603050405020304" pitchFamily="18" charset="0"/>
+              </a:rPr>
+              <a:t>assets</a:t>
+            </a:r>
+            <a:endParaRPr lang="pt-BR" sz="1200" dirty="0">
+              <a:solidFill>
+                <a:schemeClr val="tx1"/>
+              </a:solidFill>
+              <a:latin typeface="Times New Roman" panose="02020603050405020304" pitchFamily="18" charset="0"/>
+              <a:cs typeface="Times New Roman" panose="02020603050405020304" pitchFamily="18" charset="0"/>
+            </a:endParaRPr>
+          </a:p>
+          <a:p>
+            <a:pPr marL="2298700" lvl="4" indent="-457200" algn="just">
+              <a:buAutoNum type="arabicPeriod"/>
+            </a:pPr>
+            <a:r>
+              <a:rPr lang="pt-BR" sz="1200" dirty="0" err="1">
+                <a:solidFill>
+                  <a:schemeClr val="tx1"/>
+                </a:solidFill>
+                <a:latin typeface="Times New Roman" panose="02020603050405020304" pitchFamily="18" charset="0"/>
+                <a:cs typeface="Times New Roman" panose="02020603050405020304" pitchFamily="18" charset="0"/>
+              </a:rPr>
+              <a:t>fonts</a:t>
+            </a:r>
+            <a:endParaRPr lang="pt-BR" sz="1200" dirty="0">
+              <a:solidFill>
+                <a:schemeClr val="tx1"/>
+              </a:solidFill>
+              <a:latin typeface="Times New Roman" panose="02020603050405020304" pitchFamily="18" charset="0"/>
+              <a:cs typeface="Times New Roman" panose="02020603050405020304" pitchFamily="18" charset="0"/>
+            </a:endParaRPr>
+          </a:p>
+          <a:p>
+            <a:pPr marL="2298700" lvl="4" indent="-457200" algn="just">
+              <a:buAutoNum type="arabicPeriod"/>
+            </a:pPr>
+            <a:r>
+              <a:rPr lang="pt-BR" sz="1200" dirty="0" err="1">
+                <a:solidFill>
+                  <a:schemeClr val="tx1"/>
+                </a:solidFill>
+                <a:latin typeface="Times New Roman" panose="02020603050405020304" pitchFamily="18" charset="0"/>
+                <a:cs typeface="Times New Roman" panose="02020603050405020304" pitchFamily="18" charset="0"/>
+              </a:rPr>
+              <a:t>img</a:t>
+            </a:r>
+            <a:endParaRPr lang="pt-BR" sz="1200" dirty="0">
+              <a:solidFill>
+                <a:schemeClr val="tx1"/>
+              </a:solidFill>
+              <a:latin typeface="Times New Roman" panose="02020603050405020304" pitchFamily="18" charset="0"/>
+              <a:cs typeface="Times New Roman" panose="02020603050405020304" pitchFamily="18" charset="0"/>
+            </a:endParaRPr>
+          </a:p>
+          <a:p>
+            <a:pPr marL="2298700" lvl="4" indent="-457200" algn="just">
+              <a:buAutoNum type="arabicPeriod"/>
+            </a:pPr>
+            <a:r>
+              <a:rPr lang="pt-BR" sz="1200" dirty="0" err="1">
+                <a:solidFill>
+                  <a:schemeClr val="tx1"/>
+                </a:solidFill>
+                <a:latin typeface="Times New Roman" panose="02020603050405020304" pitchFamily="18" charset="0"/>
+                <a:cs typeface="Times New Roman" panose="02020603050405020304" pitchFamily="18" charset="0"/>
+              </a:rPr>
+              <a:t>js</a:t>
+            </a:r>
+            <a:endParaRPr lang="pt-BR" sz="1200" dirty="0">
+              <a:solidFill>
+                <a:schemeClr val="tx1"/>
+              </a:solidFill>
+              <a:latin typeface="Times New Roman" panose="02020603050405020304" pitchFamily="18" charset="0"/>
+              <a:cs typeface="Times New Roman" panose="02020603050405020304" pitchFamily="18" charset="0"/>
+            </a:endParaRPr>
+          </a:p>
+          <a:p>
+            <a:pPr marL="2298700" lvl="4" indent="-457200" algn="just">
+              <a:buAutoNum type="arabicPeriod"/>
+            </a:pPr>
+            <a:r>
+              <a:rPr lang="pt-BR" sz="1200" dirty="0" err="1">
+                <a:solidFill>
+                  <a:schemeClr val="tx1"/>
+                </a:solidFill>
+                <a:latin typeface="Times New Roman" panose="02020603050405020304" pitchFamily="18" charset="0"/>
+                <a:cs typeface="Times New Roman" panose="02020603050405020304" pitchFamily="18" charset="0"/>
+              </a:rPr>
+              <a:t>css</a:t>
+            </a:r>
+            <a:endParaRPr lang="pt-BR" sz="1200" dirty="0">
+              <a:solidFill>
+                <a:schemeClr val="tx1"/>
+              </a:solidFill>
+              <a:latin typeface="Times New Roman" panose="02020603050405020304" pitchFamily="18" charset="0"/>
+              <a:cs typeface="Times New Roman" panose="02020603050405020304" pitchFamily="18" charset="0"/>
+            </a:endParaRPr>
+          </a:p>
+          <a:p>
+            <a:pPr marL="1348740" lvl="2" indent="-457200" algn="just">
+              <a:buAutoNum type="arabicPeriod"/>
+            </a:pPr>
+            <a:r>
+              <a:rPr lang="pt-BR" sz="1200" dirty="0" err="1">
+                <a:solidFill>
+                  <a:schemeClr val="tx1"/>
+                </a:solidFill>
+                <a:latin typeface="Times New Roman" panose="02020603050405020304" pitchFamily="18" charset="0"/>
+                <a:cs typeface="Times New Roman" panose="02020603050405020304" pitchFamily="18" charset="0"/>
+              </a:rPr>
+              <a:t>database</a:t>
+            </a:r>
+            <a:endParaRPr lang="pt-BR" sz="1200" dirty="0">
+              <a:solidFill>
+                <a:schemeClr val="tx1"/>
+              </a:solidFill>
+              <a:latin typeface="Times New Roman" panose="02020603050405020304" pitchFamily="18" charset="0"/>
+              <a:cs typeface="Times New Roman" panose="02020603050405020304" pitchFamily="18" charset="0"/>
+            </a:endParaRPr>
+          </a:p>
+          <a:p>
+            <a:pPr marL="1348740" lvl="2" indent="-457200" algn="just">
+              <a:buAutoNum type="arabicPeriod"/>
+            </a:pPr>
+            <a:r>
+              <a:rPr lang="pt-BR" sz="1200" dirty="0" err="1">
+                <a:solidFill>
+                  <a:schemeClr val="tx1"/>
+                </a:solidFill>
+                <a:latin typeface="Times New Roman" panose="02020603050405020304" pitchFamily="18" charset="0"/>
+                <a:cs typeface="Times New Roman" panose="02020603050405020304" pitchFamily="18" charset="0"/>
+              </a:rPr>
+              <a:t>php</a:t>
+            </a:r>
+            <a:endParaRPr lang="pt-BR" sz="1200" dirty="0">
+              <a:solidFill>
+                <a:schemeClr val="tx1"/>
+              </a:solidFill>
+              <a:latin typeface="Times New Roman" panose="02020603050405020304" pitchFamily="18" charset="0"/>
+              <a:cs typeface="Times New Roman" panose="02020603050405020304" pitchFamily="18" charset="0"/>
+            </a:endParaRPr>
+          </a:p>
+          <a:p>
+            <a:pPr marL="1841500" lvl="3" indent="-457200" algn="just">
+              <a:buAutoNum type="arabicPeriod"/>
+            </a:pPr>
+            <a:r>
+              <a:rPr lang="pt-BR" sz="1200" dirty="0">
+                <a:solidFill>
+                  <a:schemeClr val="tx1"/>
+                </a:solidFill>
+                <a:latin typeface="Times New Roman" panose="02020603050405020304" pitchFamily="18" charset="0"/>
+                <a:cs typeface="Times New Roman" panose="02020603050405020304" pitchFamily="18" charset="0"/>
+              </a:rPr>
+              <a:t>modules</a:t>
+            </a:r>
+          </a:p>
+          <a:p>
+            <a:pPr marL="2298700" lvl="4" indent="-457200" algn="just">
+              <a:buAutoNum type="arabicPeriod"/>
+            </a:pPr>
+            <a:r>
+              <a:rPr lang="pt-BR" sz="1200" dirty="0">
+                <a:solidFill>
+                  <a:schemeClr val="tx1"/>
+                </a:solidFill>
+                <a:latin typeface="Times New Roman" panose="02020603050405020304" pitchFamily="18" charset="0"/>
+                <a:cs typeface="Times New Roman" panose="02020603050405020304" pitchFamily="18" charset="0"/>
+              </a:rPr>
+              <a:t>Clientes (index.html; styles.css; javascript.js; </a:t>
+            </a:r>
+            <a:r>
+              <a:rPr lang="pt-BR" sz="1200" dirty="0" err="1">
+                <a:solidFill>
+                  <a:schemeClr val="tx1"/>
+                </a:solidFill>
+                <a:latin typeface="Times New Roman" panose="02020603050405020304" pitchFamily="18" charset="0"/>
+                <a:cs typeface="Times New Roman" panose="02020603050405020304" pitchFamily="18" charset="0"/>
+              </a:rPr>
+              <a:t>cliente.php</a:t>
+            </a:r>
+            <a:r>
+              <a:rPr lang="pt-BR" sz="1200" dirty="0">
+                <a:solidFill>
+                  <a:schemeClr val="tx1"/>
+                </a:solidFill>
+                <a:latin typeface="Times New Roman" panose="02020603050405020304" pitchFamily="18" charset="0"/>
+                <a:cs typeface="Times New Roman" panose="02020603050405020304" pitchFamily="18" charset="0"/>
+              </a:rPr>
+              <a:t>)</a:t>
+            </a:r>
+          </a:p>
+          <a:p>
+            <a:pPr marL="2298700" lvl="4" indent="-457200" algn="just">
+              <a:buAutoNum type="arabicPeriod"/>
+            </a:pPr>
+            <a:r>
+              <a:rPr lang="pt-BR" sz="1200" dirty="0">
+                <a:solidFill>
+                  <a:schemeClr val="tx1"/>
+                </a:solidFill>
+                <a:latin typeface="Times New Roman" panose="02020603050405020304" pitchFamily="18" charset="0"/>
+                <a:cs typeface="Times New Roman" panose="02020603050405020304" pitchFamily="18" charset="0"/>
+              </a:rPr>
+              <a:t>Fornecedores (index.html; styles.css; javascript.js; </a:t>
+            </a:r>
+            <a:r>
+              <a:rPr lang="pt-BR" sz="1200" dirty="0" err="1">
+                <a:solidFill>
+                  <a:schemeClr val="tx1"/>
+                </a:solidFill>
+                <a:latin typeface="Times New Roman" panose="02020603050405020304" pitchFamily="18" charset="0"/>
+                <a:cs typeface="Times New Roman" panose="02020603050405020304" pitchFamily="18" charset="0"/>
+              </a:rPr>
+              <a:t>cliente.php</a:t>
+            </a:r>
+            <a:r>
+              <a:rPr lang="pt-BR" sz="1200" dirty="0">
+                <a:solidFill>
+                  <a:schemeClr val="tx1"/>
+                </a:solidFill>
+                <a:latin typeface="Times New Roman" panose="02020603050405020304" pitchFamily="18" charset="0"/>
+                <a:cs typeface="Times New Roman" panose="02020603050405020304" pitchFamily="18" charset="0"/>
+              </a:rPr>
+              <a:t>)</a:t>
+            </a:r>
+          </a:p>
+          <a:p>
+            <a:pPr marL="2298700" lvl="4" indent="-457200" algn="just">
+              <a:buAutoNum type="arabicPeriod"/>
+            </a:pPr>
+            <a:r>
+              <a:rPr lang="pt-BR" sz="1200" dirty="0">
+                <a:solidFill>
+                  <a:schemeClr val="tx1"/>
+                </a:solidFill>
+                <a:latin typeface="Times New Roman" panose="02020603050405020304" pitchFamily="18" charset="0"/>
+                <a:cs typeface="Times New Roman" panose="02020603050405020304" pitchFamily="18" charset="0"/>
+              </a:rPr>
+              <a:t>Colaboradores (index.html; styles.css; javascript.js; </a:t>
+            </a:r>
+            <a:r>
+              <a:rPr lang="pt-BR" sz="1200" dirty="0" err="1">
+                <a:solidFill>
+                  <a:schemeClr val="tx1"/>
+                </a:solidFill>
+                <a:latin typeface="Times New Roman" panose="02020603050405020304" pitchFamily="18" charset="0"/>
+                <a:cs typeface="Times New Roman" panose="02020603050405020304" pitchFamily="18" charset="0"/>
+              </a:rPr>
+              <a:t>cliente.php</a:t>
+            </a:r>
+            <a:r>
+              <a:rPr lang="pt-BR" sz="1200" dirty="0">
+                <a:solidFill>
+                  <a:schemeClr val="tx1"/>
+                </a:solidFill>
+                <a:latin typeface="Times New Roman" panose="02020603050405020304" pitchFamily="18" charset="0"/>
+                <a:cs typeface="Times New Roman" panose="02020603050405020304" pitchFamily="18" charset="0"/>
+              </a:rPr>
+              <a:t>)</a:t>
+            </a:r>
+          </a:p>
+          <a:p>
+            <a:pPr marL="2298700" lvl="4" indent="-457200" algn="just">
+              <a:buAutoNum type="arabicPeriod"/>
+            </a:pPr>
+            <a:r>
+              <a:rPr lang="pt-BR" sz="1200" dirty="0">
+                <a:solidFill>
+                  <a:schemeClr val="tx1"/>
+                </a:solidFill>
+                <a:latin typeface="Times New Roman" panose="02020603050405020304" pitchFamily="18" charset="0"/>
+                <a:cs typeface="Times New Roman" panose="02020603050405020304" pitchFamily="18" charset="0"/>
+              </a:rPr>
+              <a:t>Produtos (index.html; styles.css; javascript.js; </a:t>
+            </a:r>
+            <a:r>
+              <a:rPr lang="pt-BR" sz="1200" dirty="0" err="1">
+                <a:solidFill>
+                  <a:schemeClr val="tx1"/>
+                </a:solidFill>
+                <a:latin typeface="Times New Roman" panose="02020603050405020304" pitchFamily="18" charset="0"/>
+                <a:cs typeface="Times New Roman" panose="02020603050405020304" pitchFamily="18" charset="0"/>
+              </a:rPr>
+              <a:t>cliente.php</a:t>
+            </a:r>
+            <a:r>
+              <a:rPr lang="pt-BR" sz="1200" dirty="0">
+                <a:solidFill>
+                  <a:schemeClr val="tx1"/>
+                </a:solidFill>
+                <a:latin typeface="Times New Roman" panose="02020603050405020304" pitchFamily="18" charset="0"/>
+                <a:cs typeface="Times New Roman" panose="02020603050405020304" pitchFamily="18" charset="0"/>
+              </a:rPr>
+              <a:t>)</a:t>
+            </a:r>
+          </a:p>
+          <a:p>
+            <a:pPr marL="2298700" lvl="4" indent="-457200" algn="just">
+              <a:buAutoNum type="arabicPeriod"/>
+            </a:pPr>
+            <a:endParaRPr lang="pt-BR" sz="1200" dirty="0">
+              <a:solidFill>
+                <a:schemeClr val="tx1"/>
+              </a:solidFill>
+              <a:latin typeface="Times New Roman" panose="02020603050405020304" pitchFamily="18" charset="0"/>
+              <a:cs typeface="Times New Roman" panose="02020603050405020304" pitchFamily="18" charset="0"/>
+            </a:endParaRPr>
+          </a:p>
+          <a:p>
+            <a:pPr marL="0" indent="0" algn="just">
+              <a:buNone/>
+            </a:pPr>
+            <a:endParaRPr lang="pt-BR" sz="1200" dirty="0">
+              <a:solidFill>
+                <a:schemeClr val="tx1"/>
+              </a:solidFill>
+              <a:latin typeface="Times New Roman" panose="02020603050405020304" pitchFamily="18" charset="0"/>
+              <a:cs typeface="Times New Roman" panose="02020603050405020304" pitchFamily="18" charset="0"/>
+            </a:endParaRPr>
+          </a:p>
+        </p:txBody>
+      </p:sp>
+    </p:spTree>
+    <p:extLst>
+      <p:ext uri="{BB962C8B-B14F-4D97-AF65-F5344CB8AC3E}">
+        <p14:creationId xmlns:p14="http://schemas.microsoft.com/office/powerpoint/2010/main" val="114782687"/>
+      </p:ext>
+    </p:extLst>
+  </p:cSld>
+  <p:clrMapOvr>
+    <a:masterClrMapping/>
+  </p:clrMapOvr>
+  <p:transition spd="med"/>
+</p:sld>
+</file>
+
+<file path=ppt/slides/slide25.xml><?xml version="1.0" encoding="utf-8"?>
+<p:sld xmlns:a="http://schemas.openxmlformats.org/drawingml/2006/main" xmlns:r="http://schemas.openxmlformats.org/officeDocument/2006/relationships" xmlns:p="http://schemas.openxmlformats.org/presentationml/2006/main">
+  <p:cSld>
+    <p:spTree>
+      <p:nvGrpSpPr>
+        <p:cNvPr id="1" name=""/>
+        <p:cNvGrpSpPr/>
+        <p:nvPr/>
+      </p:nvGrpSpPr>
+      <p:grpSpPr>
+        <a:xfrm>
+          <a:off x="0" y="0"/>
+          <a:ext cx="0" cy="0"/>
+          <a:chOff x="0" y="0"/>
+          <a:chExt cx="0" cy="0"/>
+        </a:xfrm>
+      </p:grpSpPr>
+      <p:sp>
+        <p:nvSpPr>
+          <p:cNvPr id="6" name="Title 1"/>
+          <p:cNvSpPr>
+            <a:spLocks noGrp="1"/>
+          </p:cNvSpPr>
+          <p:nvPr>
+            <p:ph type="title"/>
+          </p:nvPr>
+        </p:nvSpPr>
+        <p:spPr>
+          <a:xfrm>
+            <a:off x="457200" y="205980"/>
+            <a:ext cx="8229600" cy="857251"/>
+          </a:xfrm>
+        </p:spPr>
+        <p:txBody>
+          <a:bodyPr>
+            <a:normAutofit/>
+          </a:bodyPr>
+          <a:lstStyle/>
+          <a:p>
+            <a:r>
+              <a:rPr lang="en-US" b="1" dirty="0" err="1">
+                <a:solidFill>
+                  <a:srgbClr val="0070C0"/>
+                </a:solidFill>
+              </a:rPr>
+              <a:t>Sugestão</a:t>
+            </a:r>
+            <a:r>
+              <a:rPr lang="en-US" b="1" dirty="0">
+                <a:solidFill>
+                  <a:srgbClr val="0070C0"/>
+                </a:solidFill>
+              </a:rPr>
+              <a:t> 3: </a:t>
+            </a:r>
+            <a:r>
+              <a:rPr lang="en-US" b="1" dirty="0" err="1">
+                <a:solidFill>
+                  <a:srgbClr val="0070C0"/>
+                </a:solidFill>
+              </a:rPr>
+              <a:t>Estrutura</a:t>
+            </a:r>
+            <a:r>
+              <a:rPr lang="en-US" b="1" dirty="0">
+                <a:solidFill>
+                  <a:srgbClr val="0070C0"/>
+                </a:solidFill>
+              </a:rPr>
+              <a:t> Site</a:t>
+            </a:r>
+          </a:p>
+        </p:txBody>
+      </p:sp>
+      <p:sp>
+        <p:nvSpPr>
+          <p:cNvPr id="8" name="Text Placeholder 2"/>
+          <p:cNvSpPr>
+            <a:spLocks noGrp="1"/>
+          </p:cNvSpPr>
+          <p:nvPr>
+            <p:ph type="body" sz="half" idx="1"/>
+          </p:nvPr>
+        </p:nvSpPr>
+        <p:spPr>
+          <a:xfrm>
+            <a:off x="155391" y="937104"/>
+            <a:ext cx="8865056" cy="4123411"/>
+          </a:xfrm>
+        </p:spPr>
+        <p:txBody>
+          <a:bodyPr>
+            <a:noAutofit/>
+          </a:bodyPr>
+          <a:lstStyle/>
+          <a:p>
+            <a:pPr marL="457200" indent="-457200" algn="just">
+              <a:buAutoNum type="arabicPeriod"/>
+            </a:pPr>
+            <a:r>
+              <a:rPr lang="pt-BR" sz="1200" b="1" dirty="0">
+                <a:solidFill>
+                  <a:schemeClr val="tx1"/>
+                </a:solidFill>
+                <a:latin typeface="Times New Roman" panose="02020603050405020304" pitchFamily="18" charset="0"/>
+                <a:cs typeface="Times New Roman" panose="02020603050405020304" pitchFamily="18" charset="0"/>
+              </a:rPr>
+              <a:t>Nome do Site</a:t>
+            </a:r>
+          </a:p>
+          <a:p>
+            <a:pPr marL="904875" lvl="1" indent="-457200" algn="just">
+              <a:buAutoNum type="arabicPeriod"/>
+            </a:pPr>
+            <a:r>
+              <a:rPr lang="pt-BR" sz="1200" dirty="0" err="1">
+                <a:solidFill>
+                  <a:schemeClr val="tx1"/>
+                </a:solidFill>
+                <a:latin typeface="Times New Roman" panose="02020603050405020304" pitchFamily="18" charset="0"/>
+                <a:cs typeface="Times New Roman" panose="02020603050405020304" pitchFamily="18" charset="0"/>
+              </a:rPr>
+              <a:t>src</a:t>
+            </a:r>
+            <a:endParaRPr lang="pt-BR" sz="1200" dirty="0">
+              <a:solidFill>
+                <a:schemeClr val="tx1"/>
+              </a:solidFill>
+              <a:latin typeface="Times New Roman" panose="02020603050405020304" pitchFamily="18" charset="0"/>
+              <a:cs typeface="Times New Roman" panose="02020603050405020304" pitchFamily="18" charset="0"/>
+            </a:endParaRPr>
+          </a:p>
+          <a:p>
+            <a:pPr marL="1348740" lvl="2" indent="-457200" algn="just">
+              <a:buAutoNum type="arabicPeriod"/>
+            </a:pPr>
+            <a:r>
+              <a:rPr lang="pt-BR" sz="1200" dirty="0" err="1">
+                <a:solidFill>
+                  <a:schemeClr val="tx1"/>
+                </a:solidFill>
+                <a:latin typeface="Times New Roman" panose="02020603050405020304" pitchFamily="18" charset="0"/>
+                <a:cs typeface="Times New Roman" panose="02020603050405020304" pitchFamily="18" charset="0"/>
+              </a:rPr>
+              <a:t>controllers</a:t>
+            </a:r>
+            <a:endParaRPr lang="pt-BR" sz="1200" dirty="0">
+              <a:solidFill>
+                <a:schemeClr val="tx1"/>
+              </a:solidFill>
+              <a:latin typeface="Times New Roman" panose="02020603050405020304" pitchFamily="18" charset="0"/>
+              <a:cs typeface="Times New Roman" panose="02020603050405020304" pitchFamily="18" charset="0"/>
+            </a:endParaRPr>
+          </a:p>
+          <a:p>
+            <a:pPr marL="1348740" lvl="2" indent="-457200" algn="just">
+              <a:buAutoNum type="arabicPeriod"/>
+            </a:pPr>
+            <a:r>
+              <a:rPr lang="pt-BR" sz="1200" dirty="0">
+                <a:solidFill>
+                  <a:schemeClr val="tx1"/>
+                </a:solidFill>
+                <a:latin typeface="Times New Roman" panose="02020603050405020304" pitchFamily="18" charset="0"/>
+                <a:cs typeface="Times New Roman" panose="02020603050405020304" pitchFamily="18" charset="0"/>
+              </a:rPr>
+              <a:t>middleware</a:t>
+            </a:r>
+          </a:p>
+          <a:p>
+            <a:pPr marL="1348740" lvl="2" indent="-457200" algn="just">
+              <a:buAutoNum type="arabicPeriod"/>
+            </a:pPr>
+            <a:r>
+              <a:rPr lang="pt-BR" sz="1200" dirty="0">
+                <a:solidFill>
+                  <a:schemeClr val="tx1"/>
+                </a:solidFill>
+                <a:latin typeface="Times New Roman" panose="02020603050405020304" pitchFamily="18" charset="0"/>
+                <a:cs typeface="Times New Roman" panose="02020603050405020304" pitchFamily="18" charset="0"/>
+              </a:rPr>
+              <a:t>models</a:t>
+            </a:r>
+          </a:p>
+          <a:p>
+            <a:pPr marL="904875" lvl="1" indent="-457200" algn="just">
+              <a:buAutoNum type="arabicPeriod"/>
+            </a:pPr>
+            <a:r>
+              <a:rPr lang="pt-BR" sz="1200" dirty="0">
+                <a:solidFill>
+                  <a:schemeClr val="tx1"/>
+                </a:solidFill>
+                <a:latin typeface="Times New Roman" panose="02020603050405020304" pitchFamily="18" charset="0"/>
+                <a:cs typeface="Times New Roman" panose="02020603050405020304" pitchFamily="18" charset="0"/>
+              </a:rPr>
+              <a:t>cache</a:t>
+            </a:r>
+          </a:p>
+          <a:p>
+            <a:pPr marL="904875" lvl="1" indent="-457200" algn="just">
+              <a:buFont typeface="Arial" panose="020B0604020202020204"/>
+              <a:buAutoNum type="arabicPeriod"/>
+            </a:pPr>
+            <a:r>
+              <a:rPr lang="pt-BR" sz="1200" dirty="0" err="1">
+                <a:solidFill>
+                  <a:schemeClr val="tx1"/>
+                </a:solidFill>
+                <a:latin typeface="Times New Roman" panose="02020603050405020304" pitchFamily="18" charset="0"/>
+                <a:cs typeface="Times New Roman" panose="02020603050405020304" pitchFamily="18" charset="0"/>
+              </a:rPr>
+              <a:t>resources</a:t>
+            </a:r>
+            <a:endParaRPr lang="pt-BR" sz="1200" dirty="0">
+              <a:solidFill>
+                <a:schemeClr val="tx1"/>
+              </a:solidFill>
+              <a:latin typeface="Times New Roman" panose="02020603050405020304" pitchFamily="18" charset="0"/>
+              <a:cs typeface="Times New Roman" panose="02020603050405020304" pitchFamily="18" charset="0"/>
+            </a:endParaRPr>
+          </a:p>
+          <a:p>
+            <a:pPr marL="1348740" lvl="2" indent="-457200" algn="just">
+              <a:buFont typeface="Arial" panose="020B0604020202020204"/>
+              <a:buAutoNum type="arabicPeriod"/>
+            </a:pPr>
+            <a:r>
+              <a:rPr lang="pt-BR" sz="1200" dirty="0" err="1">
+                <a:solidFill>
+                  <a:schemeClr val="tx1"/>
+                </a:solidFill>
+                <a:latin typeface="Times New Roman" panose="02020603050405020304" pitchFamily="18" charset="0"/>
+                <a:cs typeface="Times New Roman" panose="02020603050405020304" pitchFamily="18" charset="0"/>
+              </a:rPr>
+              <a:t>View</a:t>
+            </a:r>
+            <a:endParaRPr lang="pt-BR" sz="1200" dirty="0">
+              <a:solidFill>
+                <a:schemeClr val="tx1"/>
+              </a:solidFill>
+              <a:latin typeface="Times New Roman" panose="02020603050405020304" pitchFamily="18" charset="0"/>
+              <a:cs typeface="Times New Roman" panose="02020603050405020304" pitchFamily="18" charset="0"/>
+            </a:endParaRPr>
+          </a:p>
+          <a:p>
+            <a:pPr marL="1841500" lvl="3" indent="-457200" algn="just">
+              <a:buFont typeface="Arial" panose="020B0604020202020204"/>
+              <a:buAutoNum type="arabicPeriod"/>
+            </a:pPr>
+            <a:r>
+              <a:rPr lang="pt-BR" sz="1200" dirty="0" err="1">
+                <a:solidFill>
+                  <a:schemeClr val="tx1"/>
+                </a:solidFill>
+                <a:latin typeface="Times New Roman" panose="02020603050405020304" pitchFamily="18" charset="0"/>
+                <a:cs typeface="Times New Roman" panose="02020603050405020304" pitchFamily="18" charset="0"/>
+              </a:rPr>
+              <a:t>components</a:t>
+            </a:r>
+            <a:endParaRPr lang="pt-BR" sz="1200" dirty="0">
+              <a:solidFill>
+                <a:schemeClr val="tx1"/>
+              </a:solidFill>
+              <a:latin typeface="Times New Roman" panose="02020603050405020304" pitchFamily="18" charset="0"/>
+              <a:cs typeface="Times New Roman" panose="02020603050405020304" pitchFamily="18" charset="0"/>
+            </a:endParaRPr>
+          </a:p>
+          <a:p>
+            <a:pPr marL="904875" lvl="1" indent="-457200" algn="just">
+              <a:buAutoNum type="arabicPeriod"/>
+            </a:pPr>
+            <a:r>
+              <a:rPr lang="pt-BR" sz="1200" dirty="0" err="1">
+                <a:solidFill>
+                  <a:schemeClr val="tx1"/>
+                </a:solidFill>
+                <a:latin typeface="Times New Roman" panose="02020603050405020304" pitchFamily="18" charset="0"/>
+                <a:cs typeface="Times New Roman" panose="02020603050405020304" pitchFamily="18" charset="0"/>
+              </a:rPr>
+              <a:t>Public</a:t>
+            </a:r>
+            <a:r>
+              <a:rPr lang="pt-BR" sz="1200" dirty="0">
+                <a:solidFill>
+                  <a:schemeClr val="tx1"/>
+                </a:solidFill>
+                <a:latin typeface="Times New Roman" panose="02020603050405020304" pitchFamily="18" charset="0"/>
+                <a:cs typeface="Times New Roman" panose="02020603050405020304" pitchFamily="18" charset="0"/>
+              </a:rPr>
+              <a:t> (index.html)</a:t>
+            </a:r>
+          </a:p>
+          <a:p>
+            <a:pPr marL="1348740" lvl="2" indent="-457200" algn="just">
+              <a:buAutoNum type="arabicPeriod"/>
+            </a:pPr>
+            <a:r>
+              <a:rPr lang="pt-BR" sz="1200" dirty="0" err="1">
+                <a:solidFill>
+                  <a:schemeClr val="tx1"/>
+                </a:solidFill>
+                <a:latin typeface="Times New Roman" panose="02020603050405020304" pitchFamily="18" charset="0"/>
+                <a:cs typeface="Times New Roman" panose="02020603050405020304" pitchFamily="18" charset="0"/>
+              </a:rPr>
+              <a:t>assets</a:t>
+            </a:r>
+            <a:endParaRPr lang="pt-BR" sz="1200" dirty="0">
+              <a:solidFill>
+                <a:schemeClr val="tx1"/>
+              </a:solidFill>
+              <a:latin typeface="Times New Roman" panose="02020603050405020304" pitchFamily="18" charset="0"/>
+              <a:cs typeface="Times New Roman" panose="02020603050405020304" pitchFamily="18" charset="0"/>
+            </a:endParaRPr>
+          </a:p>
+          <a:p>
+            <a:pPr marL="1348740" lvl="2" indent="-457200" algn="just">
+              <a:buAutoNum type="arabicPeriod"/>
+            </a:pPr>
+            <a:r>
+              <a:rPr lang="pt-BR" sz="1200" dirty="0" err="1">
+                <a:solidFill>
+                  <a:schemeClr val="tx1"/>
+                </a:solidFill>
+                <a:latin typeface="Times New Roman" panose="02020603050405020304" pitchFamily="18" charset="0"/>
+                <a:cs typeface="Times New Roman" panose="02020603050405020304" pitchFamily="18" charset="0"/>
+              </a:rPr>
+              <a:t>css</a:t>
+            </a:r>
+            <a:endParaRPr lang="pt-BR" sz="1200" dirty="0">
+              <a:solidFill>
+                <a:schemeClr val="tx1"/>
+              </a:solidFill>
+              <a:latin typeface="Times New Roman" panose="02020603050405020304" pitchFamily="18" charset="0"/>
+              <a:cs typeface="Times New Roman" panose="02020603050405020304" pitchFamily="18" charset="0"/>
+            </a:endParaRPr>
+          </a:p>
+          <a:p>
+            <a:pPr marL="1348740" lvl="2" indent="-457200" algn="just">
+              <a:buAutoNum type="arabicPeriod"/>
+            </a:pPr>
+            <a:r>
+              <a:rPr lang="pt-BR" sz="1200" dirty="0" err="1">
+                <a:solidFill>
+                  <a:schemeClr val="tx1"/>
+                </a:solidFill>
+                <a:latin typeface="Times New Roman" panose="02020603050405020304" pitchFamily="18" charset="0"/>
+                <a:cs typeface="Times New Roman" panose="02020603050405020304" pitchFamily="18" charset="0"/>
+              </a:rPr>
+              <a:t>img</a:t>
+            </a:r>
+            <a:endParaRPr lang="pt-BR" sz="1200" dirty="0">
+              <a:solidFill>
+                <a:schemeClr val="tx1"/>
+              </a:solidFill>
+              <a:latin typeface="Times New Roman" panose="02020603050405020304" pitchFamily="18" charset="0"/>
+              <a:cs typeface="Times New Roman" panose="02020603050405020304" pitchFamily="18" charset="0"/>
+            </a:endParaRPr>
+          </a:p>
+          <a:p>
+            <a:pPr marL="1348740" lvl="2" indent="-457200" algn="just">
+              <a:buAutoNum type="arabicPeriod"/>
+            </a:pPr>
+            <a:r>
+              <a:rPr lang="pt-BR" sz="1200" dirty="0" err="1">
+                <a:solidFill>
+                  <a:schemeClr val="tx1"/>
+                </a:solidFill>
+                <a:latin typeface="Times New Roman" panose="02020603050405020304" pitchFamily="18" charset="0"/>
+                <a:cs typeface="Times New Roman" panose="02020603050405020304" pitchFamily="18" charset="0"/>
+              </a:rPr>
+              <a:t>js</a:t>
+            </a:r>
+            <a:endParaRPr lang="pt-BR" sz="1200" dirty="0">
+              <a:solidFill>
+                <a:schemeClr val="tx1"/>
+              </a:solidFill>
+              <a:latin typeface="Times New Roman" panose="02020603050405020304" pitchFamily="18" charset="0"/>
+              <a:cs typeface="Times New Roman" panose="02020603050405020304" pitchFamily="18" charset="0"/>
+            </a:endParaRPr>
+          </a:p>
+          <a:p>
+            <a:pPr marL="904875" lvl="1" indent="-457200" algn="just">
+              <a:buAutoNum type="arabicPeriod"/>
+            </a:pPr>
+            <a:r>
+              <a:rPr lang="pt-BR" sz="1200" dirty="0" err="1">
+                <a:solidFill>
+                  <a:schemeClr val="tx1"/>
+                </a:solidFill>
+                <a:latin typeface="Times New Roman" panose="02020603050405020304" pitchFamily="18" charset="0"/>
+                <a:cs typeface="Times New Roman" panose="02020603050405020304" pitchFamily="18" charset="0"/>
+              </a:rPr>
+              <a:t>config</a:t>
+            </a:r>
+            <a:endParaRPr lang="pt-BR" sz="1200" dirty="0">
+              <a:solidFill>
+                <a:schemeClr val="tx1"/>
+              </a:solidFill>
+              <a:latin typeface="Times New Roman" panose="02020603050405020304" pitchFamily="18" charset="0"/>
+              <a:cs typeface="Times New Roman" panose="02020603050405020304" pitchFamily="18" charset="0"/>
+            </a:endParaRPr>
+          </a:p>
+          <a:p>
+            <a:pPr marL="1348740" lvl="2" indent="-457200" algn="just">
+              <a:buAutoNum type="arabicPeriod"/>
+            </a:pPr>
+            <a:r>
+              <a:rPr lang="pt-BR" sz="1200" dirty="0" err="1">
+                <a:solidFill>
+                  <a:schemeClr val="tx1"/>
+                </a:solidFill>
+                <a:latin typeface="Times New Roman" panose="02020603050405020304" pitchFamily="18" charset="0"/>
+                <a:cs typeface="Times New Roman" panose="02020603050405020304" pitchFamily="18" charset="0"/>
+              </a:rPr>
+              <a:t>databseConnect.php</a:t>
+            </a:r>
+            <a:endParaRPr lang="pt-BR" sz="1200" dirty="0">
+              <a:solidFill>
+                <a:schemeClr val="tx1"/>
+              </a:solidFill>
+              <a:latin typeface="Times New Roman" panose="02020603050405020304" pitchFamily="18" charset="0"/>
+              <a:cs typeface="Times New Roman" panose="02020603050405020304" pitchFamily="18" charset="0"/>
+            </a:endParaRPr>
+          </a:p>
+          <a:p>
+            <a:pPr marL="0" indent="0" algn="just">
+              <a:buNone/>
+            </a:pPr>
+            <a:endParaRPr lang="pt-BR" sz="1200" dirty="0">
+              <a:solidFill>
+                <a:schemeClr val="tx1"/>
+              </a:solidFill>
+              <a:latin typeface="Times New Roman" panose="02020603050405020304" pitchFamily="18" charset="0"/>
+              <a:cs typeface="Times New Roman" panose="02020603050405020304" pitchFamily="18" charset="0"/>
+            </a:endParaRPr>
+          </a:p>
+        </p:txBody>
+      </p:sp>
+    </p:spTree>
+    <p:extLst>
+      <p:ext uri="{BB962C8B-B14F-4D97-AF65-F5344CB8AC3E}">
+        <p14:creationId xmlns:p14="http://schemas.microsoft.com/office/powerpoint/2010/main" val="813669140"/>
+      </p:ext>
+    </p:extLst>
+  </p:cSld>
+  <p:clrMapOvr>
+    <a:masterClrMapping/>
+  </p:clrMapOvr>
+  <p:transition spd="med"/>
+</p:sld>
+</file>
+
+<file path=ppt/slides/slide26.xml><?xml version="1.0" encoding="utf-8"?>
+<p:sld xmlns:a="http://schemas.openxmlformats.org/drawingml/2006/main" xmlns:r="http://schemas.openxmlformats.org/officeDocument/2006/relationships" xmlns:p="http://schemas.openxmlformats.org/presentationml/2006/main">
+  <p:cSld>
+    <p:spTree>
+      <p:nvGrpSpPr>
+        <p:cNvPr id="1" name=""/>
+        <p:cNvGrpSpPr/>
+        <p:nvPr/>
+      </p:nvGrpSpPr>
+      <p:grpSpPr>
+        <a:xfrm>
+          <a:off x="0" y="0"/>
+          <a:ext cx="0" cy="0"/>
+          <a:chOff x="0" y="0"/>
+          <a:chExt cx="0" cy="0"/>
+        </a:xfrm>
+      </p:grpSpPr>
+      <p:sp>
+        <p:nvSpPr>
+          <p:cNvPr id="6" name="Title 1"/>
+          <p:cNvSpPr>
+            <a:spLocks noGrp="1"/>
+          </p:cNvSpPr>
+          <p:nvPr>
+            <p:ph type="title"/>
+          </p:nvPr>
+        </p:nvSpPr>
+        <p:spPr>
+          <a:xfrm>
+            <a:off x="457200" y="205980"/>
+            <a:ext cx="8229600" cy="857251"/>
+          </a:xfrm>
+        </p:spPr>
+        <p:txBody>
+          <a:bodyPr>
+            <a:normAutofit/>
+          </a:bodyPr>
+          <a:lstStyle/>
+          <a:p>
+            <a:r>
+              <a:rPr lang="en-US" b="1" dirty="0" err="1">
+                <a:solidFill>
+                  <a:srgbClr val="0070C0"/>
+                </a:solidFill>
+              </a:rPr>
+              <a:t>Sugestão</a:t>
+            </a:r>
+            <a:r>
+              <a:rPr lang="en-US" b="1">
+                <a:solidFill>
+                  <a:srgbClr val="0070C0"/>
+                </a:solidFill>
+              </a:rPr>
+              <a:t> 4: </a:t>
+            </a:r>
+            <a:r>
+              <a:rPr lang="en-US" b="1" dirty="0" err="1">
+                <a:solidFill>
+                  <a:srgbClr val="0070C0"/>
+                </a:solidFill>
+              </a:rPr>
+              <a:t>Estrutura</a:t>
+            </a:r>
+            <a:r>
+              <a:rPr lang="en-US" b="1" dirty="0">
+                <a:solidFill>
+                  <a:srgbClr val="0070C0"/>
+                </a:solidFill>
+              </a:rPr>
+              <a:t> Site</a:t>
+            </a:r>
+          </a:p>
+        </p:txBody>
+      </p:sp>
+      <p:sp>
+        <p:nvSpPr>
+          <p:cNvPr id="8" name="Text Placeholder 2"/>
+          <p:cNvSpPr>
+            <a:spLocks noGrp="1"/>
+          </p:cNvSpPr>
+          <p:nvPr>
+            <p:ph type="body" sz="half" idx="1"/>
+          </p:nvPr>
+        </p:nvSpPr>
+        <p:spPr>
+          <a:xfrm>
+            <a:off x="155391" y="1037312"/>
+            <a:ext cx="8865056" cy="4023203"/>
+          </a:xfrm>
+        </p:spPr>
+        <p:txBody>
+          <a:bodyPr>
+            <a:noAutofit/>
+          </a:bodyPr>
+          <a:lstStyle/>
+          <a:p>
+            <a:pPr marL="0" indent="0" algn="just">
+              <a:buNone/>
+            </a:pPr>
+            <a:endParaRPr lang="pt-BR" sz="1200" dirty="0">
+              <a:solidFill>
+                <a:schemeClr val="tx1"/>
+              </a:solidFill>
+              <a:latin typeface="Times New Roman" panose="02020603050405020304" pitchFamily="18" charset="0"/>
+              <a:cs typeface="Times New Roman" panose="02020603050405020304" pitchFamily="18" charset="0"/>
+            </a:endParaRPr>
+          </a:p>
+        </p:txBody>
+      </p:sp>
+      <p:pic>
+        <p:nvPicPr>
+          <p:cNvPr id="3" name="Imagem 2">
+            <a:extLst>
+              <a:ext uri="{FF2B5EF4-FFF2-40B4-BE49-F238E27FC236}">
+                <a16:creationId xmlns:a16="http://schemas.microsoft.com/office/drawing/2014/main" id="{91E07343-8592-425F-B33A-BF607A3D2A2F}"/>
+              </a:ext>
+            </a:extLst>
+          </p:cNvPr>
+          <p:cNvPicPr>
+            <a:picLocks noChangeAspect="1"/>
+          </p:cNvPicPr>
+          <p:nvPr/>
+        </p:nvPicPr>
+        <p:blipFill>
+          <a:blip r:embed="rId3"/>
+          <a:stretch>
+            <a:fillRect/>
+          </a:stretch>
+        </p:blipFill>
+        <p:spPr>
+          <a:xfrm>
+            <a:off x="2951628" y="1071683"/>
+            <a:ext cx="2463476" cy="3963956"/>
+          </a:xfrm>
+          <a:prstGeom prst="rect">
+            <a:avLst/>
+          </a:prstGeom>
+        </p:spPr>
+      </p:pic>
+    </p:spTree>
+    <p:extLst>
+      <p:ext uri="{BB962C8B-B14F-4D97-AF65-F5344CB8AC3E}">
+        <p14:creationId xmlns:p14="http://schemas.microsoft.com/office/powerpoint/2010/main" val="880326834"/>
+      </p:ext>
+    </p:extLst>
+  </p:cSld>
+  <p:clrMapOvr>
+    <a:masterClrMapping/>
+  </p:clrMapOvr>
+  <p:transition spd="med"/>
+</p:sld>
+</file>
+
+<file path=ppt/slides/slide27.xml><?xml version="1.0" encoding="utf-8"?>
+<p:sld xmlns:a="http://schemas.openxmlformats.org/drawingml/2006/main" xmlns:r="http://schemas.openxmlformats.org/officeDocument/2006/relationships" xmlns:p="http://schemas.openxmlformats.org/presentationml/2006/main">
+  <p:cSld>
+    <p:spTree>
+      <p:nvGrpSpPr>
+        <p:cNvPr id="1" name=""/>
+        <p:cNvGrpSpPr/>
+        <p:nvPr/>
+      </p:nvGrpSpPr>
+      <p:grpSpPr>
+        <a:xfrm>
+          <a:off x="0" y="0"/>
+          <a:ext cx="0" cy="0"/>
+          <a:chOff x="0" y="0"/>
+          <a:chExt cx="0" cy="0"/>
+        </a:xfrm>
+      </p:grpSpPr>
+      <p:sp>
+        <p:nvSpPr>
+          <p:cNvPr id="6" name="Title 1"/>
+          <p:cNvSpPr>
+            <a:spLocks noGrp="1"/>
+          </p:cNvSpPr>
+          <p:nvPr>
+            <p:ph type="title"/>
+          </p:nvPr>
+        </p:nvSpPr>
+        <p:spPr>
+          <a:xfrm>
+            <a:off x="457200" y="205980"/>
+            <a:ext cx="8229600" cy="857251"/>
+          </a:xfrm>
+        </p:spPr>
+        <p:txBody>
+          <a:bodyPr>
+            <a:normAutofit/>
+          </a:bodyPr>
+          <a:lstStyle/>
+          <a:p>
+            <a:r>
+              <a:rPr lang="en-US" b="1" dirty="0" err="1">
+                <a:solidFill>
+                  <a:srgbClr val="0070C0"/>
+                </a:solidFill>
+              </a:rPr>
+              <a:t>Leitura</a:t>
+            </a:r>
+            <a:r>
+              <a:rPr lang="en-US" b="1" dirty="0">
+                <a:solidFill>
+                  <a:srgbClr val="0070C0"/>
+                </a:solidFill>
+              </a:rPr>
+              <a:t> </a:t>
+            </a:r>
+            <a:r>
+              <a:rPr lang="en-US" b="1" dirty="0" err="1">
+                <a:solidFill>
+                  <a:srgbClr val="0070C0"/>
+                </a:solidFill>
+              </a:rPr>
+              <a:t>Específica</a:t>
+            </a:r>
+            <a:endParaRPr lang="en-US" b="1" dirty="0">
+              <a:solidFill>
+                <a:srgbClr val="0070C0"/>
+              </a:solidFill>
+            </a:endParaRPr>
+          </a:p>
+        </p:txBody>
+      </p:sp>
+      <p:sp>
+        <p:nvSpPr>
+          <p:cNvPr id="8" name="Text Placeholder 2"/>
+          <p:cNvSpPr>
+            <a:spLocks noGrp="1"/>
+          </p:cNvSpPr>
+          <p:nvPr>
+            <p:ph type="body" sz="half" idx="1"/>
+          </p:nvPr>
+        </p:nvSpPr>
+        <p:spPr>
+          <a:xfrm>
+            <a:off x="142865" y="1012261"/>
+            <a:ext cx="8865056" cy="3835312"/>
+          </a:xfrm>
+        </p:spPr>
+        <p:txBody>
+          <a:bodyPr>
+            <a:noAutofit/>
+          </a:bodyPr>
+          <a:lstStyle/>
+          <a:p>
+            <a:pPr marL="0" indent="0" algn="just">
+              <a:buNone/>
+            </a:pPr>
+            <a:r>
+              <a:rPr lang="pt-BR" sz="2000" dirty="0">
+                <a:latin typeface="Times New Roman" panose="02020603050405020304" pitchFamily="18" charset="0"/>
+                <a:cs typeface="Times New Roman" panose="02020603050405020304" pitchFamily="18" charset="0"/>
+              </a:rPr>
+              <a:t>[1] </a:t>
+            </a:r>
+            <a:r>
+              <a:rPr lang="pt-BR" sz="2000" b="1" dirty="0">
+                <a:latin typeface="Times New Roman" panose="02020603050405020304" pitchFamily="18" charset="0"/>
+                <a:cs typeface="Times New Roman" panose="02020603050405020304" pitchFamily="18" charset="0"/>
+              </a:rPr>
+              <a:t>SCHEIDT, </a:t>
+            </a:r>
+            <a:r>
+              <a:rPr lang="pt-BR" sz="2000" dirty="0" err="1">
+                <a:latin typeface="Times New Roman" panose="02020603050405020304" pitchFamily="18" charset="0"/>
+                <a:cs typeface="Times New Roman" panose="02020603050405020304" pitchFamily="18" charset="0"/>
+              </a:rPr>
+              <a:t>Felippe</a:t>
+            </a:r>
+            <a:r>
+              <a:rPr lang="pt-BR" sz="2000" dirty="0">
+                <a:latin typeface="Times New Roman" panose="02020603050405020304" pitchFamily="18" charset="0"/>
+                <a:cs typeface="Times New Roman" panose="02020603050405020304" pitchFamily="18" charset="0"/>
+              </a:rPr>
+              <a:t> Alex. Fundamentos de CSS: criando design para sistemas web. </a:t>
+            </a:r>
+            <a:r>
+              <a:rPr lang="pt-BR" sz="2000" dirty="0" err="1">
+                <a:latin typeface="Times New Roman" panose="02020603050405020304" pitchFamily="18" charset="0"/>
+                <a:cs typeface="Times New Roman" panose="02020603050405020304" pitchFamily="18" charset="0"/>
+              </a:rPr>
+              <a:t>Outbox</a:t>
+            </a:r>
+            <a:r>
+              <a:rPr lang="pt-BR" sz="2000" dirty="0">
+                <a:latin typeface="Times New Roman" panose="02020603050405020304" pitchFamily="18" charset="0"/>
+                <a:cs typeface="Times New Roman" panose="02020603050405020304" pitchFamily="18" charset="0"/>
+              </a:rPr>
+              <a:t> Livros Digitais, 2015.</a:t>
+            </a:r>
+          </a:p>
+          <a:p>
+            <a:pPr marL="0" indent="0" algn="just">
+              <a:buNone/>
+            </a:pPr>
+            <a:r>
+              <a:rPr lang="pt-BR" sz="2000" dirty="0">
+                <a:latin typeface="Times New Roman" panose="02020603050405020304" pitchFamily="18" charset="0"/>
+                <a:cs typeface="Times New Roman" panose="02020603050405020304" pitchFamily="18" charset="0"/>
+              </a:rPr>
+              <a:t>	</a:t>
+            </a:r>
+            <a:r>
+              <a:rPr lang="pt-BR" sz="2000" b="1" dirty="0">
+                <a:latin typeface="Times New Roman" panose="02020603050405020304" pitchFamily="18" charset="0"/>
+                <a:cs typeface="Times New Roman" panose="02020603050405020304" pitchFamily="18" charset="0"/>
+              </a:rPr>
+              <a:t>Disponível em</a:t>
+            </a:r>
+            <a:r>
+              <a:rPr lang="pt-BR" sz="2000" dirty="0">
+                <a:latin typeface="Times New Roman" panose="02020603050405020304" pitchFamily="18" charset="0"/>
+                <a:cs typeface="Times New Roman" panose="02020603050405020304" pitchFamily="18" charset="0"/>
+              </a:rPr>
+              <a:t>:</a:t>
+            </a:r>
+            <a:endParaRPr lang="pt-BR" sz="2000" b="1" dirty="0">
+              <a:latin typeface="Times New Roman" panose="02020603050405020304" pitchFamily="18" charset="0"/>
+              <a:cs typeface="Times New Roman" panose="02020603050405020304" pitchFamily="18" charset="0"/>
+            </a:endParaRPr>
+          </a:p>
+          <a:p>
+            <a:pPr marL="0" indent="0" algn="just">
+              <a:buNone/>
+            </a:pPr>
+            <a:r>
+              <a:rPr lang="pt-BR" sz="2000" dirty="0">
+                <a:latin typeface="Times New Roman" panose="02020603050405020304" pitchFamily="18" charset="0"/>
+                <a:cs typeface="Times New Roman" panose="02020603050405020304" pitchFamily="18" charset="0"/>
+                <a:hlinkClick r:id="rId3"/>
+              </a:rPr>
+              <a:t>https://books.google.com.br/books?hl=pt-BR&amp;lr=&amp;id=04cbCgAAQBAJ&amp;oi=fnd&amp;pg=PT5&amp;dq=Estiliza%C3%A7%C3%A3o+CSS+HTML&amp;ots=JttwDQX0Za&amp;sig=hDatOrM6nS37uFMOHLHtxBcaNeA#v=onepage&amp;q=Estiliza%C3%A7%C3%A3o%20CSS%20HTML&amp;f=false</a:t>
+            </a:r>
+            <a:endParaRPr lang="pt-BR" sz="2000" dirty="0">
+              <a:latin typeface="Times New Roman" panose="02020603050405020304" pitchFamily="18" charset="0"/>
+              <a:cs typeface="Times New Roman" panose="02020603050405020304" pitchFamily="18" charset="0"/>
+            </a:endParaRPr>
+          </a:p>
+        </p:txBody>
+      </p:sp>
+    </p:spTree>
+    <p:extLst>
+      <p:ext uri="{BB962C8B-B14F-4D97-AF65-F5344CB8AC3E}">
+        <p14:creationId xmlns:p14="http://schemas.microsoft.com/office/powerpoint/2010/main" val="3680270425"/>
+      </p:ext>
+    </p:extLst>
+  </p:cSld>
+  <p:clrMapOvr>
+    <a:masterClrMapping/>
+  </p:clrMapOvr>
+  <p:transition spd="med"/>
+</p:sld>
+</file>
+
+<file path=ppt/slides/slide28.xml><?xml version="1.0" encoding="utf-8"?>
+<p:sld xmlns:a="http://schemas.openxmlformats.org/drawingml/2006/main" xmlns:r="http://schemas.openxmlformats.org/officeDocument/2006/relationships" xmlns:p="http://schemas.openxmlformats.org/presentationml/2006/main">
+  <p:cSld>
+    <p:spTree>
+      <p:nvGrpSpPr>
+        <p:cNvPr id="1" name=""/>
+        <p:cNvGrpSpPr/>
+        <p:nvPr/>
+      </p:nvGrpSpPr>
+      <p:grpSpPr>
+        <a:xfrm>
+          <a:off x="0" y="0"/>
+          <a:ext cx="0" cy="0"/>
+          <a:chOff x="0" y="0"/>
+          <a:chExt cx="0" cy="0"/>
+        </a:xfrm>
+      </p:grpSpPr>
+      <p:sp>
+        <p:nvSpPr>
+          <p:cNvPr id="6" name="Title 1"/>
+          <p:cNvSpPr>
+            <a:spLocks noGrp="1"/>
+          </p:cNvSpPr>
+          <p:nvPr>
+            <p:ph type="title"/>
+          </p:nvPr>
+        </p:nvSpPr>
+        <p:spPr>
+          <a:xfrm>
+            <a:off x="457200" y="205980"/>
+            <a:ext cx="8229600" cy="857251"/>
+          </a:xfrm>
+        </p:spPr>
+        <p:txBody>
+          <a:bodyPr>
+            <a:normAutofit/>
+          </a:bodyPr>
+          <a:lstStyle/>
+          <a:p>
+            <a:r>
+              <a:rPr lang="en-US" b="1" dirty="0" err="1">
+                <a:solidFill>
+                  <a:srgbClr val="0070C0"/>
+                </a:solidFill>
+              </a:rPr>
+              <a:t>Aprenda</a:t>
+            </a:r>
+            <a:r>
+              <a:rPr lang="en-US" b="1" dirty="0">
+                <a:solidFill>
+                  <a:srgbClr val="0070C0"/>
+                </a:solidFill>
+              </a:rPr>
+              <a:t>+</a:t>
+            </a:r>
+          </a:p>
+        </p:txBody>
+      </p:sp>
+      <p:sp>
+        <p:nvSpPr>
+          <p:cNvPr id="8" name="Text Placeholder 2"/>
+          <p:cNvSpPr>
+            <a:spLocks noGrp="1"/>
+          </p:cNvSpPr>
+          <p:nvPr>
+            <p:ph type="body" sz="half" idx="1"/>
+          </p:nvPr>
+        </p:nvSpPr>
+        <p:spPr>
+          <a:xfrm>
+            <a:off x="142865" y="1024786"/>
+            <a:ext cx="8865056" cy="3912733"/>
+          </a:xfrm>
+        </p:spPr>
+        <p:txBody>
+          <a:bodyPr>
+            <a:noAutofit/>
+          </a:bodyPr>
+          <a:lstStyle/>
+          <a:p>
+            <a:pPr marL="0" indent="0" algn="just">
+              <a:buNone/>
+            </a:pPr>
+            <a:r>
+              <a:rPr lang="pt-BR" sz="2400" dirty="0">
+                <a:latin typeface="Times New Roman" panose="02020603050405020304" pitchFamily="18" charset="0"/>
+                <a:cs typeface="Times New Roman" panose="02020603050405020304" pitchFamily="18" charset="0"/>
+              </a:rPr>
+              <a:t>[1]Exemplo de CSS Grid Layout</a:t>
+            </a:r>
+          </a:p>
+          <a:p>
+            <a:pPr marL="0" indent="0" algn="just">
+              <a:buNone/>
+            </a:pPr>
+            <a:r>
+              <a:rPr lang="pt-BR" sz="2400" dirty="0">
+                <a:latin typeface="Times New Roman" panose="02020603050405020304" pitchFamily="18" charset="0"/>
+                <a:cs typeface="Times New Roman" panose="02020603050405020304" pitchFamily="18" charset="0"/>
+              </a:rPr>
+              <a:t>	</a:t>
+            </a:r>
+            <a:r>
+              <a:rPr lang="pt-BR" sz="2400" dirty="0">
+                <a:latin typeface="Times New Roman" panose="02020603050405020304" pitchFamily="18" charset="0"/>
+                <a:cs typeface="Times New Roman" panose="02020603050405020304" pitchFamily="18" charset="0"/>
+                <a:hlinkClick r:id="rId3"/>
+              </a:rPr>
+              <a:t>https://www.youtube.com/watch?v=jV8B24rSN5o</a:t>
+            </a:r>
+            <a:endParaRPr lang="pt-BR" sz="2400" dirty="0">
+              <a:latin typeface="Times New Roman" panose="02020603050405020304" pitchFamily="18" charset="0"/>
+              <a:cs typeface="Times New Roman" panose="02020603050405020304" pitchFamily="18" charset="0"/>
+            </a:endParaRPr>
+          </a:p>
+          <a:p>
+            <a:pPr marL="0" indent="0" algn="just">
+              <a:buNone/>
+            </a:pPr>
+            <a:endParaRPr lang="pt-BR" sz="2400" dirty="0">
+              <a:latin typeface="Times New Roman" panose="02020603050405020304" pitchFamily="18" charset="0"/>
+              <a:cs typeface="Times New Roman" panose="02020603050405020304" pitchFamily="18" charset="0"/>
+            </a:endParaRPr>
+          </a:p>
+          <a:p>
+            <a:pPr marL="0" indent="0" algn="just">
+              <a:buNone/>
+            </a:pPr>
+            <a:endParaRPr lang="pt-BR" sz="2400" dirty="0">
+              <a:latin typeface="Times New Roman" panose="02020603050405020304" pitchFamily="18" charset="0"/>
+              <a:cs typeface="Times New Roman" panose="02020603050405020304" pitchFamily="18" charset="0"/>
+            </a:endParaRPr>
+          </a:p>
+          <a:p>
+            <a:pPr marL="0" indent="0" algn="just">
+              <a:buNone/>
+            </a:pPr>
+            <a:endParaRPr lang="pt-BR" sz="2400" dirty="0">
+              <a:latin typeface="Times New Roman" panose="02020603050405020304" pitchFamily="18" charset="0"/>
+              <a:cs typeface="Times New Roman" panose="02020603050405020304" pitchFamily="18" charset="0"/>
+            </a:endParaRPr>
+          </a:p>
+          <a:p>
+            <a:pPr marL="0" indent="0" algn="just">
+              <a:buNone/>
+            </a:pPr>
+            <a:endParaRPr lang="pt-BR" sz="2400" dirty="0">
+              <a:latin typeface="Times New Roman" panose="02020603050405020304" pitchFamily="18" charset="0"/>
+              <a:cs typeface="Times New Roman" panose="02020603050405020304" pitchFamily="18" charset="0"/>
+            </a:endParaRPr>
+          </a:p>
+          <a:p>
+            <a:pPr marL="0" indent="0" algn="just">
+              <a:buNone/>
+            </a:pPr>
+            <a:endParaRPr lang="pt-BR" sz="2400" dirty="0">
+              <a:latin typeface="Times New Roman" panose="02020603050405020304" pitchFamily="18" charset="0"/>
+              <a:cs typeface="Times New Roman" panose="02020603050405020304" pitchFamily="18" charset="0"/>
+            </a:endParaRPr>
+          </a:p>
+          <a:p>
+            <a:pPr marL="0" indent="0" algn="just">
+              <a:buNone/>
+            </a:pPr>
+            <a:endParaRPr lang="pt-BR" sz="2400" dirty="0">
+              <a:latin typeface="Times New Roman" panose="02020603050405020304" pitchFamily="18" charset="0"/>
+              <a:cs typeface="Times New Roman" panose="02020603050405020304" pitchFamily="18" charset="0"/>
+            </a:endParaRPr>
+          </a:p>
+          <a:p>
+            <a:pPr marL="0" indent="0" algn="just">
+              <a:buNone/>
+            </a:pPr>
+            <a:endParaRPr lang="pt-BR" sz="2400" dirty="0">
+              <a:latin typeface="Times New Roman" panose="02020603050405020304" pitchFamily="18" charset="0"/>
+              <a:cs typeface="Times New Roman" panose="02020603050405020304" pitchFamily="18" charset="0"/>
+            </a:endParaRPr>
+          </a:p>
+          <a:p>
+            <a:pPr marL="0" indent="0" algn="just">
+              <a:buNone/>
+            </a:pPr>
+            <a:endParaRPr lang="pt-BR" sz="2400" dirty="0">
+              <a:latin typeface="Times New Roman" panose="02020603050405020304" pitchFamily="18" charset="0"/>
+              <a:cs typeface="Times New Roman" panose="02020603050405020304" pitchFamily="18" charset="0"/>
+            </a:endParaRPr>
+          </a:p>
+          <a:p>
+            <a:pPr marL="0" indent="0" algn="just">
+              <a:buNone/>
+            </a:pPr>
+            <a:endParaRPr lang="pt-BR" sz="2400" dirty="0">
+              <a:latin typeface="Times New Roman" panose="02020603050405020304" pitchFamily="18" charset="0"/>
+              <a:cs typeface="Times New Roman" panose="02020603050405020304" pitchFamily="18" charset="0"/>
+            </a:endParaRPr>
+          </a:p>
+        </p:txBody>
+      </p:sp>
+    </p:spTree>
+    <p:extLst>
+      <p:ext uri="{BB962C8B-B14F-4D97-AF65-F5344CB8AC3E}">
+        <p14:creationId xmlns:p14="http://schemas.microsoft.com/office/powerpoint/2010/main" val="2747596967"/>
+      </p:ext>
+    </p:extLst>
+  </p:cSld>
+  <p:clrMapOvr>
+    <a:masterClrMapping/>
+  </p:clrMapOvr>
+  <p:transition spd="med"/>
+</p:sld>
+</file>
+
+<file path=ppt/slides/slide29.xml><?xml version="1.0" encoding="utf-8"?>
+<p:sld xmlns:a="http://schemas.openxmlformats.org/drawingml/2006/main" xmlns:r="http://schemas.openxmlformats.org/officeDocument/2006/relationships" xmlns:p="http://schemas.openxmlformats.org/presentationml/2006/main">
+  <p:cSld>
+    <p:spTree>
+      <p:nvGrpSpPr>
+        <p:cNvPr id="1" name=""/>
+        <p:cNvGrpSpPr/>
+        <p:nvPr/>
+      </p:nvGrpSpPr>
+      <p:grpSpPr>
+        <a:xfrm>
+          <a:off x="0" y="0"/>
+          <a:ext cx="0" cy="0"/>
+          <a:chOff x="0" y="0"/>
+          <a:chExt cx="0" cy="0"/>
+        </a:xfrm>
+      </p:grpSpPr>
+      <p:sp>
+        <p:nvSpPr>
+          <p:cNvPr id="6" name="Title 1"/>
+          <p:cNvSpPr>
+            <a:spLocks noGrp="1"/>
+          </p:cNvSpPr>
+          <p:nvPr>
+            <p:ph type="title"/>
+          </p:nvPr>
+        </p:nvSpPr>
+        <p:spPr>
+          <a:xfrm>
+            <a:off x="457200" y="205980"/>
+            <a:ext cx="8229600" cy="857251"/>
+          </a:xfrm>
+        </p:spPr>
+        <p:txBody>
+          <a:bodyPr>
+            <a:normAutofit/>
+          </a:bodyPr>
+          <a:lstStyle/>
+          <a:p>
+            <a:r>
+              <a:rPr lang="en-US" b="1" dirty="0" err="1">
+                <a:solidFill>
+                  <a:srgbClr val="0070C0"/>
+                </a:solidFill>
+              </a:rPr>
+              <a:t>Dinâmica</a:t>
+            </a:r>
+            <a:r>
+              <a:rPr lang="en-US" b="1" dirty="0">
+                <a:solidFill>
+                  <a:srgbClr val="0070C0"/>
+                </a:solidFill>
+              </a:rPr>
+              <a:t>/</a:t>
+            </a:r>
+            <a:r>
+              <a:rPr lang="en-US" b="1" dirty="0" err="1">
+                <a:solidFill>
+                  <a:srgbClr val="0070C0"/>
+                </a:solidFill>
+              </a:rPr>
+              <a:t>Atividades</a:t>
+            </a:r>
+            <a:endParaRPr lang="en-US" b="1" dirty="0">
+              <a:solidFill>
+                <a:srgbClr val="0070C0"/>
+              </a:solidFill>
+            </a:endParaRPr>
+          </a:p>
+        </p:txBody>
+      </p:sp>
+      <p:sp>
+        <p:nvSpPr>
+          <p:cNvPr id="8" name="Text Placeholder 2"/>
+          <p:cNvSpPr>
+            <a:spLocks noGrp="1"/>
+          </p:cNvSpPr>
+          <p:nvPr>
+            <p:ph type="body" sz="half" idx="1"/>
+          </p:nvPr>
+        </p:nvSpPr>
+        <p:spPr>
+          <a:xfrm>
+            <a:off x="139472" y="1063230"/>
+            <a:ext cx="8865056" cy="3606305"/>
+          </a:xfrm>
+        </p:spPr>
+        <p:txBody>
+          <a:bodyPr>
+            <a:noAutofit/>
+          </a:bodyPr>
+          <a:lstStyle/>
+          <a:p>
+            <a:pPr algn="just">
+              <a:buFontTx/>
+              <a:buChar char="-"/>
+            </a:pPr>
+            <a:r>
+              <a:rPr lang="pt-BR" dirty="0">
+                <a:latin typeface="Times New Roman" panose="02020603050405020304" pitchFamily="18" charset="0"/>
+                <a:cs typeface="Times New Roman" panose="02020603050405020304" pitchFamily="18" charset="0"/>
+              </a:rPr>
+              <a:t>Exercícios de Fixação </a:t>
+            </a:r>
+            <a:r>
+              <a:rPr lang="pt-BR" b="1" dirty="0">
+                <a:latin typeface="Times New Roman" panose="02020603050405020304" pitchFamily="18" charset="0"/>
+                <a:cs typeface="Times New Roman" panose="02020603050405020304" pitchFamily="18" charset="0"/>
+              </a:rPr>
+              <a:t>CSS </a:t>
+            </a:r>
+            <a:r>
+              <a:rPr lang="pt-BR" b="1" dirty="0" err="1">
+                <a:latin typeface="Times New Roman" panose="02020603050405020304" pitchFamily="18" charset="0"/>
+                <a:cs typeface="Times New Roman" panose="02020603050405020304" pitchFamily="18" charset="0"/>
+              </a:rPr>
+              <a:t>Flexbox</a:t>
+            </a:r>
+            <a:r>
+              <a:rPr lang="pt-BR" b="1" dirty="0">
+                <a:latin typeface="Times New Roman" panose="02020603050405020304" pitchFamily="18" charset="0"/>
+                <a:cs typeface="Times New Roman" panose="02020603050405020304" pitchFamily="18" charset="0"/>
+              </a:rPr>
+              <a:t> e Grid Layout</a:t>
+            </a:r>
+          </a:p>
+          <a:p>
+            <a:pPr marL="0" indent="0" algn="just">
+              <a:buNone/>
+            </a:pPr>
+            <a:r>
+              <a:rPr lang="pt-BR" dirty="0">
+                <a:latin typeface="Times New Roman" panose="02020603050405020304" pitchFamily="18" charset="0"/>
+                <a:cs typeface="Times New Roman" panose="02020603050405020304" pitchFamily="18" charset="0"/>
+              </a:rPr>
+              <a:t>	</a:t>
+            </a:r>
+            <a:r>
+              <a:rPr lang="pt-BR" dirty="0">
+                <a:latin typeface="Calibri" panose="020F0502020204030204" pitchFamily="34" charset="0"/>
+                <a:hlinkClick r:id="rId3"/>
+              </a:rPr>
+              <a:t>https://stackoverflow.com/questions/65472492/flexbox-and-grid-layout-questions</a:t>
+            </a:r>
+            <a:endParaRPr lang="es-ES" dirty="0">
+              <a:latin typeface="Times New Roman" panose="02020603050405020304" pitchFamily="18" charset="0"/>
+              <a:cs typeface="Times New Roman" panose="02020603050405020304" pitchFamily="18" charset="0"/>
+            </a:endParaRPr>
+          </a:p>
+          <a:p>
+            <a:pPr marL="0" indent="0" algn="just">
+              <a:buNone/>
+            </a:pPr>
+            <a:endParaRPr lang="pt-BR" dirty="0">
+              <a:latin typeface="Times New Roman" panose="02020603050405020304" pitchFamily="18" charset="0"/>
+              <a:cs typeface="Times New Roman" panose="02020603050405020304" pitchFamily="18" charset="0"/>
+            </a:endParaRPr>
+          </a:p>
+          <a:p>
+            <a:pPr algn="just">
+              <a:buFontTx/>
+              <a:buChar char="-"/>
+            </a:pPr>
+            <a:r>
+              <a:rPr lang="pt-BR" dirty="0">
+                <a:latin typeface="Times New Roman" panose="02020603050405020304" pitchFamily="18" charset="0"/>
+                <a:cs typeface="Times New Roman" panose="02020603050405020304" pitchFamily="18" charset="0"/>
+              </a:rPr>
+              <a:t>Exercícios de Fixação </a:t>
+            </a:r>
+            <a:r>
+              <a:rPr lang="pt-BR" b="1" dirty="0">
+                <a:latin typeface="Times New Roman" panose="02020603050405020304" pitchFamily="18" charset="0"/>
+                <a:cs typeface="Times New Roman" panose="02020603050405020304" pitchFamily="18" charset="0"/>
+              </a:rPr>
+              <a:t>CSS Grid Layout</a:t>
+            </a:r>
+          </a:p>
+          <a:p>
+            <a:pPr marL="0" indent="0" algn="just">
+              <a:buNone/>
+            </a:pPr>
+            <a:r>
+              <a:rPr lang="pt-BR" dirty="0">
+                <a:latin typeface="Times New Roman" panose="02020603050405020304" pitchFamily="18" charset="0"/>
+                <a:cs typeface="Times New Roman" panose="02020603050405020304" pitchFamily="18" charset="0"/>
+              </a:rPr>
+              <a:t>	</a:t>
+            </a:r>
+            <a:r>
+              <a:rPr lang="es-ES" dirty="0">
+                <a:latin typeface="Times New Roman" panose="02020603050405020304" pitchFamily="18" charset="0"/>
+                <a:cs typeface="Times New Roman" panose="02020603050405020304" pitchFamily="18" charset="0"/>
+                <a:hlinkClick r:id="rId4"/>
+              </a:rPr>
+              <a:t>https://developer.mozilla.org/en-US/docs/Learn/CSS/CSS_layout/Grid_skills</a:t>
+            </a:r>
+            <a:endParaRPr lang="es-ES" dirty="0">
+              <a:latin typeface="Times New Roman" panose="02020603050405020304" pitchFamily="18" charset="0"/>
+              <a:cs typeface="Times New Roman" panose="02020603050405020304" pitchFamily="18" charset="0"/>
+            </a:endParaRPr>
+          </a:p>
+          <a:p>
+            <a:pPr marL="0" indent="0" algn="just">
+              <a:buNone/>
+            </a:pPr>
+            <a:endParaRPr lang="pt-BR" dirty="0">
+              <a:latin typeface="Calibri" panose="020F0502020204030204" pitchFamily="34" charset="0"/>
+            </a:endParaRPr>
+          </a:p>
+        </p:txBody>
+      </p:sp>
+    </p:spTree>
+    <p:extLst>
+      <p:ext uri="{BB962C8B-B14F-4D97-AF65-F5344CB8AC3E}">
+        <p14:creationId xmlns:p14="http://schemas.microsoft.com/office/powerpoint/2010/main" val="2470652989"/>
+      </p:ext>
+    </p:extLst>
+  </p:cSld>
+  <p:clrMapOvr>
+    <a:masterClrMapping/>
+  </p:clrMapOvr>
+  <p:transition spd="med"/>
+</p:sld>
+</file>
+
+<file path=ppt/slides/slide3.xml><?xml version="1.0" encoding="utf-8"?>
+<p:sld xmlns:a="http://schemas.openxmlformats.org/drawingml/2006/main" xmlns:r="http://schemas.openxmlformats.org/officeDocument/2006/relationships" xmlns:p="http://schemas.openxmlformats.org/presentationml/2006/main">
+  <p:cSld>
+    <p:spTree>
+      <p:nvGrpSpPr>
+        <p:cNvPr id="1" name=""/>
+        <p:cNvGrpSpPr/>
+        <p:nvPr/>
+      </p:nvGrpSpPr>
+      <p:grpSpPr>
+        <a:xfrm>
+          <a:off x="0" y="0"/>
+          <a:ext cx="0" cy="0"/>
+          <a:chOff x="0" y="0"/>
+          <a:chExt cx="0" cy="0"/>
+        </a:xfrm>
+      </p:grpSpPr>
+      <p:sp>
+        <p:nvSpPr>
+          <p:cNvPr id="6" name="Title 1"/>
+          <p:cNvSpPr>
+            <a:spLocks noGrp="1"/>
+          </p:cNvSpPr>
+          <p:nvPr>
+            <p:ph type="title"/>
+          </p:nvPr>
+        </p:nvSpPr>
+        <p:spPr>
+          <a:xfrm>
+            <a:off x="457200" y="205980"/>
+            <a:ext cx="8229600" cy="857251"/>
+          </a:xfrm>
+        </p:spPr>
+        <p:txBody>
+          <a:bodyPr>
+            <a:normAutofit/>
+          </a:bodyPr>
+          <a:lstStyle/>
+          <a:p>
+            <a:r>
+              <a:rPr lang="en-US" b="1" dirty="0">
+                <a:solidFill>
+                  <a:srgbClr val="0070C0"/>
+                </a:solidFill>
+              </a:rPr>
+              <a:t>CSS – Caixa (</a:t>
+            </a:r>
+            <a:r>
+              <a:rPr lang="en-US" b="1">
+                <a:solidFill>
+                  <a:srgbClr val="0070C0"/>
+                </a:solidFill>
+              </a:rPr>
+              <a:t>Div) </a:t>
+            </a:r>
+            <a:r>
+              <a:rPr lang="en-US" b="1" dirty="0">
+                <a:solidFill>
+                  <a:srgbClr val="0070C0"/>
+                </a:solidFill>
+              </a:rPr>
+              <a:t>- </a:t>
+            </a:r>
+            <a:r>
+              <a:rPr lang="en-US" b="1" dirty="0" err="1">
+                <a:solidFill>
+                  <a:srgbClr val="0070C0"/>
+                </a:solidFill>
+              </a:rPr>
+              <a:t>Revisão</a:t>
+            </a:r>
+            <a:endParaRPr lang="en-US" b="1" dirty="0">
+              <a:solidFill>
+                <a:srgbClr val="0070C0"/>
+              </a:solidFill>
+            </a:endParaRPr>
+          </a:p>
+        </p:txBody>
+      </p:sp>
+      <p:sp>
+        <p:nvSpPr>
+          <p:cNvPr id="8" name="Text Placeholder 2"/>
+          <p:cNvSpPr>
+            <a:spLocks noGrp="1"/>
+          </p:cNvSpPr>
+          <p:nvPr>
+            <p:ph type="body" sz="half" idx="1"/>
+          </p:nvPr>
+        </p:nvSpPr>
+        <p:spPr>
+          <a:xfrm>
+            <a:off x="142865" y="1037312"/>
+            <a:ext cx="8865056" cy="4023203"/>
+          </a:xfrm>
+        </p:spPr>
+        <p:txBody>
+          <a:bodyPr>
+            <a:noAutofit/>
+          </a:bodyPr>
+          <a:lstStyle/>
+          <a:p>
+            <a:pPr marL="0" indent="0" algn="just">
+              <a:buNone/>
+            </a:pPr>
+            <a:endParaRPr lang="pt-BR" sz="2400" dirty="0">
+              <a:solidFill>
+                <a:schemeClr val="tx1"/>
+              </a:solidFill>
+              <a:latin typeface="Times New Roman" panose="02020603050405020304" pitchFamily="18" charset="0"/>
+              <a:cs typeface="Times New Roman" panose="02020603050405020304" pitchFamily="18" charset="0"/>
+            </a:endParaRPr>
+          </a:p>
+          <a:p>
+            <a:pPr marL="0" indent="0" algn="just">
+              <a:buNone/>
+            </a:pPr>
+            <a:endParaRPr lang="en-US" sz="2400" dirty="0">
+              <a:solidFill>
+                <a:schemeClr val="tx1"/>
+              </a:solidFill>
+              <a:latin typeface="Times New Roman" panose="02020603050405020304" pitchFamily="18" charset="0"/>
+              <a:cs typeface="Times New Roman" panose="02020603050405020304" pitchFamily="18" charset="0"/>
+            </a:endParaRPr>
+          </a:p>
+        </p:txBody>
+      </p:sp>
+      <p:pic>
+        <p:nvPicPr>
+          <p:cNvPr id="3" name="Imagem 2">
+            <a:extLst>
+              <a:ext uri="{FF2B5EF4-FFF2-40B4-BE49-F238E27FC236}">
+                <a16:creationId xmlns:a16="http://schemas.microsoft.com/office/drawing/2014/main" id="{291CA211-4FC3-4164-A0D6-C1865C210AB3}"/>
+              </a:ext>
+            </a:extLst>
+          </p:cNvPr>
+          <p:cNvPicPr>
+            <a:picLocks noChangeAspect="1"/>
+          </p:cNvPicPr>
+          <p:nvPr/>
+        </p:nvPicPr>
+        <p:blipFill>
+          <a:blip r:embed="rId3"/>
+          <a:stretch>
+            <a:fillRect/>
+          </a:stretch>
+        </p:blipFill>
+        <p:spPr>
+          <a:xfrm>
+            <a:off x="364298" y="1037312"/>
+            <a:ext cx="4027398" cy="4016424"/>
+          </a:xfrm>
+          <a:prstGeom prst="rect">
+            <a:avLst/>
+          </a:prstGeom>
+        </p:spPr>
+      </p:pic>
+      <p:pic>
+        <p:nvPicPr>
+          <p:cNvPr id="5" name="Imagem 4">
+            <a:extLst>
+              <a:ext uri="{FF2B5EF4-FFF2-40B4-BE49-F238E27FC236}">
+                <a16:creationId xmlns:a16="http://schemas.microsoft.com/office/drawing/2014/main" id="{97A45DE4-BC03-48F7-A401-91A83061C2C6}"/>
+              </a:ext>
+            </a:extLst>
+          </p:cNvPr>
+          <p:cNvPicPr>
+            <a:picLocks noChangeAspect="1"/>
+          </p:cNvPicPr>
+          <p:nvPr/>
+        </p:nvPicPr>
+        <p:blipFill>
+          <a:blip r:embed="rId4"/>
+          <a:stretch>
+            <a:fillRect/>
+          </a:stretch>
+        </p:blipFill>
+        <p:spPr>
+          <a:xfrm>
+            <a:off x="4475721" y="1199814"/>
+            <a:ext cx="4448175" cy="1095375"/>
+          </a:xfrm>
+          <a:prstGeom prst="rect">
+            <a:avLst/>
+          </a:prstGeom>
+        </p:spPr>
+      </p:pic>
+      <p:sp>
+        <p:nvSpPr>
+          <p:cNvPr id="9" name="CaixaDeTexto 8">
+            <a:extLst>
+              <a:ext uri="{FF2B5EF4-FFF2-40B4-BE49-F238E27FC236}">
+                <a16:creationId xmlns:a16="http://schemas.microsoft.com/office/drawing/2014/main" id="{F10D8F32-0EF2-41C3-A97F-41B2B6781DD4}"/>
+              </a:ext>
+            </a:extLst>
+          </p:cNvPr>
+          <p:cNvSpPr txBox="1"/>
+          <p:nvPr/>
+        </p:nvSpPr>
+        <p:spPr>
+          <a:xfrm>
+            <a:off x="4475719" y="2571750"/>
+            <a:ext cx="4532201" cy="1754322"/>
+          </a:xfrm>
+          <a:prstGeom prst="rect">
+            <a:avLst/>
+          </a:prstGeom>
+          <a:noFill/>
+          <a:ln w="12700" cap="flat">
+            <a:noFill/>
+            <a:miter lim="400000"/>
+          </a:ln>
+        </p:spPr>
+        <p:style>
+          <a:lnRef idx="0">
+            <a:scrgbClr r="0" g="0" b="0"/>
+          </a:lnRef>
+          <a:fillRef idx="0">
+            <a:scrgbClr r="0" g="0" b="0"/>
+          </a:fillRef>
+          <a:effectRef idx="0">
+            <a:scrgbClr r="0" g="0" b="0"/>
+          </a:effectRef>
+          <a:fontRef idx="none"/>
+        </p:style>
+        <p:txBody>
+          <a:bodyPr rot="0" spcFirstLastPara="1" vertOverflow="overflow" horzOverflow="overflow" vert="horz" wrap="square" lIns="45718" tIns="45718" rIns="45718" bIns="45718" numCol="1" spcCol="38100" rtlCol="0" anchor="t">
+            <a:spAutoFit/>
+          </a:bodyPr>
+          <a:lstStyle/>
+          <a:p>
+            <a:pPr marL="0" marR="0" indent="0" algn="l" defTabSz="457200" rtl="0" fontAlgn="auto" latinLnBrk="0" hangingPunct="0">
+              <a:lnSpc>
+                <a:spcPct val="100000"/>
+              </a:lnSpc>
+              <a:spcBef>
+                <a:spcPts val="0"/>
+              </a:spcBef>
+              <a:spcAft>
+                <a:spcPts val="0"/>
+              </a:spcAft>
+              <a:buClrTx/>
+              <a:buSzTx/>
+              <a:buFontTx/>
+              <a:buNone/>
+            </a:pPr>
+            <a:r>
+              <a:rPr kumimoji="0" lang="pt-BR" sz="1800" b="1" i="0" u="none" strike="noStrike" cap="none" spc="0" normalizeH="0" baseline="0" dirty="0" err="1">
+                <a:ln>
+                  <a:noFill/>
+                </a:ln>
+                <a:solidFill>
+                  <a:srgbClr val="FF0000"/>
+                </a:solidFill>
+                <a:effectLst/>
+                <a:uFillTx/>
+                <a:latin typeface="+mj-lt"/>
+                <a:ea typeface="+mj-ea"/>
+                <a:cs typeface="+mj-cs"/>
+                <a:sym typeface="Calibri"/>
+              </a:rPr>
+              <a:t>Padding</a:t>
+            </a:r>
+            <a:r>
+              <a:rPr kumimoji="0" lang="pt-BR" sz="1800" b="0" i="0" u="none" strike="noStrike" cap="none" spc="0" normalizeH="0" baseline="0" dirty="0">
+                <a:ln>
+                  <a:noFill/>
+                </a:ln>
+                <a:solidFill>
+                  <a:srgbClr val="000000"/>
+                </a:solidFill>
+                <a:effectLst/>
+                <a:uFillTx/>
+                <a:latin typeface="+mj-lt"/>
+                <a:ea typeface="+mj-ea"/>
+                <a:cs typeface="+mj-cs"/>
+                <a:sym typeface="Calibri"/>
+              </a:rPr>
+              <a:t>: o espaço ao redor do conteúdo (ex.: ao redor do texto de um parágrafo).</a:t>
+            </a:r>
+          </a:p>
+          <a:p>
+            <a:pPr marL="0" marR="0" indent="0" algn="l" defTabSz="457200" rtl="0" fontAlgn="auto" latinLnBrk="0" hangingPunct="0">
+              <a:lnSpc>
+                <a:spcPct val="100000"/>
+              </a:lnSpc>
+              <a:spcBef>
+                <a:spcPts val="0"/>
+              </a:spcBef>
+              <a:spcAft>
+                <a:spcPts val="0"/>
+              </a:spcAft>
+              <a:buClrTx/>
+              <a:buSzTx/>
+              <a:buFontTx/>
+              <a:buNone/>
+            </a:pPr>
+            <a:r>
+              <a:rPr kumimoji="0" lang="pt-BR" sz="1800" b="1" i="0" u="none" strike="noStrike" cap="none" spc="0" normalizeH="0" baseline="0" dirty="0" err="1">
+                <a:ln>
+                  <a:noFill/>
+                </a:ln>
+                <a:solidFill>
+                  <a:srgbClr val="FF0000"/>
+                </a:solidFill>
+                <a:effectLst/>
+                <a:uFillTx/>
+                <a:latin typeface="+mj-lt"/>
+                <a:ea typeface="+mj-ea"/>
+                <a:cs typeface="+mj-cs"/>
+                <a:sym typeface="Calibri"/>
+              </a:rPr>
+              <a:t>Border</a:t>
+            </a:r>
+            <a:r>
+              <a:rPr kumimoji="0" lang="pt-BR" sz="1800" b="0" i="0" u="none" strike="noStrike" cap="none" spc="0" normalizeH="0" baseline="0" dirty="0">
+                <a:ln>
+                  <a:noFill/>
+                </a:ln>
+                <a:solidFill>
+                  <a:srgbClr val="000000"/>
+                </a:solidFill>
+                <a:effectLst/>
+                <a:uFillTx/>
+                <a:latin typeface="+mj-lt"/>
+                <a:ea typeface="+mj-ea"/>
+                <a:cs typeface="+mj-cs"/>
+                <a:sym typeface="Calibri"/>
+              </a:rPr>
+              <a:t>: a linha sólida do lado de fora do </a:t>
+            </a:r>
+            <a:r>
+              <a:rPr kumimoji="0" lang="pt-BR" sz="1800" b="0" i="0" u="none" strike="noStrike" cap="none" spc="0" normalizeH="0" baseline="0" dirty="0" err="1">
+                <a:ln>
+                  <a:noFill/>
+                </a:ln>
+                <a:solidFill>
+                  <a:srgbClr val="000000"/>
+                </a:solidFill>
+                <a:effectLst/>
+                <a:uFillTx/>
+                <a:latin typeface="+mj-lt"/>
+                <a:ea typeface="+mj-ea"/>
+                <a:cs typeface="+mj-cs"/>
+                <a:sym typeface="Calibri"/>
+              </a:rPr>
+              <a:t>padding</a:t>
+            </a:r>
+            <a:r>
+              <a:rPr kumimoji="0" lang="pt-BR" sz="1800" b="0" i="0" u="none" strike="noStrike" cap="none" spc="0" normalizeH="0" baseline="0" dirty="0">
+                <a:ln>
+                  <a:noFill/>
+                </a:ln>
+                <a:solidFill>
+                  <a:srgbClr val="000000"/>
+                </a:solidFill>
+                <a:effectLst/>
+                <a:uFillTx/>
+                <a:latin typeface="+mj-lt"/>
+                <a:ea typeface="+mj-ea"/>
+                <a:cs typeface="+mj-cs"/>
+                <a:sym typeface="Calibri"/>
+              </a:rPr>
+              <a:t>.</a:t>
+            </a:r>
+          </a:p>
+          <a:p>
+            <a:pPr marL="0" marR="0" indent="0" algn="l" defTabSz="457200" rtl="0" fontAlgn="auto" latinLnBrk="0" hangingPunct="0">
+              <a:lnSpc>
+                <a:spcPct val="100000"/>
+              </a:lnSpc>
+              <a:spcBef>
+                <a:spcPts val="0"/>
+              </a:spcBef>
+              <a:spcAft>
+                <a:spcPts val="0"/>
+              </a:spcAft>
+              <a:buClrTx/>
+              <a:buSzTx/>
+              <a:buFontTx/>
+              <a:buNone/>
+            </a:pPr>
+            <a:r>
+              <a:rPr kumimoji="0" lang="pt-BR" sz="1800" b="1" i="0" u="none" strike="noStrike" cap="none" spc="0" normalizeH="0" baseline="0" dirty="0" err="1">
+                <a:ln>
+                  <a:noFill/>
+                </a:ln>
+                <a:solidFill>
+                  <a:srgbClr val="FF0000"/>
+                </a:solidFill>
+                <a:effectLst/>
+                <a:uFillTx/>
+                <a:latin typeface="+mj-lt"/>
+                <a:ea typeface="+mj-ea"/>
+                <a:cs typeface="+mj-cs"/>
+                <a:sym typeface="Calibri"/>
+              </a:rPr>
+              <a:t>Margin</a:t>
+            </a:r>
+            <a:r>
+              <a:rPr kumimoji="0" lang="pt-BR" sz="1800" b="0" i="0" u="none" strike="noStrike" cap="none" spc="0" normalizeH="0" baseline="0" dirty="0">
+                <a:ln>
+                  <a:noFill/>
+                </a:ln>
+                <a:solidFill>
+                  <a:srgbClr val="000000"/>
+                </a:solidFill>
+                <a:effectLst/>
+                <a:uFillTx/>
+                <a:latin typeface="+mj-lt"/>
+                <a:ea typeface="+mj-ea"/>
+                <a:cs typeface="+mj-cs"/>
+                <a:sym typeface="Calibri"/>
+              </a:rPr>
+              <a:t>: o espaço externo a um elemento.</a:t>
+            </a:r>
+          </a:p>
+          <a:p>
+            <a:pPr marL="0" marR="0" indent="0" algn="l" defTabSz="457200" rtl="0" fontAlgn="auto" latinLnBrk="0" hangingPunct="0">
+              <a:lnSpc>
+                <a:spcPct val="100000"/>
+              </a:lnSpc>
+              <a:spcBef>
+                <a:spcPts val="0"/>
+              </a:spcBef>
+              <a:spcAft>
+                <a:spcPts val="0"/>
+              </a:spcAft>
+              <a:buClrTx/>
+              <a:buSzTx/>
+              <a:buFontTx/>
+              <a:buNone/>
+            </a:pPr>
+            <a:endParaRPr kumimoji="0" lang="pt-BR" sz="1800" b="0" i="0" u="none" strike="noStrike" cap="none" spc="0" normalizeH="0" baseline="0" dirty="0">
+              <a:ln>
+                <a:noFill/>
+              </a:ln>
+              <a:solidFill>
+                <a:srgbClr val="000000"/>
+              </a:solidFill>
+              <a:effectLst/>
+              <a:uFillTx/>
+              <a:latin typeface="+mj-lt"/>
+              <a:ea typeface="+mj-ea"/>
+              <a:cs typeface="+mj-cs"/>
+              <a:sym typeface="Calibri"/>
+            </a:endParaRPr>
+          </a:p>
+        </p:txBody>
+      </p:sp>
+    </p:spTree>
+    <p:extLst>
+      <p:ext uri="{BB962C8B-B14F-4D97-AF65-F5344CB8AC3E}">
+        <p14:creationId xmlns:p14="http://schemas.microsoft.com/office/powerpoint/2010/main" val="1453944046"/>
+      </p:ext>
+    </p:extLst>
+  </p:cSld>
+  <p:clrMapOvr>
+    <a:masterClrMapping/>
+  </p:clrMapOvr>
+  <p:transition spd="med"/>
+</p:sld>
+</file>
+
+<file path=ppt/slides/slide30.xml><?xml version="1.0" encoding="utf-8"?>
+<p:sld xmlns:a="http://schemas.openxmlformats.org/drawingml/2006/main" xmlns:r="http://schemas.openxmlformats.org/officeDocument/2006/relationships" xmlns:p="http://schemas.openxmlformats.org/presentationml/2006/main">
+  <p:cSld>
+    <p:spTree>
+      <p:nvGrpSpPr>
+        <p:cNvPr id="1" name=""/>
+        <p:cNvGrpSpPr/>
+        <p:nvPr/>
+      </p:nvGrpSpPr>
+      <p:grpSpPr>
+        <a:xfrm>
+          <a:off x="0" y="0"/>
+          <a:ext cx="0" cy="0"/>
+          <a:chOff x="0" y="0"/>
+          <a:chExt cx="0" cy="0"/>
+        </a:xfrm>
+      </p:grpSpPr>
+      <p:sp>
+        <p:nvSpPr>
+          <p:cNvPr id="6" name="Title 1"/>
+          <p:cNvSpPr>
+            <a:spLocks noGrp="1"/>
+          </p:cNvSpPr>
+          <p:nvPr>
+            <p:ph type="title"/>
+          </p:nvPr>
+        </p:nvSpPr>
+        <p:spPr>
+          <a:xfrm>
+            <a:off x="457200" y="205980"/>
+            <a:ext cx="8229600" cy="857251"/>
+          </a:xfrm>
+        </p:spPr>
+        <p:txBody>
+          <a:bodyPr>
+            <a:normAutofit/>
+          </a:bodyPr>
+          <a:lstStyle/>
+          <a:p>
+            <a:r>
               <a:rPr lang="en-US" b="1" dirty="0" err="1">
                 <a:solidFill>
                   <a:srgbClr val="0070C0"/>
@@ -8224,7 +12386,7 @@
 </p:sld>
 </file>
 
-<file path=ppt/slides/slide22.xml><?xml version="1.0" encoding="utf-8"?>
+<file path=ppt/slides/slide31.xml><?xml version="1.0" encoding="utf-8"?>
 <p:sld xmlns:a="http://schemas.openxmlformats.org/drawingml/2006/main" xmlns:r="http://schemas.openxmlformats.org/officeDocument/2006/relationships" xmlns:p="http://schemas.openxmlformats.org/presentationml/2006/main">
   <p:cSld>
     <p:spTree>
@@ -8682,469 +12844,6 @@
         </p:txBody>
       </p:sp>
     </p:spTree>
-  </p:cSld>
-  <p:clrMapOvr>
-    <a:masterClrMapping/>
-  </p:clrMapOvr>
-  <p:transition spd="med"/>
-</p:sld>
-</file>
-
-<file path=ppt/slides/slide3.xml><?xml version="1.0" encoding="utf-8"?>
-<p:sld xmlns:a="http://schemas.openxmlformats.org/drawingml/2006/main" xmlns:r="http://schemas.openxmlformats.org/officeDocument/2006/relationships" xmlns:p="http://schemas.openxmlformats.org/presentationml/2006/main">
-  <p:cSld>
-    <p:spTree>
-      <p:nvGrpSpPr>
-        <p:cNvPr id="1" name=""/>
-        <p:cNvGrpSpPr/>
-        <p:nvPr/>
-      </p:nvGrpSpPr>
-      <p:grpSpPr>
-        <a:xfrm>
-          <a:off x="0" y="0"/>
-          <a:ext cx="0" cy="0"/>
-          <a:chOff x="0" y="0"/>
-          <a:chExt cx="0" cy="0"/>
-        </a:xfrm>
-      </p:grpSpPr>
-      <p:sp>
-        <p:nvSpPr>
-          <p:cNvPr id="6" name="Title 1"/>
-          <p:cNvSpPr>
-            <a:spLocks noGrp="1"/>
-          </p:cNvSpPr>
-          <p:nvPr>
-            <p:ph type="title"/>
-          </p:nvPr>
-        </p:nvSpPr>
-        <p:spPr>
-          <a:xfrm>
-            <a:off x="457200" y="205980"/>
-            <a:ext cx="8229600" cy="857251"/>
-          </a:xfrm>
-        </p:spPr>
-        <p:txBody>
-          <a:bodyPr>
-            <a:normAutofit/>
-          </a:bodyPr>
-          <a:lstStyle/>
-          <a:p>
-            <a:r>
-              <a:rPr lang="en-US" b="1" dirty="0">
-                <a:solidFill>
-                  <a:srgbClr val="0070C0"/>
-                </a:solidFill>
-              </a:rPr>
-              <a:t>CSS – Caixa (</a:t>
-            </a:r>
-            <a:r>
-              <a:rPr lang="en-US" b="1">
-                <a:solidFill>
-                  <a:srgbClr val="0070C0"/>
-                </a:solidFill>
-              </a:rPr>
-              <a:t>Div) </a:t>
-            </a:r>
-            <a:r>
-              <a:rPr lang="en-US" b="1" dirty="0">
-                <a:solidFill>
-                  <a:srgbClr val="0070C0"/>
-                </a:solidFill>
-              </a:rPr>
-              <a:t>- </a:t>
-            </a:r>
-            <a:r>
-              <a:rPr lang="en-US" b="1" dirty="0" err="1">
-                <a:solidFill>
-                  <a:srgbClr val="0070C0"/>
-                </a:solidFill>
-              </a:rPr>
-              <a:t>Revisão</a:t>
-            </a:r>
-            <a:endParaRPr lang="en-US" b="1" dirty="0">
-              <a:solidFill>
-                <a:srgbClr val="0070C0"/>
-              </a:solidFill>
-            </a:endParaRPr>
-          </a:p>
-        </p:txBody>
-      </p:sp>
-      <p:sp>
-        <p:nvSpPr>
-          <p:cNvPr id="8" name="Text Placeholder 2"/>
-          <p:cNvSpPr>
-            <a:spLocks noGrp="1"/>
-          </p:cNvSpPr>
-          <p:nvPr>
-            <p:ph type="body" sz="half" idx="1"/>
-          </p:nvPr>
-        </p:nvSpPr>
-        <p:spPr>
-          <a:xfrm>
-            <a:off x="142865" y="1037312"/>
-            <a:ext cx="8865056" cy="4023203"/>
-          </a:xfrm>
-        </p:spPr>
-        <p:txBody>
-          <a:bodyPr>
-            <a:noAutofit/>
-          </a:bodyPr>
-          <a:lstStyle/>
-          <a:p>
-            <a:pPr marL="0" indent="0" algn="just">
-              <a:buNone/>
-            </a:pPr>
-            <a:endParaRPr lang="pt-BR" sz="2400" dirty="0">
-              <a:solidFill>
-                <a:schemeClr val="tx1"/>
-              </a:solidFill>
-              <a:latin typeface="Times New Roman" panose="02020603050405020304" pitchFamily="18" charset="0"/>
-              <a:cs typeface="Times New Roman" panose="02020603050405020304" pitchFamily="18" charset="0"/>
-            </a:endParaRPr>
-          </a:p>
-          <a:p>
-            <a:pPr marL="0" indent="0" algn="just">
-              <a:buNone/>
-            </a:pPr>
-            <a:endParaRPr lang="en-US" sz="2400" dirty="0">
-              <a:solidFill>
-                <a:schemeClr val="tx1"/>
-              </a:solidFill>
-              <a:latin typeface="Times New Roman" panose="02020603050405020304" pitchFamily="18" charset="0"/>
-              <a:cs typeface="Times New Roman" panose="02020603050405020304" pitchFamily="18" charset="0"/>
-            </a:endParaRPr>
-          </a:p>
-        </p:txBody>
-      </p:sp>
-      <p:pic>
-        <p:nvPicPr>
-          <p:cNvPr id="3" name="Imagem 2">
-            <a:extLst>
-              <a:ext uri="{FF2B5EF4-FFF2-40B4-BE49-F238E27FC236}">
-                <a16:creationId xmlns:a16="http://schemas.microsoft.com/office/drawing/2014/main" id="{291CA211-4FC3-4164-A0D6-C1865C210AB3}"/>
-              </a:ext>
-            </a:extLst>
-          </p:cNvPr>
-          <p:cNvPicPr>
-            <a:picLocks noChangeAspect="1"/>
-          </p:cNvPicPr>
-          <p:nvPr/>
-        </p:nvPicPr>
-        <p:blipFill>
-          <a:blip r:embed="rId3"/>
-          <a:stretch>
-            <a:fillRect/>
-          </a:stretch>
-        </p:blipFill>
-        <p:spPr>
-          <a:xfrm>
-            <a:off x="364298" y="1037312"/>
-            <a:ext cx="4027398" cy="4016424"/>
-          </a:xfrm>
-          <a:prstGeom prst="rect">
-            <a:avLst/>
-          </a:prstGeom>
-        </p:spPr>
-      </p:pic>
-      <p:pic>
-        <p:nvPicPr>
-          <p:cNvPr id="5" name="Imagem 4">
-            <a:extLst>
-              <a:ext uri="{FF2B5EF4-FFF2-40B4-BE49-F238E27FC236}">
-                <a16:creationId xmlns:a16="http://schemas.microsoft.com/office/drawing/2014/main" id="{97A45DE4-BC03-48F7-A401-91A83061C2C6}"/>
-              </a:ext>
-            </a:extLst>
-          </p:cNvPr>
-          <p:cNvPicPr>
-            <a:picLocks noChangeAspect="1"/>
-          </p:cNvPicPr>
-          <p:nvPr/>
-        </p:nvPicPr>
-        <p:blipFill>
-          <a:blip r:embed="rId4"/>
-          <a:stretch>
-            <a:fillRect/>
-          </a:stretch>
-        </p:blipFill>
-        <p:spPr>
-          <a:xfrm>
-            <a:off x="4475721" y="1199814"/>
-            <a:ext cx="4448175" cy="1095375"/>
-          </a:xfrm>
-          <a:prstGeom prst="rect">
-            <a:avLst/>
-          </a:prstGeom>
-        </p:spPr>
-      </p:pic>
-      <p:sp>
-        <p:nvSpPr>
-          <p:cNvPr id="9" name="CaixaDeTexto 8">
-            <a:extLst>
-              <a:ext uri="{FF2B5EF4-FFF2-40B4-BE49-F238E27FC236}">
-                <a16:creationId xmlns:a16="http://schemas.microsoft.com/office/drawing/2014/main" id="{F10D8F32-0EF2-41C3-A97F-41B2B6781DD4}"/>
-              </a:ext>
-            </a:extLst>
-          </p:cNvPr>
-          <p:cNvSpPr txBox="1"/>
-          <p:nvPr/>
-        </p:nvSpPr>
-        <p:spPr>
-          <a:xfrm>
-            <a:off x="4475719" y="2571750"/>
-            <a:ext cx="4532201" cy="1754322"/>
-          </a:xfrm>
-          <a:prstGeom prst="rect">
-            <a:avLst/>
-          </a:prstGeom>
-          <a:noFill/>
-          <a:ln w="12700" cap="flat">
-            <a:noFill/>
-            <a:miter lim="400000"/>
-          </a:ln>
-        </p:spPr>
-        <p:style>
-          <a:lnRef idx="0">
-            <a:scrgbClr r="0" g="0" b="0"/>
-          </a:lnRef>
-          <a:fillRef idx="0">
-            <a:scrgbClr r="0" g="0" b="0"/>
-          </a:fillRef>
-          <a:effectRef idx="0">
-            <a:scrgbClr r="0" g="0" b="0"/>
-          </a:effectRef>
-          <a:fontRef idx="none"/>
-        </p:style>
-        <p:txBody>
-          <a:bodyPr rot="0" spcFirstLastPara="1" vertOverflow="overflow" horzOverflow="overflow" vert="horz" wrap="square" lIns="45718" tIns="45718" rIns="45718" bIns="45718" numCol="1" spcCol="38100" rtlCol="0" anchor="t">
-            <a:spAutoFit/>
-          </a:bodyPr>
-          <a:lstStyle/>
-          <a:p>
-            <a:pPr marL="0" marR="0" indent="0" algn="l" defTabSz="457200" rtl="0" fontAlgn="auto" latinLnBrk="0" hangingPunct="0">
-              <a:lnSpc>
-                <a:spcPct val="100000"/>
-              </a:lnSpc>
-              <a:spcBef>
-                <a:spcPts val="0"/>
-              </a:spcBef>
-              <a:spcAft>
-                <a:spcPts val="0"/>
-              </a:spcAft>
-              <a:buClrTx/>
-              <a:buSzTx/>
-              <a:buFontTx/>
-              <a:buNone/>
-            </a:pPr>
-            <a:r>
-              <a:rPr kumimoji="0" lang="pt-BR" sz="1800" b="1" i="0" u="none" strike="noStrike" cap="none" spc="0" normalizeH="0" baseline="0" dirty="0" err="1">
-                <a:ln>
-                  <a:noFill/>
-                </a:ln>
-                <a:solidFill>
-                  <a:srgbClr val="FF0000"/>
-                </a:solidFill>
-                <a:effectLst/>
-                <a:uFillTx/>
-                <a:latin typeface="+mj-lt"/>
-                <a:ea typeface="+mj-ea"/>
-                <a:cs typeface="+mj-cs"/>
-                <a:sym typeface="Calibri"/>
-              </a:rPr>
-              <a:t>Padding</a:t>
-            </a:r>
-            <a:r>
-              <a:rPr kumimoji="0" lang="pt-BR" sz="1800" b="0" i="0" u="none" strike="noStrike" cap="none" spc="0" normalizeH="0" baseline="0" dirty="0">
-                <a:ln>
-                  <a:noFill/>
-                </a:ln>
-                <a:solidFill>
-                  <a:srgbClr val="000000"/>
-                </a:solidFill>
-                <a:effectLst/>
-                <a:uFillTx/>
-                <a:latin typeface="+mj-lt"/>
-                <a:ea typeface="+mj-ea"/>
-                <a:cs typeface="+mj-cs"/>
-                <a:sym typeface="Calibri"/>
-              </a:rPr>
-              <a:t>: o espaço ao redor do conteúdo (ex.: ao redor do texto de um parágrafo).</a:t>
-            </a:r>
-          </a:p>
-          <a:p>
-            <a:pPr marL="0" marR="0" indent="0" algn="l" defTabSz="457200" rtl="0" fontAlgn="auto" latinLnBrk="0" hangingPunct="0">
-              <a:lnSpc>
-                <a:spcPct val="100000"/>
-              </a:lnSpc>
-              <a:spcBef>
-                <a:spcPts val="0"/>
-              </a:spcBef>
-              <a:spcAft>
-                <a:spcPts val="0"/>
-              </a:spcAft>
-              <a:buClrTx/>
-              <a:buSzTx/>
-              <a:buFontTx/>
-              <a:buNone/>
-            </a:pPr>
-            <a:r>
-              <a:rPr kumimoji="0" lang="pt-BR" sz="1800" b="1" i="0" u="none" strike="noStrike" cap="none" spc="0" normalizeH="0" baseline="0" dirty="0" err="1">
-                <a:ln>
-                  <a:noFill/>
-                </a:ln>
-                <a:solidFill>
-                  <a:srgbClr val="FF0000"/>
-                </a:solidFill>
-                <a:effectLst/>
-                <a:uFillTx/>
-                <a:latin typeface="+mj-lt"/>
-                <a:ea typeface="+mj-ea"/>
-                <a:cs typeface="+mj-cs"/>
-                <a:sym typeface="Calibri"/>
-              </a:rPr>
-              <a:t>Border</a:t>
-            </a:r>
-            <a:r>
-              <a:rPr kumimoji="0" lang="pt-BR" sz="1800" b="0" i="0" u="none" strike="noStrike" cap="none" spc="0" normalizeH="0" baseline="0" dirty="0">
-                <a:ln>
-                  <a:noFill/>
-                </a:ln>
-                <a:solidFill>
-                  <a:srgbClr val="000000"/>
-                </a:solidFill>
-                <a:effectLst/>
-                <a:uFillTx/>
-                <a:latin typeface="+mj-lt"/>
-                <a:ea typeface="+mj-ea"/>
-                <a:cs typeface="+mj-cs"/>
-                <a:sym typeface="Calibri"/>
-              </a:rPr>
-              <a:t>: a linha sólida do lado de fora do </a:t>
-            </a:r>
-            <a:r>
-              <a:rPr kumimoji="0" lang="pt-BR" sz="1800" b="0" i="0" u="none" strike="noStrike" cap="none" spc="0" normalizeH="0" baseline="0" dirty="0" err="1">
-                <a:ln>
-                  <a:noFill/>
-                </a:ln>
-                <a:solidFill>
-                  <a:srgbClr val="000000"/>
-                </a:solidFill>
-                <a:effectLst/>
-                <a:uFillTx/>
-                <a:latin typeface="+mj-lt"/>
-                <a:ea typeface="+mj-ea"/>
-                <a:cs typeface="+mj-cs"/>
-                <a:sym typeface="Calibri"/>
-              </a:rPr>
-              <a:t>padding</a:t>
-            </a:r>
-            <a:r>
-              <a:rPr kumimoji="0" lang="pt-BR" sz="1800" b="0" i="0" u="none" strike="noStrike" cap="none" spc="0" normalizeH="0" baseline="0" dirty="0">
-                <a:ln>
-                  <a:noFill/>
-                </a:ln>
-                <a:solidFill>
-                  <a:srgbClr val="000000"/>
-                </a:solidFill>
-                <a:effectLst/>
-                <a:uFillTx/>
-                <a:latin typeface="+mj-lt"/>
-                <a:ea typeface="+mj-ea"/>
-                <a:cs typeface="+mj-cs"/>
-                <a:sym typeface="Calibri"/>
-              </a:rPr>
-              <a:t>.</a:t>
-            </a:r>
-          </a:p>
-          <a:p>
-            <a:pPr marL="0" marR="0" indent="0" algn="l" defTabSz="457200" rtl="0" fontAlgn="auto" latinLnBrk="0" hangingPunct="0">
-              <a:lnSpc>
-                <a:spcPct val="100000"/>
-              </a:lnSpc>
-              <a:spcBef>
-                <a:spcPts val="0"/>
-              </a:spcBef>
-              <a:spcAft>
-                <a:spcPts val="0"/>
-              </a:spcAft>
-              <a:buClrTx/>
-              <a:buSzTx/>
-              <a:buFontTx/>
-              <a:buNone/>
-            </a:pPr>
-            <a:r>
-              <a:rPr kumimoji="0" lang="pt-BR" sz="1800" b="1" i="0" u="none" strike="noStrike" cap="none" spc="0" normalizeH="0" baseline="0" dirty="0" err="1">
-                <a:ln>
-                  <a:noFill/>
-                </a:ln>
-                <a:solidFill>
-                  <a:srgbClr val="FF0000"/>
-                </a:solidFill>
-                <a:effectLst/>
-                <a:uFillTx/>
-                <a:latin typeface="+mj-lt"/>
-                <a:ea typeface="+mj-ea"/>
-                <a:cs typeface="+mj-cs"/>
-                <a:sym typeface="Calibri"/>
-              </a:rPr>
-              <a:t>Margin</a:t>
-            </a:r>
-            <a:r>
-              <a:rPr kumimoji="0" lang="pt-BR" sz="1800" b="0" i="0" u="none" strike="noStrike" cap="none" spc="0" normalizeH="0" baseline="0" dirty="0">
-                <a:ln>
-                  <a:noFill/>
-                </a:ln>
-                <a:solidFill>
-                  <a:srgbClr val="000000"/>
-                </a:solidFill>
-                <a:effectLst/>
-                <a:uFillTx/>
-                <a:latin typeface="+mj-lt"/>
-                <a:ea typeface="+mj-ea"/>
-                <a:cs typeface="+mj-cs"/>
-                <a:sym typeface="Calibri"/>
-              </a:rPr>
-              <a:t>: o espaço externo a um elemento.</a:t>
-            </a:r>
-          </a:p>
-          <a:p>
-            <a:pPr marL="0" marR="0" indent="0" algn="l" defTabSz="457200" rtl="0" fontAlgn="auto" latinLnBrk="0" hangingPunct="0">
-              <a:lnSpc>
-                <a:spcPct val="100000"/>
-              </a:lnSpc>
-              <a:spcBef>
-                <a:spcPts val="0"/>
-              </a:spcBef>
-              <a:spcAft>
-                <a:spcPts val="0"/>
-              </a:spcAft>
-              <a:buClrTx/>
-              <a:buSzTx/>
-              <a:buFontTx/>
-              <a:buNone/>
-            </a:pPr>
-            <a:endParaRPr kumimoji="0" lang="pt-BR" sz="1800" b="0" i="0" u="none" strike="noStrike" cap="none" spc="0" normalizeH="0" baseline="0" dirty="0">
-              <a:ln>
-                <a:noFill/>
-              </a:ln>
-              <a:solidFill>
-                <a:srgbClr val="000000"/>
-              </a:solidFill>
-              <a:effectLst/>
-              <a:uFillTx/>
-              <a:latin typeface="+mj-lt"/>
-              <a:ea typeface="+mj-ea"/>
-              <a:cs typeface="+mj-cs"/>
-              <a:sym typeface="Calibri"/>
-            </a:endParaRPr>
-          </a:p>
-        </p:txBody>
-      </p:sp>
-    </p:spTree>
-    <p:extLst>
-      <p:ext uri="{BB962C8B-B14F-4D97-AF65-F5344CB8AC3E}">
-        <p14:creationId xmlns:p14="http://schemas.microsoft.com/office/powerpoint/2010/main" val="1453944046"/>
-      </p:ext>
-    </p:extLst>
   </p:cSld>
   <p:clrMapOvr>
     <a:masterClrMapping/>
